--- a/2020-06-03-연수고.pptx
+++ b/2020-06-03-연수고.pptx
@@ -5,7 +5,7 @@
     <p:sldMasterId id="2147483648" r:id="rId1"/>
   </p:sldMasterIdLst>
   <p:notesMasterIdLst>
-    <p:notesMasterId r:id="rId20"/>
+    <p:notesMasterId r:id="rId22"/>
   </p:notesMasterIdLst>
   <p:sldIdLst>
     <p:sldId id="1100" r:id="rId2"/>
@@ -13,19 +13,21 @@
     <p:sldId id="1139" r:id="rId4"/>
     <p:sldId id="1153" r:id="rId5"/>
     <p:sldId id="1152" r:id="rId6"/>
-    <p:sldId id="1154" r:id="rId7"/>
+    <p:sldId id="1176" r:id="rId7"/>
     <p:sldId id="1165" r:id="rId8"/>
     <p:sldId id="1166" r:id="rId9"/>
     <p:sldId id="1167" r:id="rId10"/>
     <p:sldId id="1175" r:id="rId11"/>
-    <p:sldId id="1163" r:id="rId12"/>
-    <p:sldId id="1168" r:id="rId13"/>
-    <p:sldId id="1170" r:id="rId14"/>
-    <p:sldId id="1172" r:id="rId15"/>
-    <p:sldId id="1173" r:id="rId16"/>
-    <p:sldId id="1174" r:id="rId17"/>
-    <p:sldId id="1156" r:id="rId18"/>
-    <p:sldId id="1146" r:id="rId19"/>
+    <p:sldId id="1154" r:id="rId12"/>
+    <p:sldId id="1163" r:id="rId13"/>
+    <p:sldId id="1168" r:id="rId14"/>
+    <p:sldId id="1170" r:id="rId15"/>
+    <p:sldId id="1172" r:id="rId16"/>
+    <p:sldId id="1173" r:id="rId17"/>
+    <p:sldId id="1174" r:id="rId18"/>
+    <p:sldId id="1156" r:id="rId19"/>
+    <p:sldId id="1177" r:id="rId20"/>
+    <p:sldId id="1146" r:id="rId21"/>
   </p:sldIdLst>
   <p:sldSz cx="12192000" cy="6858000"/>
   <p:notesSz cx="6858000" cy="9144000"/>
@@ -214,7 +216,7 @@
           <a:p>
             <a:fld id="{441FEC62-9B31-4DF2-936D-FD9BCACC7C84}" type="datetimeFigureOut">
               <a:rPr lang="ko-KR" altLang="en-US" smtClean="0"/>
-              <a:t>2020-06-01</a:t>
+              <a:t>2020-06-02</a:t>
             </a:fld>
             <a:endParaRPr lang="ko-KR" altLang="en-US"/>
           </a:p>
@@ -760,7 +762,7 @@
     </p:spTree>
     <p:extLst>
       <p:ext uri="{BB962C8B-B14F-4D97-AF65-F5344CB8AC3E}">
-        <p14:creationId xmlns:p14="http://schemas.microsoft.com/office/powerpoint/2010/main" val="1091891185"/>
+        <p14:creationId xmlns:p14="http://schemas.microsoft.com/office/powerpoint/2010/main" val="2568545503"/>
       </p:ext>
     </p:extLst>
   </p:cSld>
@@ -850,7 +852,7 @@
     </p:spTree>
     <p:extLst>
       <p:ext uri="{BB962C8B-B14F-4D97-AF65-F5344CB8AC3E}">
-        <p14:creationId xmlns:p14="http://schemas.microsoft.com/office/powerpoint/2010/main" val="581024443"/>
+        <p14:creationId xmlns:p14="http://schemas.microsoft.com/office/powerpoint/2010/main" val="1091891185"/>
       </p:ext>
     </p:extLst>
   </p:cSld>
@@ -940,7 +942,7 @@
     </p:spTree>
     <p:extLst>
       <p:ext uri="{BB962C8B-B14F-4D97-AF65-F5344CB8AC3E}">
-        <p14:creationId xmlns:p14="http://schemas.microsoft.com/office/powerpoint/2010/main" val="2805434822"/>
+        <p14:creationId xmlns:p14="http://schemas.microsoft.com/office/powerpoint/2010/main" val="581024443"/>
       </p:ext>
     </p:extLst>
   </p:cSld>
@@ -1030,7 +1032,7 @@
     </p:spTree>
     <p:extLst>
       <p:ext uri="{BB962C8B-B14F-4D97-AF65-F5344CB8AC3E}">
-        <p14:creationId xmlns:p14="http://schemas.microsoft.com/office/powerpoint/2010/main" val="720256661"/>
+        <p14:creationId xmlns:p14="http://schemas.microsoft.com/office/powerpoint/2010/main" val="2805434822"/>
       </p:ext>
     </p:extLst>
   </p:cSld>
@@ -1120,7 +1122,7 @@
     </p:spTree>
     <p:extLst>
       <p:ext uri="{BB962C8B-B14F-4D97-AF65-F5344CB8AC3E}">
-        <p14:creationId xmlns:p14="http://schemas.microsoft.com/office/powerpoint/2010/main" val="1207411640"/>
+        <p14:creationId xmlns:p14="http://schemas.microsoft.com/office/powerpoint/2010/main" val="720256661"/>
       </p:ext>
     </p:extLst>
   </p:cSld>
@@ -1210,7 +1212,7 @@
     </p:spTree>
     <p:extLst>
       <p:ext uri="{BB962C8B-B14F-4D97-AF65-F5344CB8AC3E}">
-        <p14:creationId xmlns:p14="http://schemas.microsoft.com/office/powerpoint/2010/main" val="776651397"/>
+        <p14:creationId xmlns:p14="http://schemas.microsoft.com/office/powerpoint/2010/main" val="1207411640"/>
       </p:ext>
     </p:extLst>
   </p:cSld>
@@ -1300,7 +1302,7 @@
     </p:spTree>
     <p:extLst>
       <p:ext uri="{BB962C8B-B14F-4D97-AF65-F5344CB8AC3E}">
-        <p14:creationId xmlns:p14="http://schemas.microsoft.com/office/powerpoint/2010/main" val="246384144"/>
+        <p14:creationId xmlns:p14="http://schemas.microsoft.com/office/powerpoint/2010/main" val="776651397"/>
       </p:ext>
     </p:extLst>
   </p:cSld>
@@ -1390,7 +1392,97 @@
     </p:spTree>
     <p:extLst>
       <p:ext uri="{BB962C8B-B14F-4D97-AF65-F5344CB8AC3E}">
-        <p14:creationId xmlns:p14="http://schemas.microsoft.com/office/powerpoint/2010/main" val="1445586779"/>
+        <p14:creationId xmlns:p14="http://schemas.microsoft.com/office/powerpoint/2010/main" val="246384144"/>
+      </p:ext>
+    </p:extLst>
+  </p:cSld>
+  <p:clrMapOvr>
+    <a:masterClrMapping/>
+  </p:clrMapOvr>
+</p:notes>
+</file>
+
+<file path=ppt/notesSlides/notesSlide19.xml><?xml version="1.0" encoding="utf-8"?>
+<p:notes xmlns:a="http://schemas.openxmlformats.org/drawingml/2006/main" xmlns:r="http://schemas.openxmlformats.org/officeDocument/2006/relationships" xmlns:p="http://schemas.openxmlformats.org/presentationml/2006/main">
+  <p:cSld>
+    <p:spTree>
+      <p:nvGrpSpPr>
+        <p:cNvPr id="1" name=""/>
+        <p:cNvGrpSpPr/>
+        <p:nvPr/>
+      </p:nvGrpSpPr>
+      <p:grpSpPr>
+        <a:xfrm>
+          <a:off x="0" y="0"/>
+          <a:ext cx="0" cy="0"/>
+          <a:chOff x="0" y="0"/>
+          <a:chExt cx="0" cy="0"/>
+        </a:xfrm>
+      </p:grpSpPr>
+      <p:sp>
+        <p:nvSpPr>
+          <p:cNvPr id="2" name="슬라이드 이미지 개체 틀 1"/>
+          <p:cNvSpPr>
+            <a:spLocks noGrp="1" noRot="1" noChangeAspect="1"/>
+          </p:cNvSpPr>
+          <p:nvPr>
+            <p:ph type="sldImg"/>
+          </p:nvPr>
+        </p:nvSpPr>
+        <p:spPr/>
+      </p:sp>
+      <p:sp>
+        <p:nvSpPr>
+          <p:cNvPr id="3" name="슬라이드 노트 개체 틀 2"/>
+          <p:cNvSpPr>
+            <a:spLocks noGrp="1"/>
+          </p:cNvSpPr>
+          <p:nvPr>
+            <p:ph type="body" idx="1"/>
+          </p:nvPr>
+        </p:nvSpPr>
+        <p:spPr/>
+        <p:txBody>
+          <a:bodyPr/>
+          <a:lstStyle/>
+          <a:p>
+            <a:endParaRPr lang="ko-KR" altLang="en-US" dirty="0"/>
+          </a:p>
+        </p:txBody>
+      </p:sp>
+      <p:sp>
+        <p:nvSpPr>
+          <p:cNvPr id="4" name="슬라이드 번호 개체 틀 3"/>
+          <p:cNvSpPr>
+            <a:spLocks noGrp="1"/>
+          </p:cNvSpPr>
+          <p:nvPr>
+            <p:ph type="sldNum" sz="quarter" idx="10"/>
+          </p:nvPr>
+        </p:nvSpPr>
+        <p:spPr/>
+        <p:txBody>
+          <a:bodyPr/>
+          <a:lstStyle/>
+          <a:p>
+            <a:pPr>
+              <a:defRPr/>
+            </a:pPr>
+            <a:fld id="{EF25C9CB-473F-4C79-8889-7E058F4F291A}" type="slidenum">
+              <a:rPr lang="en-US" altLang="ko-KR" smtClean="0"/>
+              <a:pPr>
+                <a:defRPr/>
+              </a:pPr>
+              <a:t>19</a:t>
+            </a:fld>
+            <a:endParaRPr lang="en-US" altLang="ko-KR" dirty="0"/>
+          </a:p>
+        </p:txBody>
+      </p:sp>
+    </p:spTree>
+    <p:extLst>
+      <p:ext uri="{BB962C8B-B14F-4D97-AF65-F5344CB8AC3E}">
+        <p14:creationId xmlns:p14="http://schemas.microsoft.com/office/powerpoint/2010/main" val="2013654352"/>
       </p:ext>
     </p:extLst>
   </p:cSld>
@@ -1481,6 +1573,96 @@
     <p:extLst>
       <p:ext uri="{BB962C8B-B14F-4D97-AF65-F5344CB8AC3E}">
         <p14:creationId xmlns:p14="http://schemas.microsoft.com/office/powerpoint/2010/main" val="2328512896"/>
+      </p:ext>
+    </p:extLst>
+  </p:cSld>
+  <p:clrMapOvr>
+    <a:masterClrMapping/>
+  </p:clrMapOvr>
+</p:notes>
+</file>
+
+<file path=ppt/notesSlides/notesSlide20.xml><?xml version="1.0" encoding="utf-8"?>
+<p:notes xmlns:a="http://schemas.openxmlformats.org/drawingml/2006/main" xmlns:r="http://schemas.openxmlformats.org/officeDocument/2006/relationships" xmlns:p="http://schemas.openxmlformats.org/presentationml/2006/main">
+  <p:cSld>
+    <p:spTree>
+      <p:nvGrpSpPr>
+        <p:cNvPr id="1" name=""/>
+        <p:cNvGrpSpPr/>
+        <p:nvPr/>
+      </p:nvGrpSpPr>
+      <p:grpSpPr>
+        <a:xfrm>
+          <a:off x="0" y="0"/>
+          <a:ext cx="0" cy="0"/>
+          <a:chOff x="0" y="0"/>
+          <a:chExt cx="0" cy="0"/>
+        </a:xfrm>
+      </p:grpSpPr>
+      <p:sp>
+        <p:nvSpPr>
+          <p:cNvPr id="2" name="슬라이드 이미지 개체 틀 1"/>
+          <p:cNvSpPr>
+            <a:spLocks noGrp="1" noRot="1" noChangeAspect="1"/>
+          </p:cNvSpPr>
+          <p:nvPr>
+            <p:ph type="sldImg"/>
+          </p:nvPr>
+        </p:nvSpPr>
+        <p:spPr/>
+      </p:sp>
+      <p:sp>
+        <p:nvSpPr>
+          <p:cNvPr id="3" name="슬라이드 노트 개체 틀 2"/>
+          <p:cNvSpPr>
+            <a:spLocks noGrp="1"/>
+          </p:cNvSpPr>
+          <p:nvPr>
+            <p:ph type="body" idx="1"/>
+          </p:nvPr>
+        </p:nvSpPr>
+        <p:spPr/>
+        <p:txBody>
+          <a:bodyPr/>
+          <a:lstStyle/>
+          <a:p>
+            <a:endParaRPr lang="ko-KR" altLang="en-US" dirty="0"/>
+          </a:p>
+        </p:txBody>
+      </p:sp>
+      <p:sp>
+        <p:nvSpPr>
+          <p:cNvPr id="4" name="슬라이드 번호 개체 틀 3"/>
+          <p:cNvSpPr>
+            <a:spLocks noGrp="1"/>
+          </p:cNvSpPr>
+          <p:nvPr>
+            <p:ph type="sldNum" sz="quarter" idx="10"/>
+          </p:nvPr>
+        </p:nvSpPr>
+        <p:spPr/>
+        <p:txBody>
+          <a:bodyPr/>
+          <a:lstStyle/>
+          <a:p>
+            <a:pPr>
+              <a:defRPr/>
+            </a:pPr>
+            <a:fld id="{EF25C9CB-473F-4C79-8889-7E058F4F291A}" type="slidenum">
+              <a:rPr lang="en-US" altLang="ko-KR" smtClean="0"/>
+              <a:pPr>
+                <a:defRPr/>
+              </a:pPr>
+              <a:t>20</a:t>
+            </a:fld>
+            <a:endParaRPr lang="en-US" altLang="ko-KR" dirty="0"/>
+          </a:p>
+        </p:txBody>
+      </p:sp>
+    </p:spTree>
+    <p:extLst>
+      <p:ext uri="{BB962C8B-B14F-4D97-AF65-F5344CB8AC3E}">
+        <p14:creationId xmlns:p14="http://schemas.microsoft.com/office/powerpoint/2010/main" val="1445586779"/>
       </p:ext>
     </p:extLst>
   </p:cSld>
@@ -1840,7 +2022,7 @@
     </p:spTree>
     <p:extLst>
       <p:ext uri="{BB962C8B-B14F-4D97-AF65-F5344CB8AC3E}">
-        <p14:creationId xmlns:p14="http://schemas.microsoft.com/office/powerpoint/2010/main" val="2568545503"/>
+        <p14:creationId xmlns:p14="http://schemas.microsoft.com/office/powerpoint/2010/main" val="1727153016"/>
       </p:ext>
     </p:extLst>
   </p:cSld>
@@ -2267,7 +2449,7 @@
           <a:p>
             <a:fld id="{05CE1C86-58EB-41F5-AE4C-2D6DBC13F52E}" type="datetimeFigureOut">
               <a:rPr lang="ko-KR" altLang="en-US" smtClean="0"/>
-              <a:t>2020-06-01</a:t>
+              <a:t>2020-06-02</a:t>
             </a:fld>
             <a:endParaRPr lang="ko-KR" altLang="en-US"/>
           </a:p>
@@ -2465,7 +2647,7 @@
           <a:p>
             <a:fld id="{05CE1C86-58EB-41F5-AE4C-2D6DBC13F52E}" type="datetimeFigureOut">
               <a:rPr lang="ko-KR" altLang="en-US" smtClean="0"/>
-              <a:t>2020-06-01</a:t>
+              <a:t>2020-06-02</a:t>
             </a:fld>
             <a:endParaRPr lang="ko-KR" altLang="en-US"/>
           </a:p>
@@ -2673,7 +2855,7 @@
           <a:p>
             <a:fld id="{05CE1C86-58EB-41F5-AE4C-2D6DBC13F52E}" type="datetimeFigureOut">
               <a:rPr lang="ko-KR" altLang="en-US" smtClean="0"/>
-              <a:t>2020-06-01</a:t>
+              <a:t>2020-06-02</a:t>
             </a:fld>
             <a:endParaRPr lang="ko-KR" altLang="en-US"/>
           </a:p>
@@ -2871,7 +3053,7 @@
           <a:p>
             <a:fld id="{05CE1C86-58EB-41F5-AE4C-2D6DBC13F52E}" type="datetimeFigureOut">
               <a:rPr lang="ko-KR" altLang="en-US" smtClean="0"/>
-              <a:t>2020-06-01</a:t>
+              <a:t>2020-06-02</a:t>
             </a:fld>
             <a:endParaRPr lang="ko-KR" altLang="en-US"/>
           </a:p>
@@ -3146,7 +3328,7 @@
           <a:p>
             <a:fld id="{05CE1C86-58EB-41F5-AE4C-2D6DBC13F52E}" type="datetimeFigureOut">
               <a:rPr lang="ko-KR" altLang="en-US" smtClean="0"/>
-              <a:t>2020-06-01</a:t>
+              <a:t>2020-06-02</a:t>
             </a:fld>
             <a:endParaRPr lang="ko-KR" altLang="en-US"/>
           </a:p>
@@ -3411,7 +3593,7 @@
           <a:p>
             <a:fld id="{05CE1C86-58EB-41F5-AE4C-2D6DBC13F52E}" type="datetimeFigureOut">
               <a:rPr lang="ko-KR" altLang="en-US" smtClean="0"/>
-              <a:t>2020-06-01</a:t>
+              <a:t>2020-06-02</a:t>
             </a:fld>
             <a:endParaRPr lang="ko-KR" altLang="en-US"/>
           </a:p>
@@ -3823,7 +4005,7 @@
           <a:p>
             <a:fld id="{05CE1C86-58EB-41F5-AE4C-2D6DBC13F52E}" type="datetimeFigureOut">
               <a:rPr lang="ko-KR" altLang="en-US" smtClean="0"/>
-              <a:t>2020-06-01</a:t>
+              <a:t>2020-06-02</a:t>
             </a:fld>
             <a:endParaRPr lang="ko-KR" altLang="en-US"/>
           </a:p>
@@ -3964,7 +4146,7 @@
           <a:p>
             <a:fld id="{05CE1C86-58EB-41F5-AE4C-2D6DBC13F52E}" type="datetimeFigureOut">
               <a:rPr lang="ko-KR" altLang="en-US" smtClean="0"/>
-              <a:t>2020-06-01</a:t>
+              <a:t>2020-06-02</a:t>
             </a:fld>
             <a:endParaRPr lang="ko-KR" altLang="en-US"/>
           </a:p>
@@ -4077,7 +4259,7 @@
           <a:p>
             <a:fld id="{05CE1C86-58EB-41F5-AE4C-2D6DBC13F52E}" type="datetimeFigureOut">
               <a:rPr lang="ko-KR" altLang="en-US" smtClean="0"/>
-              <a:t>2020-06-01</a:t>
+              <a:t>2020-06-02</a:t>
             </a:fld>
             <a:endParaRPr lang="ko-KR" altLang="en-US"/>
           </a:p>
@@ -4388,7 +4570,7 @@
           <a:p>
             <a:fld id="{05CE1C86-58EB-41F5-AE4C-2D6DBC13F52E}" type="datetimeFigureOut">
               <a:rPr lang="ko-KR" altLang="en-US" smtClean="0"/>
-              <a:t>2020-06-01</a:t>
+              <a:t>2020-06-02</a:t>
             </a:fld>
             <a:endParaRPr lang="ko-KR" altLang="en-US"/>
           </a:p>
@@ -4676,7 +4858,7 @@
           <a:p>
             <a:fld id="{05CE1C86-58EB-41F5-AE4C-2D6DBC13F52E}" type="datetimeFigureOut">
               <a:rPr lang="ko-KR" altLang="en-US" smtClean="0"/>
-              <a:t>2020-06-01</a:t>
+              <a:t>2020-06-02</a:t>
             </a:fld>
             <a:endParaRPr lang="ko-KR" altLang="en-US"/>
           </a:p>
@@ -4917,7 +5099,7 @@
           <a:p>
             <a:fld id="{05CE1C86-58EB-41F5-AE4C-2D6DBC13F52E}" type="datetimeFigureOut">
               <a:rPr lang="ko-KR" altLang="en-US" smtClean="0"/>
-              <a:t>2020-06-01</a:t>
+              <a:t>2020-06-02</a:t>
             </a:fld>
             <a:endParaRPr lang="ko-KR" altLang="en-US"/>
           </a:p>
@@ -6128,6 +6310,615 @@
                   <a:schemeClr val="bg1"/>
                 </a:solidFill>
               </a:rPr>
+              <a:t> 학습 내용 </a:t>
+            </a:r>
+            <a:r>
+              <a:rPr lang="en-US" altLang="ko-KR" sz="3000" dirty="0">
+                <a:solidFill>
+                  <a:schemeClr val="bg1"/>
+                </a:solidFill>
+              </a:rPr>
+              <a:t>(</a:t>
+            </a:r>
+            <a:r>
+              <a:rPr lang="ko-KR" altLang="en-US" sz="3000" dirty="0">
+                <a:solidFill>
+                  <a:schemeClr val="bg1"/>
+                </a:solidFill>
+              </a:rPr>
+              <a:t>소개 </a:t>
+            </a:r>
+            <a:r>
+              <a:rPr lang="en-US" altLang="ko-KR" sz="3000" dirty="0">
+                <a:solidFill>
+                  <a:schemeClr val="bg1"/>
+                </a:solidFill>
+              </a:rPr>
+              <a:t>: </a:t>
+            </a:r>
+            <a:r>
+              <a:rPr lang="ko-KR" altLang="en-US" sz="3000" dirty="0">
+                <a:solidFill>
+                  <a:schemeClr val="bg1"/>
+                </a:solidFill>
+              </a:rPr>
+              <a:t>푸시 버튼</a:t>
+            </a:r>
+            <a:r>
+              <a:rPr lang="en-US" altLang="ko-KR" sz="3000" dirty="0">
+                <a:solidFill>
+                  <a:schemeClr val="bg1"/>
+                </a:solidFill>
+              </a:rPr>
+              <a:t>)</a:t>
+            </a:r>
+            <a:endParaRPr lang="ko-KR" altLang="en-US" sz="3000" dirty="0">
+              <a:solidFill>
+                <a:schemeClr val="bg1"/>
+              </a:solidFill>
+            </a:endParaRPr>
+          </a:p>
+        </p:txBody>
+      </p:sp>
+      <p:sp>
+        <p:nvSpPr>
+          <p:cNvPr id="2" name="TextBox 1">
+            <a:extLst>
+              <a:ext uri="{FF2B5EF4-FFF2-40B4-BE49-F238E27FC236}">
+                <a16:creationId xmlns:a16="http://schemas.microsoft.com/office/drawing/2014/main" id="{3B02BD13-A28F-40A8-9A6A-75A440D8DEBA}"/>
+              </a:ext>
+            </a:extLst>
+          </p:cNvPr>
+          <p:cNvSpPr txBox="1"/>
+          <p:nvPr/>
+        </p:nvSpPr>
+        <p:spPr>
+          <a:xfrm>
+            <a:off x="2785730" y="2647507"/>
+            <a:ext cx="184731" cy="369332"/>
+          </a:xfrm>
+          <a:prstGeom prst="rect">
+            <a:avLst/>
+          </a:prstGeom>
+          <a:noFill/>
+        </p:spPr>
+        <p:txBody>
+          <a:bodyPr wrap="none" rtlCol="0">
+            <a:spAutoFit/>
+          </a:bodyPr>
+          <a:lstStyle/>
+          <a:p>
+            <a:endParaRPr lang="ko-KR" altLang="en-US" dirty="0"/>
+          </a:p>
+        </p:txBody>
+      </p:sp>
+      <p:pic>
+        <p:nvPicPr>
+          <p:cNvPr id="1026" name="Picture 2">
+            <a:extLst>
+              <a:ext uri="{FF2B5EF4-FFF2-40B4-BE49-F238E27FC236}">
+                <a16:creationId xmlns:a16="http://schemas.microsoft.com/office/drawing/2014/main" id="{C3C8DEFC-6CE1-487F-AB87-BAB16B8FE4EC}"/>
+              </a:ext>
+            </a:extLst>
+          </p:cNvPr>
+          <p:cNvPicPr>
+            <a:picLocks noChangeAspect="1" noChangeArrowheads="1"/>
+          </p:cNvPicPr>
+          <p:nvPr/>
+        </p:nvPicPr>
+        <p:blipFill>
+          <a:blip r:embed="rId3">
+            <a:extLst>
+              <a:ext uri="{28A0092B-C50C-407E-A947-70E740481C1C}">
+                <a14:useLocalDpi xmlns:a14="http://schemas.microsoft.com/office/drawing/2010/main" val="0"/>
+              </a:ext>
+            </a:extLst>
+          </a:blip>
+          <a:srcRect/>
+          <a:stretch>
+            <a:fillRect/>
+          </a:stretch>
+        </p:blipFill>
+        <p:spPr bwMode="auto">
+          <a:xfrm>
+            <a:off x="796301" y="1887342"/>
+            <a:ext cx="3588996" cy="3588996"/>
+          </a:xfrm>
+          <a:prstGeom prst="rect">
+            <a:avLst/>
+          </a:prstGeom>
+          <a:noFill/>
+          <a:extLst>
+            <a:ext uri="{909E8E84-426E-40DD-AFC4-6F175D3DCCD1}">
+              <a14:hiddenFill xmlns:a14="http://schemas.microsoft.com/office/drawing/2010/main">
+                <a:solidFill>
+                  <a:srgbClr val="FFFFFF"/>
+                </a:solidFill>
+              </a14:hiddenFill>
+            </a:ext>
+          </a:extLst>
+        </p:spPr>
+      </p:pic>
+      <p:pic>
+        <p:nvPicPr>
+          <p:cNvPr id="1028" name="Picture 4" descr="Mac용 Magic Keyboard with Numeric Keypad 스페이스 그레이 색상 구입 ...">
+            <a:extLst>
+              <a:ext uri="{FF2B5EF4-FFF2-40B4-BE49-F238E27FC236}">
+                <a16:creationId xmlns:a16="http://schemas.microsoft.com/office/drawing/2014/main" id="{E6C5CEB6-74BD-4862-A7A1-FF137BE23731}"/>
+              </a:ext>
+            </a:extLst>
+          </p:cNvPr>
+          <p:cNvPicPr>
+            <a:picLocks noChangeAspect="1" noChangeArrowheads="1"/>
+          </p:cNvPicPr>
+          <p:nvPr/>
+        </p:nvPicPr>
+        <p:blipFill>
+          <a:blip r:embed="rId4">
+            <a:extLst>
+              <a:ext uri="{28A0092B-C50C-407E-A947-70E740481C1C}">
+                <a14:useLocalDpi xmlns:a14="http://schemas.microsoft.com/office/drawing/2010/main" val="0"/>
+              </a:ext>
+            </a:extLst>
+          </a:blip>
+          <a:srcRect/>
+          <a:stretch>
+            <a:fillRect/>
+          </a:stretch>
+        </p:blipFill>
+        <p:spPr bwMode="auto">
+          <a:xfrm>
+            <a:off x="5142074" y="961860"/>
+            <a:ext cx="3745882" cy="1685647"/>
+          </a:xfrm>
+          <a:prstGeom prst="rect">
+            <a:avLst/>
+          </a:prstGeom>
+          <a:noFill/>
+          <a:extLst>
+            <a:ext uri="{909E8E84-426E-40DD-AFC4-6F175D3DCCD1}">
+              <a14:hiddenFill xmlns:a14="http://schemas.microsoft.com/office/drawing/2010/main">
+                <a:solidFill>
+                  <a:srgbClr val="FFFFFF"/>
+                </a:solidFill>
+              </a14:hiddenFill>
+            </a:ext>
+          </a:extLst>
+        </p:spPr>
+      </p:pic>
+      <p:pic>
+        <p:nvPicPr>
+          <p:cNvPr id="1030" name="Picture 6" descr="Lenovo Legion M500 RGB 게이밍 마우스 - WW | Gaming Accessories ...">
+            <a:extLst>
+              <a:ext uri="{FF2B5EF4-FFF2-40B4-BE49-F238E27FC236}">
+                <a16:creationId xmlns:a16="http://schemas.microsoft.com/office/drawing/2014/main" id="{F0EC4C88-3AF9-457C-B13E-302FA6D6C437}"/>
+              </a:ext>
+            </a:extLst>
+          </p:cNvPr>
+          <p:cNvPicPr>
+            <a:picLocks noChangeAspect="1" noChangeArrowheads="1"/>
+          </p:cNvPicPr>
+          <p:nvPr/>
+        </p:nvPicPr>
+        <p:blipFill>
+          <a:blip r:embed="rId5">
+            <a:extLst>
+              <a:ext uri="{28A0092B-C50C-407E-A947-70E740481C1C}">
+                <a14:useLocalDpi xmlns:a14="http://schemas.microsoft.com/office/drawing/2010/main" val="0"/>
+              </a:ext>
+            </a:extLst>
+          </a:blip>
+          <a:srcRect/>
+          <a:stretch>
+            <a:fillRect/>
+          </a:stretch>
+        </p:blipFill>
+        <p:spPr bwMode="auto">
+          <a:xfrm>
+            <a:off x="8918114" y="1364309"/>
+            <a:ext cx="2782643" cy="2782643"/>
+          </a:xfrm>
+          <a:prstGeom prst="rect">
+            <a:avLst/>
+          </a:prstGeom>
+          <a:noFill/>
+          <a:extLst>
+            <a:ext uri="{909E8E84-426E-40DD-AFC4-6F175D3DCCD1}">
+              <a14:hiddenFill xmlns:a14="http://schemas.microsoft.com/office/drawing/2010/main">
+                <a:solidFill>
+                  <a:srgbClr val="FFFFFF"/>
+                </a:solidFill>
+              </a14:hiddenFill>
+            </a:ext>
+          </a:extLst>
+        </p:spPr>
+      </p:pic>
+      <p:pic>
+        <p:nvPicPr>
+          <p:cNvPr id="1032" name="Picture 8" descr="자판기, 음료, 코카콜라, 실내, 구매, 사진,이미지,일러스트,캘리 ...">
+            <a:extLst>
+              <a:ext uri="{FF2B5EF4-FFF2-40B4-BE49-F238E27FC236}">
+                <a16:creationId xmlns:a16="http://schemas.microsoft.com/office/drawing/2014/main" id="{27E46741-B92E-4D46-8987-DD47191D783B}"/>
+              </a:ext>
+            </a:extLst>
+          </p:cNvPr>
+          <p:cNvPicPr>
+            <a:picLocks noChangeAspect="1" noChangeArrowheads="1"/>
+          </p:cNvPicPr>
+          <p:nvPr/>
+        </p:nvPicPr>
+        <p:blipFill>
+          <a:blip r:embed="rId6">
+            <a:extLst>
+              <a:ext uri="{28A0092B-C50C-407E-A947-70E740481C1C}">
+                <a14:useLocalDpi xmlns:a14="http://schemas.microsoft.com/office/drawing/2010/main" val="0"/>
+              </a:ext>
+            </a:extLst>
+          </a:blip>
+          <a:srcRect/>
+          <a:stretch>
+            <a:fillRect/>
+          </a:stretch>
+        </p:blipFill>
+        <p:spPr bwMode="auto">
+          <a:xfrm>
+            <a:off x="5249032" y="3258059"/>
+            <a:ext cx="3414577" cy="2331381"/>
+          </a:xfrm>
+          <a:prstGeom prst="rect">
+            <a:avLst/>
+          </a:prstGeom>
+          <a:noFill/>
+          <a:extLst>
+            <a:ext uri="{909E8E84-426E-40DD-AFC4-6F175D3DCCD1}">
+              <a14:hiddenFill xmlns:a14="http://schemas.microsoft.com/office/drawing/2010/main">
+                <a:solidFill>
+                  <a:srgbClr val="FFFFFF"/>
+                </a:solidFill>
+              </a14:hiddenFill>
+            </a:ext>
+          </a:extLst>
+        </p:spPr>
+      </p:pic>
+      <p:pic>
+        <p:nvPicPr>
+          <p:cNvPr id="1034" name="Picture 10" descr="롯데하이마트 | LG전용 TV리모컨 AV-1310">
+            <a:extLst>
+              <a:ext uri="{FF2B5EF4-FFF2-40B4-BE49-F238E27FC236}">
+                <a16:creationId xmlns:a16="http://schemas.microsoft.com/office/drawing/2014/main" id="{CD40627E-876C-4E77-8FDF-97F4368EE392}"/>
+              </a:ext>
+            </a:extLst>
+          </p:cNvPr>
+          <p:cNvPicPr>
+            <a:picLocks noChangeAspect="1" noChangeArrowheads="1"/>
+          </p:cNvPicPr>
+          <p:nvPr/>
+        </p:nvPicPr>
+        <p:blipFill>
+          <a:blip r:embed="rId7">
+            <a:extLst>
+              <a:ext uri="{28A0092B-C50C-407E-A947-70E740481C1C}">
+                <a14:useLocalDpi xmlns:a14="http://schemas.microsoft.com/office/drawing/2010/main" val="0"/>
+              </a:ext>
+            </a:extLst>
+          </a:blip>
+          <a:srcRect/>
+          <a:stretch>
+            <a:fillRect/>
+          </a:stretch>
+        </p:blipFill>
+        <p:spPr bwMode="auto">
+          <a:xfrm>
+            <a:off x="8857797" y="3954725"/>
+            <a:ext cx="2903275" cy="2903275"/>
+          </a:xfrm>
+          <a:prstGeom prst="rect">
+            <a:avLst/>
+          </a:prstGeom>
+          <a:noFill/>
+          <a:extLst>
+            <a:ext uri="{909E8E84-426E-40DD-AFC4-6F175D3DCCD1}">
+              <a14:hiddenFill xmlns:a14="http://schemas.microsoft.com/office/drawing/2010/main">
+                <a:solidFill>
+                  <a:srgbClr val="FFFFFF"/>
+                </a:solidFill>
+              </a14:hiddenFill>
+            </a:ext>
+          </a:extLst>
+        </p:spPr>
+      </p:pic>
+    </p:spTree>
+    <p:extLst>
+      <p:ext uri="{BB962C8B-B14F-4D97-AF65-F5344CB8AC3E}">
+        <p14:creationId xmlns:p14="http://schemas.microsoft.com/office/powerpoint/2010/main" val="1564617047"/>
+      </p:ext>
+    </p:extLst>
+  </p:cSld>
+  <p:clrMapOvr>
+    <a:masterClrMapping/>
+  </p:clrMapOvr>
+  <p:timing>
+    <p:tnLst>
+      <p:par>
+        <p:cTn id="1" dur="indefinite" restart="never" nodeType="tmRoot">
+          <p:childTnLst>
+            <p:seq concurrent="1" nextAc="seek">
+              <p:cTn id="2" dur="indefinite" nodeType="mainSeq">
+                <p:childTnLst>
+                  <p:par>
+                    <p:cTn id="3" fill="hold">
+                      <p:stCondLst>
+                        <p:cond delay="indefinite"/>
+                      </p:stCondLst>
+                      <p:childTnLst>
+                        <p:par>
+                          <p:cTn id="4" fill="hold">
+                            <p:stCondLst>
+                              <p:cond delay="0"/>
+                            </p:stCondLst>
+                            <p:childTnLst>
+                              <p:par>
+                                <p:cTn id="5" presetID="1" presetClass="entr" presetSubtype="0" fill="hold" nodeType="clickEffect">
+                                  <p:stCondLst>
+                                    <p:cond delay="0"/>
+                                  </p:stCondLst>
+                                  <p:childTnLst>
+                                    <p:set>
+                                      <p:cBhvr>
+                                        <p:cTn id="6" dur="1" fill="hold">
+                                          <p:stCondLst>
+                                            <p:cond delay="0"/>
+                                          </p:stCondLst>
+                                        </p:cTn>
+                                        <p:tgtEl>
+                                          <p:spTgt spid="1028"/>
+                                        </p:tgtEl>
+                                        <p:attrNameLst>
+                                          <p:attrName>style.visibility</p:attrName>
+                                        </p:attrNameLst>
+                                      </p:cBhvr>
+                                      <p:to>
+                                        <p:strVal val="visible"/>
+                                      </p:to>
+                                    </p:set>
+                                  </p:childTnLst>
+                                </p:cTn>
+                              </p:par>
+                            </p:childTnLst>
+                          </p:cTn>
+                        </p:par>
+                      </p:childTnLst>
+                    </p:cTn>
+                  </p:par>
+                  <p:par>
+                    <p:cTn id="7" fill="hold">
+                      <p:stCondLst>
+                        <p:cond delay="indefinite"/>
+                      </p:stCondLst>
+                      <p:childTnLst>
+                        <p:par>
+                          <p:cTn id="8" fill="hold">
+                            <p:stCondLst>
+                              <p:cond delay="0"/>
+                            </p:stCondLst>
+                            <p:childTnLst>
+                              <p:par>
+                                <p:cTn id="9" presetID="1" presetClass="entr" presetSubtype="0" fill="hold" nodeType="clickEffect">
+                                  <p:stCondLst>
+                                    <p:cond delay="0"/>
+                                  </p:stCondLst>
+                                  <p:childTnLst>
+                                    <p:set>
+                                      <p:cBhvr>
+                                        <p:cTn id="10" dur="1" fill="hold">
+                                          <p:stCondLst>
+                                            <p:cond delay="0"/>
+                                          </p:stCondLst>
+                                        </p:cTn>
+                                        <p:tgtEl>
+                                          <p:spTgt spid="1030"/>
+                                        </p:tgtEl>
+                                        <p:attrNameLst>
+                                          <p:attrName>style.visibility</p:attrName>
+                                        </p:attrNameLst>
+                                      </p:cBhvr>
+                                      <p:to>
+                                        <p:strVal val="visible"/>
+                                      </p:to>
+                                    </p:set>
+                                  </p:childTnLst>
+                                </p:cTn>
+                              </p:par>
+                            </p:childTnLst>
+                          </p:cTn>
+                        </p:par>
+                      </p:childTnLst>
+                    </p:cTn>
+                  </p:par>
+                  <p:par>
+                    <p:cTn id="11" fill="hold">
+                      <p:stCondLst>
+                        <p:cond delay="indefinite"/>
+                      </p:stCondLst>
+                      <p:childTnLst>
+                        <p:par>
+                          <p:cTn id="12" fill="hold">
+                            <p:stCondLst>
+                              <p:cond delay="0"/>
+                            </p:stCondLst>
+                            <p:childTnLst>
+                              <p:par>
+                                <p:cTn id="13" presetID="1" presetClass="entr" presetSubtype="0" fill="hold" nodeType="clickEffect">
+                                  <p:stCondLst>
+                                    <p:cond delay="0"/>
+                                  </p:stCondLst>
+                                  <p:childTnLst>
+                                    <p:set>
+                                      <p:cBhvr>
+                                        <p:cTn id="14" dur="1" fill="hold">
+                                          <p:stCondLst>
+                                            <p:cond delay="0"/>
+                                          </p:stCondLst>
+                                        </p:cTn>
+                                        <p:tgtEl>
+                                          <p:spTgt spid="1032"/>
+                                        </p:tgtEl>
+                                        <p:attrNameLst>
+                                          <p:attrName>style.visibility</p:attrName>
+                                        </p:attrNameLst>
+                                      </p:cBhvr>
+                                      <p:to>
+                                        <p:strVal val="visible"/>
+                                      </p:to>
+                                    </p:set>
+                                  </p:childTnLst>
+                                </p:cTn>
+                              </p:par>
+                            </p:childTnLst>
+                          </p:cTn>
+                        </p:par>
+                      </p:childTnLst>
+                    </p:cTn>
+                  </p:par>
+                  <p:par>
+                    <p:cTn id="15" fill="hold">
+                      <p:stCondLst>
+                        <p:cond delay="indefinite"/>
+                      </p:stCondLst>
+                      <p:childTnLst>
+                        <p:par>
+                          <p:cTn id="16" fill="hold">
+                            <p:stCondLst>
+                              <p:cond delay="0"/>
+                            </p:stCondLst>
+                            <p:childTnLst>
+                              <p:par>
+                                <p:cTn id="17" presetID="1" presetClass="entr" presetSubtype="0" fill="hold" nodeType="clickEffect">
+                                  <p:stCondLst>
+                                    <p:cond delay="0"/>
+                                  </p:stCondLst>
+                                  <p:childTnLst>
+                                    <p:set>
+                                      <p:cBhvr>
+                                        <p:cTn id="18" dur="1" fill="hold">
+                                          <p:stCondLst>
+                                            <p:cond delay="0"/>
+                                          </p:stCondLst>
+                                        </p:cTn>
+                                        <p:tgtEl>
+                                          <p:spTgt spid="1034"/>
+                                        </p:tgtEl>
+                                        <p:attrNameLst>
+                                          <p:attrName>style.visibility</p:attrName>
+                                        </p:attrNameLst>
+                                      </p:cBhvr>
+                                      <p:to>
+                                        <p:strVal val="visible"/>
+                                      </p:to>
+                                    </p:set>
+                                  </p:childTnLst>
+                                </p:cTn>
+                              </p:par>
+                            </p:childTnLst>
+                          </p:cTn>
+                        </p:par>
+                      </p:childTnLst>
+                    </p:cTn>
+                  </p:par>
+                </p:childTnLst>
+              </p:cTn>
+              <p:prevCondLst>
+                <p:cond evt="onPrev" delay="0">
+                  <p:tgtEl>
+                    <p:sldTgt/>
+                  </p:tgtEl>
+                </p:cond>
+              </p:prevCondLst>
+              <p:nextCondLst>
+                <p:cond evt="onNext" delay="0">
+                  <p:tgtEl>
+                    <p:sldTgt/>
+                  </p:tgtEl>
+                </p:cond>
+              </p:nextCondLst>
+            </p:seq>
+          </p:childTnLst>
+        </p:cTn>
+      </p:par>
+    </p:tnLst>
+  </p:timing>
+</p:sld>
+</file>
+
+<file path=ppt/slides/slide12.xml><?xml version="1.0" encoding="utf-8"?>
+<p:sld xmlns:a="http://schemas.openxmlformats.org/drawingml/2006/main" xmlns:r="http://schemas.openxmlformats.org/officeDocument/2006/relationships" xmlns:p="http://schemas.openxmlformats.org/presentationml/2006/main">
+  <p:cSld>
+    <p:spTree>
+      <p:nvGrpSpPr>
+        <p:cNvPr id="1" name=""/>
+        <p:cNvGrpSpPr/>
+        <p:nvPr/>
+      </p:nvGrpSpPr>
+      <p:grpSpPr>
+        <a:xfrm>
+          <a:off x="0" y="0"/>
+          <a:ext cx="0" cy="0"/>
+          <a:chOff x="0" y="0"/>
+          <a:chExt cx="0" cy="0"/>
+        </a:xfrm>
+      </p:grpSpPr>
+      <p:sp>
+        <p:nvSpPr>
+          <p:cNvPr id="4" name="직사각형 3">
+            <a:extLst>
+              <a:ext uri="{FF2B5EF4-FFF2-40B4-BE49-F238E27FC236}">
+                <a16:creationId xmlns:a16="http://schemas.microsoft.com/office/drawing/2014/main" id="{8CE2AD40-F434-4036-9D04-C476FB1FB8B7}"/>
+              </a:ext>
+            </a:extLst>
+          </p:cNvPr>
+          <p:cNvSpPr/>
+          <p:nvPr/>
+        </p:nvSpPr>
+        <p:spPr>
+          <a:xfrm>
+            <a:off x="0" y="0"/>
+            <a:ext cx="12192000" cy="721551"/>
+          </a:xfrm>
+          <a:prstGeom prst="rect">
+            <a:avLst/>
+          </a:prstGeom>
+          <a:solidFill>
+            <a:schemeClr val="accent1">
+              <a:lumMod val="75000"/>
+            </a:schemeClr>
+          </a:solidFill>
+        </p:spPr>
+        <p:style>
+          <a:lnRef idx="2">
+            <a:schemeClr val="accent1">
+              <a:shade val="50000"/>
+            </a:schemeClr>
+          </a:lnRef>
+          <a:fillRef idx="1">
+            <a:schemeClr val="accent1"/>
+          </a:fillRef>
+          <a:effectRef idx="0">
+            <a:schemeClr val="accent1"/>
+          </a:effectRef>
+          <a:fontRef idx="minor">
+            <a:schemeClr val="lt1"/>
+          </a:fontRef>
+        </p:style>
+        <p:txBody>
+          <a:bodyPr rtlCol="0" anchor="ctr"/>
+          <a:lstStyle/>
+          <a:p>
+            <a:r>
+              <a:rPr lang="ko-KR" altLang="en-US" sz="3000" dirty="0">
+                <a:solidFill>
+                  <a:schemeClr val="bg1"/>
+                </a:solidFill>
+              </a:rPr>
               <a:t> 회로 이해 </a:t>
             </a:r>
             <a:r>
@@ -6820,7 +7611,7 @@
 </p:sld>
 </file>
 
-<file path=ppt/slides/slide12.xml><?xml version="1.0" encoding="utf-8"?>
+<file path=ppt/slides/slide13.xml><?xml version="1.0" encoding="utf-8"?>
 <p:sld xmlns:a="http://schemas.openxmlformats.org/drawingml/2006/main" xmlns:r="http://schemas.openxmlformats.org/officeDocument/2006/relationships" xmlns:p="http://schemas.openxmlformats.org/presentationml/2006/main">
   <p:cSld>
     <p:spTree>
@@ -7503,7 +8294,7 @@
 </p:sld>
 </file>
 
-<file path=ppt/slides/slide13.xml><?xml version="1.0" encoding="utf-8"?>
+<file path=ppt/slides/slide14.xml><?xml version="1.0" encoding="utf-8"?>
 <p:sld xmlns:a="http://schemas.openxmlformats.org/drawingml/2006/main" xmlns:r="http://schemas.openxmlformats.org/officeDocument/2006/relationships" xmlns:p="http://schemas.openxmlformats.org/presentationml/2006/main">
   <p:cSld>
     <p:spTree>
@@ -8113,7 +8904,7 @@
 </p:sld>
 </file>
 
-<file path=ppt/slides/slide14.xml><?xml version="1.0" encoding="utf-8"?>
+<file path=ppt/slides/slide15.xml><?xml version="1.0" encoding="utf-8"?>
 <p:sld xmlns:a="http://schemas.openxmlformats.org/drawingml/2006/main" xmlns:r="http://schemas.openxmlformats.org/officeDocument/2006/relationships" xmlns:p="http://schemas.openxmlformats.org/presentationml/2006/main">
   <p:cSld>
     <p:spTree>
@@ -8706,7 +9497,7 @@
 </p:sld>
 </file>
 
-<file path=ppt/slides/slide15.xml><?xml version="1.0" encoding="utf-8"?>
+<file path=ppt/slides/slide16.xml><?xml version="1.0" encoding="utf-8"?>
 <p:sld xmlns:a="http://schemas.openxmlformats.org/drawingml/2006/main" xmlns:r="http://schemas.openxmlformats.org/officeDocument/2006/relationships" xmlns:p="http://schemas.openxmlformats.org/presentationml/2006/main">
   <p:cSld>
     <p:spTree>
@@ -9149,7 +9940,7 @@
 </p:sld>
 </file>
 
-<file path=ppt/slides/slide16.xml><?xml version="1.0" encoding="utf-8"?>
+<file path=ppt/slides/slide17.xml><?xml version="1.0" encoding="utf-8"?>
 <p:sld xmlns:a="http://schemas.openxmlformats.org/drawingml/2006/main" xmlns:r="http://schemas.openxmlformats.org/officeDocument/2006/relationships" xmlns:p="http://schemas.openxmlformats.org/presentationml/2006/main">
   <p:cSld>
     <p:spTree>
@@ -9650,7 +10441,7 @@
 </p:sld>
 </file>
 
-<file path=ppt/slides/slide17.xml><?xml version="1.0" encoding="utf-8"?>
+<file path=ppt/slides/slide18.xml><?xml version="1.0" encoding="utf-8"?>
 <p:sld xmlns:a="http://schemas.openxmlformats.org/drawingml/2006/main" xmlns:r="http://schemas.openxmlformats.org/officeDocument/2006/relationships" xmlns:p="http://schemas.openxmlformats.org/presentationml/2006/main">
   <p:cSld>
     <p:spTree>
@@ -9785,12 +10576,290 @@
           </a:p>
         </p:txBody>
       </p:sp>
+      <p:sp>
+        <p:nvSpPr>
+          <p:cNvPr id="15" name="직사각형 14">
+            <a:extLst>
+              <a:ext uri="{FF2B5EF4-FFF2-40B4-BE49-F238E27FC236}">
+                <a16:creationId xmlns:a16="http://schemas.microsoft.com/office/drawing/2014/main" id="{BF2688D7-C9CC-4163-AC0D-AD5E36C700EF}"/>
+              </a:ext>
+            </a:extLst>
+          </p:cNvPr>
+          <p:cNvSpPr/>
+          <p:nvPr/>
+        </p:nvSpPr>
+        <p:spPr>
+          <a:xfrm>
+            <a:off x="5926263" y="1431789"/>
+            <a:ext cx="6016039" cy="3477875"/>
+          </a:xfrm>
+          <a:prstGeom prst="rect">
+            <a:avLst/>
+          </a:prstGeom>
+        </p:spPr>
+        <p:txBody>
+          <a:bodyPr wrap="square">
+            <a:spAutoFit/>
+          </a:bodyPr>
+          <a:lstStyle/>
+          <a:p>
+            <a:pPr algn="l" fontAlgn="auto">
+              <a:spcAft>
+                <a:spcPts val="0"/>
+              </a:spcAft>
+            </a:pPr>
+            <a:r>
+              <a:rPr lang="ko-KR" altLang="en-US" sz="2000" b="1" dirty="0">
+                <a:latin typeface="+mn-ea"/>
+              </a:rPr>
+              <a:t>실습 목표 </a:t>
+            </a:r>
+            <a:r>
+              <a:rPr lang="en-US" altLang="ko-KR" sz="2000" b="1" dirty="0">
+                <a:latin typeface="+mn-ea"/>
+              </a:rPr>
+              <a:t>: </a:t>
+            </a:r>
+            <a:r>
+              <a:rPr lang="ko-KR" altLang="en-US" sz="2000" b="1" dirty="0">
+                <a:latin typeface="+mn-ea"/>
+              </a:rPr>
+              <a:t>푸시 버튼을 이용해 </a:t>
+            </a:r>
+            <a:r>
+              <a:rPr lang="en-US" altLang="ko-KR" sz="2000" b="1" dirty="0">
+                <a:latin typeface="+mn-ea"/>
+              </a:rPr>
+              <a:t>LED</a:t>
+            </a:r>
+            <a:r>
+              <a:rPr lang="ko-KR" altLang="en-US" sz="2000" b="1" dirty="0">
+                <a:latin typeface="+mn-ea"/>
+              </a:rPr>
+              <a:t>를 제어해본다</a:t>
+            </a:r>
+            <a:r>
+              <a:rPr lang="en-US" altLang="ko-KR" sz="2000" b="1" dirty="0">
+                <a:latin typeface="+mn-ea"/>
+              </a:rPr>
+              <a:t>.</a:t>
+            </a:r>
+          </a:p>
+          <a:p>
+            <a:pPr algn="l" fontAlgn="auto">
+              <a:spcAft>
+                <a:spcPts val="0"/>
+              </a:spcAft>
+            </a:pPr>
+            <a:r>
+              <a:rPr lang="en-US" altLang="ko-KR" sz="2000" b="1" dirty="0">
+                <a:latin typeface="+mn-ea"/>
+              </a:rPr>
+              <a:t>(</a:t>
+            </a:r>
+            <a:r>
+              <a:rPr lang="ko-KR" altLang="en-US" sz="2000" b="1" dirty="0">
+                <a:latin typeface="+mn-ea"/>
+              </a:rPr>
+              <a:t>평가 항목이므로 다른 사람에게 알려주지 않는다</a:t>
+            </a:r>
+            <a:r>
+              <a:rPr lang="en-US" altLang="ko-KR" sz="2000" b="1" dirty="0">
+                <a:latin typeface="+mn-ea"/>
+              </a:rPr>
+              <a:t>.)</a:t>
+            </a:r>
+          </a:p>
+          <a:p>
+            <a:pPr algn="l" fontAlgn="auto">
+              <a:spcAft>
+                <a:spcPts val="0"/>
+              </a:spcAft>
+            </a:pPr>
+            <a:endParaRPr lang="en-US" altLang="ko-KR" sz="2000" b="1" dirty="0">
+              <a:latin typeface="+mn-ea"/>
+              <a:ea typeface="+mn-ea"/>
+            </a:endParaRPr>
+          </a:p>
+          <a:p>
+            <a:pPr algn="l" fontAlgn="auto">
+              <a:spcAft>
+                <a:spcPts val="0"/>
+              </a:spcAft>
+            </a:pPr>
+            <a:endParaRPr lang="en-US" altLang="ko-KR" sz="2000" b="1" dirty="0">
+              <a:latin typeface="+mn-ea"/>
+              <a:ea typeface="+mn-ea"/>
+            </a:endParaRPr>
+          </a:p>
+          <a:p>
+            <a:pPr algn="l" fontAlgn="auto">
+              <a:spcAft>
+                <a:spcPts val="0"/>
+              </a:spcAft>
+            </a:pPr>
+            <a:endParaRPr lang="en-US" altLang="ko-KR" sz="2000" b="1" dirty="0">
+              <a:latin typeface="+mn-ea"/>
+              <a:ea typeface="+mn-ea"/>
+            </a:endParaRPr>
+          </a:p>
+          <a:p>
+            <a:pPr algn="l" fontAlgn="auto">
+              <a:spcAft>
+                <a:spcPts val="0"/>
+              </a:spcAft>
+            </a:pPr>
+            <a:r>
+              <a:rPr lang="en-US" altLang="ko-KR" sz="2000" b="1" dirty="0">
+                <a:latin typeface="+mn-ea"/>
+                <a:ea typeface="+mn-ea"/>
+              </a:rPr>
+              <a:t>1. </a:t>
+            </a:r>
+            <a:r>
+              <a:rPr lang="ko-KR" altLang="en-US" sz="2000" b="1" dirty="0">
+                <a:latin typeface="+mn-ea"/>
+                <a:ea typeface="+mn-ea"/>
+              </a:rPr>
+              <a:t>왼쪽의 회로를 보고 버튼을 눌렀을 </a:t>
+            </a:r>
+            <a:r>
+              <a:rPr lang="ko-KR" altLang="en-US" sz="2000" b="1" dirty="0">
+                <a:latin typeface="+mn-ea"/>
+              </a:rPr>
+              <a:t>때</a:t>
+            </a:r>
+            <a:r>
+              <a:rPr lang="en-US" altLang="ko-KR" sz="2000" b="1" dirty="0">
+                <a:latin typeface="+mn-ea"/>
+              </a:rPr>
+              <a:t>,</a:t>
+            </a:r>
+          </a:p>
+          <a:p>
+            <a:pPr algn="l" fontAlgn="auto">
+              <a:spcAft>
+                <a:spcPts val="0"/>
+              </a:spcAft>
+            </a:pPr>
+            <a:r>
+              <a:rPr lang="en-US" altLang="ko-KR" sz="2000" b="1" dirty="0">
+                <a:latin typeface="+mn-ea"/>
+              </a:rPr>
+              <a:t> </a:t>
+            </a:r>
+            <a:r>
+              <a:rPr lang="ko-KR" altLang="en-US" sz="2000" b="1" dirty="0">
+                <a:latin typeface="+mn-ea"/>
+              </a:rPr>
+              <a:t>불이 켜지고</a:t>
+            </a:r>
+            <a:r>
+              <a:rPr lang="en-US" altLang="ko-KR" sz="2000" b="1" dirty="0">
+                <a:latin typeface="+mn-ea"/>
+              </a:rPr>
+              <a:t>, </a:t>
+            </a:r>
+            <a:r>
+              <a:rPr lang="ko-KR" altLang="en-US" sz="2000" b="1" dirty="0">
+                <a:latin typeface="+mn-ea"/>
+              </a:rPr>
+              <a:t>땠을 때는 불이 꺼지는 프로그램을</a:t>
+            </a:r>
+            <a:endParaRPr lang="en-US" altLang="ko-KR" sz="2000" b="1" dirty="0">
+              <a:latin typeface="+mn-ea"/>
+            </a:endParaRPr>
+          </a:p>
+          <a:p>
+            <a:pPr algn="l" fontAlgn="auto">
+              <a:spcAft>
+                <a:spcPts val="0"/>
+              </a:spcAft>
+            </a:pPr>
+            <a:r>
+              <a:rPr lang="en-US" altLang="ko-KR" sz="2000" b="1" dirty="0">
+                <a:latin typeface="+mn-ea"/>
+              </a:rPr>
+              <a:t> </a:t>
+            </a:r>
+            <a:r>
+              <a:rPr lang="ko-KR" altLang="en-US" sz="2000" b="1" dirty="0" err="1">
+                <a:latin typeface="+mn-ea"/>
+              </a:rPr>
+              <a:t>작성하시오</a:t>
+            </a:r>
+            <a:r>
+              <a:rPr lang="en-US" altLang="ko-KR" sz="2000" b="1" dirty="0">
+                <a:latin typeface="+mn-ea"/>
+              </a:rPr>
+              <a:t>. (</a:t>
+            </a:r>
+            <a:r>
+              <a:rPr lang="ko-KR" altLang="en-US" sz="2000" b="1" dirty="0">
+                <a:latin typeface="+mn-ea"/>
+              </a:rPr>
+              <a:t>업로드까지 완료할 것</a:t>
+            </a:r>
+            <a:r>
+              <a:rPr lang="en-US" altLang="ko-KR" sz="2000" b="1" dirty="0">
+                <a:latin typeface="+mn-ea"/>
+              </a:rPr>
+              <a:t>)</a:t>
+            </a:r>
+          </a:p>
+          <a:p>
+            <a:pPr algn="l" fontAlgn="auto">
+              <a:spcAft>
+                <a:spcPts val="0"/>
+              </a:spcAft>
+            </a:pPr>
+            <a:endParaRPr lang="en-US" altLang="ko-KR" sz="2000" b="1" dirty="0">
+              <a:latin typeface="+mn-ea"/>
+            </a:endParaRPr>
+          </a:p>
+          <a:p>
+            <a:pPr algn="l" fontAlgn="auto">
+              <a:spcAft>
+                <a:spcPts val="0"/>
+              </a:spcAft>
+            </a:pPr>
+            <a:endParaRPr lang="en-US" altLang="ko-KR" sz="2000" b="1" dirty="0">
+              <a:latin typeface="+mn-ea"/>
+            </a:endParaRPr>
+          </a:p>
+          <a:p>
+            <a:pPr algn="l" fontAlgn="auto">
+              <a:spcAft>
+                <a:spcPts val="0"/>
+              </a:spcAft>
+            </a:pPr>
+            <a:r>
+              <a:rPr lang="en-US" altLang="ko-KR" sz="2000" b="1" dirty="0">
+                <a:latin typeface="+mn-ea"/>
+              </a:rPr>
+              <a:t>2. </a:t>
+            </a:r>
+            <a:r>
+              <a:rPr lang="ko-KR" altLang="en-US" sz="2000" b="1" dirty="0">
+                <a:latin typeface="+mn-ea"/>
+              </a:rPr>
+              <a:t>다 한 사람은 손 들어주세요</a:t>
+            </a:r>
+            <a:r>
+              <a:rPr lang="en-US" altLang="ko-KR" sz="2000" b="1" dirty="0">
+                <a:latin typeface="+mn-ea"/>
+              </a:rPr>
+              <a:t>.</a:t>
+            </a:r>
+          </a:p>
+        </p:txBody>
+      </p:sp>
       <p:pic>
         <p:nvPicPr>
-          <p:cNvPr id="3" name="그림 2">
-            <a:extLst>
-              <a:ext uri="{FF2B5EF4-FFF2-40B4-BE49-F238E27FC236}">
-                <a16:creationId xmlns:a16="http://schemas.microsoft.com/office/drawing/2014/main" id="{CF75AFC6-4E36-4D0D-A67F-45B68A376C53}"/>
+          <p:cNvPr id="5" name="그림 4">
+            <a:extLst>
+              <a:ext uri="{FF2B5EF4-FFF2-40B4-BE49-F238E27FC236}">
+                <a16:creationId xmlns:a16="http://schemas.microsoft.com/office/drawing/2014/main" id="{5D34D426-875D-4493-A220-2635780CB57B}"/>
               </a:ext>
             </a:extLst>
           </p:cNvPr>
@@ -9807,292 +10876,14 @@
         </p:blipFill>
         <p:spPr>
           <a:xfrm>
-            <a:off x="249698" y="1726104"/>
-            <a:ext cx="5441525" cy="3859687"/>
+            <a:off x="72115" y="1650450"/>
+            <a:ext cx="5854148" cy="4081689"/>
           </a:xfrm>
           <a:prstGeom prst="rect">
             <a:avLst/>
           </a:prstGeom>
         </p:spPr>
       </p:pic>
-      <p:sp>
-        <p:nvSpPr>
-          <p:cNvPr id="15" name="직사각형 14">
-            <a:extLst>
-              <a:ext uri="{FF2B5EF4-FFF2-40B4-BE49-F238E27FC236}">
-                <a16:creationId xmlns:a16="http://schemas.microsoft.com/office/drawing/2014/main" id="{BF2688D7-C9CC-4163-AC0D-AD5E36C700EF}"/>
-              </a:ext>
-            </a:extLst>
-          </p:cNvPr>
-          <p:cNvSpPr/>
-          <p:nvPr/>
-        </p:nvSpPr>
-        <p:spPr>
-          <a:xfrm>
-            <a:off x="5926263" y="1431789"/>
-            <a:ext cx="6016039" cy="3477875"/>
-          </a:xfrm>
-          <a:prstGeom prst="rect">
-            <a:avLst/>
-          </a:prstGeom>
-        </p:spPr>
-        <p:txBody>
-          <a:bodyPr wrap="square">
-            <a:spAutoFit/>
-          </a:bodyPr>
-          <a:lstStyle/>
-          <a:p>
-            <a:pPr algn="l" fontAlgn="auto">
-              <a:spcAft>
-                <a:spcPts val="0"/>
-              </a:spcAft>
-            </a:pPr>
-            <a:r>
-              <a:rPr lang="ko-KR" altLang="en-US" sz="2000" b="1" dirty="0">
-                <a:latin typeface="+mn-ea"/>
-              </a:rPr>
-              <a:t>실습 목표 </a:t>
-            </a:r>
-            <a:r>
-              <a:rPr lang="en-US" altLang="ko-KR" sz="2000" b="1" dirty="0">
-                <a:latin typeface="+mn-ea"/>
-              </a:rPr>
-              <a:t>: </a:t>
-            </a:r>
-            <a:r>
-              <a:rPr lang="ko-KR" altLang="en-US" sz="2000" b="1" dirty="0">
-                <a:latin typeface="+mn-ea"/>
-              </a:rPr>
-              <a:t>푸시 버튼을 이용해 </a:t>
-            </a:r>
-            <a:r>
-              <a:rPr lang="en-US" altLang="ko-KR" sz="2000" b="1" dirty="0">
-                <a:latin typeface="+mn-ea"/>
-              </a:rPr>
-              <a:t>LED</a:t>
-            </a:r>
-            <a:r>
-              <a:rPr lang="ko-KR" altLang="en-US" sz="2000" b="1" dirty="0">
-                <a:latin typeface="+mn-ea"/>
-              </a:rPr>
-              <a:t>를 제어해본다</a:t>
-            </a:r>
-            <a:r>
-              <a:rPr lang="en-US" altLang="ko-KR" sz="2000" b="1" dirty="0">
-                <a:latin typeface="+mn-ea"/>
-              </a:rPr>
-              <a:t>.</a:t>
-            </a:r>
-          </a:p>
-          <a:p>
-            <a:pPr algn="l" fontAlgn="auto">
-              <a:spcAft>
-                <a:spcPts val="0"/>
-              </a:spcAft>
-            </a:pPr>
-            <a:r>
-              <a:rPr lang="en-US" altLang="ko-KR" sz="2000" b="1" dirty="0">
-                <a:latin typeface="+mn-ea"/>
-              </a:rPr>
-              <a:t>(</a:t>
-            </a:r>
-            <a:r>
-              <a:rPr lang="ko-KR" altLang="en-US" sz="2000" b="1" dirty="0">
-                <a:latin typeface="+mn-ea"/>
-              </a:rPr>
-              <a:t>평가 항목이므로 다른 사람에게 알려주지 않는다</a:t>
-            </a:r>
-            <a:r>
-              <a:rPr lang="en-US" altLang="ko-KR" sz="2000" b="1" dirty="0">
-                <a:latin typeface="+mn-ea"/>
-              </a:rPr>
-              <a:t>.)</a:t>
-            </a:r>
-          </a:p>
-          <a:p>
-            <a:pPr algn="l" fontAlgn="auto">
-              <a:spcAft>
-                <a:spcPts val="0"/>
-              </a:spcAft>
-            </a:pPr>
-            <a:endParaRPr lang="en-US" altLang="ko-KR" sz="2000" b="1" dirty="0">
-              <a:latin typeface="+mn-ea"/>
-              <a:ea typeface="+mn-ea"/>
-            </a:endParaRPr>
-          </a:p>
-          <a:p>
-            <a:pPr algn="l" fontAlgn="auto">
-              <a:spcAft>
-                <a:spcPts val="0"/>
-              </a:spcAft>
-            </a:pPr>
-            <a:endParaRPr lang="en-US" altLang="ko-KR" sz="2000" b="1" dirty="0">
-              <a:latin typeface="+mn-ea"/>
-              <a:ea typeface="+mn-ea"/>
-            </a:endParaRPr>
-          </a:p>
-          <a:p>
-            <a:pPr algn="l" fontAlgn="auto">
-              <a:spcAft>
-                <a:spcPts val="0"/>
-              </a:spcAft>
-            </a:pPr>
-            <a:endParaRPr lang="en-US" altLang="ko-KR" sz="2000" b="1" dirty="0">
-              <a:latin typeface="+mn-ea"/>
-              <a:ea typeface="+mn-ea"/>
-            </a:endParaRPr>
-          </a:p>
-          <a:p>
-            <a:pPr algn="l" fontAlgn="auto">
-              <a:spcAft>
-                <a:spcPts val="0"/>
-              </a:spcAft>
-            </a:pPr>
-            <a:r>
-              <a:rPr lang="en-US" altLang="ko-KR" sz="2000" b="1" dirty="0">
-                <a:latin typeface="+mn-ea"/>
-                <a:ea typeface="+mn-ea"/>
-              </a:rPr>
-              <a:t>1. </a:t>
-            </a:r>
-            <a:r>
-              <a:rPr lang="ko-KR" altLang="en-US" sz="2000" b="1" dirty="0">
-                <a:latin typeface="+mn-ea"/>
-                <a:ea typeface="+mn-ea"/>
-              </a:rPr>
-              <a:t>왼쪽의 회로를 보고 버튼을 눌렀을 </a:t>
-            </a:r>
-            <a:r>
-              <a:rPr lang="ko-KR" altLang="en-US" sz="2000" b="1" dirty="0">
-                <a:latin typeface="+mn-ea"/>
-              </a:rPr>
-              <a:t>때</a:t>
-            </a:r>
-            <a:r>
-              <a:rPr lang="en-US" altLang="ko-KR" sz="2000" b="1" dirty="0">
-                <a:latin typeface="+mn-ea"/>
-              </a:rPr>
-              <a:t>,</a:t>
-            </a:r>
-          </a:p>
-          <a:p>
-            <a:pPr algn="l" fontAlgn="auto">
-              <a:spcAft>
-                <a:spcPts val="0"/>
-              </a:spcAft>
-            </a:pPr>
-            <a:r>
-              <a:rPr lang="en-US" altLang="ko-KR" sz="2000" b="1" dirty="0">
-                <a:latin typeface="+mn-ea"/>
-              </a:rPr>
-              <a:t> </a:t>
-            </a:r>
-            <a:r>
-              <a:rPr lang="ko-KR" altLang="en-US" sz="2000" b="1" dirty="0">
-                <a:latin typeface="+mn-ea"/>
-              </a:rPr>
-              <a:t>불이 켜지고</a:t>
-            </a:r>
-            <a:r>
-              <a:rPr lang="en-US" altLang="ko-KR" sz="2000" b="1" dirty="0">
-                <a:latin typeface="+mn-ea"/>
-              </a:rPr>
-              <a:t>, </a:t>
-            </a:r>
-            <a:r>
-              <a:rPr lang="ko-KR" altLang="en-US" sz="2000" b="1" dirty="0">
-                <a:latin typeface="+mn-ea"/>
-              </a:rPr>
-              <a:t>땠을 때는 불이 꺼지는 프로그램을</a:t>
-            </a:r>
-            <a:endParaRPr lang="en-US" altLang="ko-KR" sz="2000" b="1" dirty="0">
-              <a:latin typeface="+mn-ea"/>
-            </a:endParaRPr>
-          </a:p>
-          <a:p>
-            <a:pPr algn="l" fontAlgn="auto">
-              <a:spcAft>
-                <a:spcPts val="0"/>
-              </a:spcAft>
-            </a:pPr>
-            <a:r>
-              <a:rPr lang="en-US" altLang="ko-KR" sz="2000" b="1" dirty="0">
-                <a:latin typeface="+mn-ea"/>
-              </a:rPr>
-              <a:t> </a:t>
-            </a:r>
-            <a:r>
-              <a:rPr lang="ko-KR" altLang="en-US" sz="2000" b="1" dirty="0" err="1">
-                <a:latin typeface="+mn-ea"/>
-              </a:rPr>
-              <a:t>작성하시오</a:t>
-            </a:r>
-            <a:r>
-              <a:rPr lang="en-US" altLang="ko-KR" sz="2000" b="1" dirty="0">
-                <a:latin typeface="+mn-ea"/>
-              </a:rPr>
-              <a:t>. (</a:t>
-            </a:r>
-            <a:r>
-              <a:rPr lang="ko-KR" altLang="en-US" sz="2000" b="1" dirty="0">
-                <a:latin typeface="+mn-ea"/>
-              </a:rPr>
-              <a:t>업로드까지 완료할 것</a:t>
-            </a:r>
-            <a:r>
-              <a:rPr lang="en-US" altLang="ko-KR" sz="2000" b="1" dirty="0">
-                <a:latin typeface="+mn-ea"/>
-              </a:rPr>
-              <a:t>)</a:t>
-            </a:r>
-          </a:p>
-          <a:p>
-            <a:pPr algn="l" fontAlgn="auto">
-              <a:spcAft>
-                <a:spcPts val="0"/>
-              </a:spcAft>
-            </a:pPr>
-            <a:endParaRPr lang="en-US" altLang="ko-KR" sz="2000" b="1" dirty="0">
-              <a:latin typeface="+mn-ea"/>
-            </a:endParaRPr>
-          </a:p>
-          <a:p>
-            <a:pPr algn="l" fontAlgn="auto">
-              <a:spcAft>
-                <a:spcPts val="0"/>
-              </a:spcAft>
-            </a:pPr>
-            <a:endParaRPr lang="en-US" altLang="ko-KR" sz="2000" b="1" dirty="0">
-              <a:latin typeface="+mn-ea"/>
-            </a:endParaRPr>
-          </a:p>
-          <a:p>
-            <a:pPr algn="l" fontAlgn="auto">
-              <a:spcAft>
-                <a:spcPts val="0"/>
-              </a:spcAft>
-            </a:pPr>
-            <a:r>
-              <a:rPr lang="en-US" altLang="ko-KR" sz="2000" b="1" dirty="0">
-                <a:latin typeface="+mn-ea"/>
-              </a:rPr>
-              <a:t>2. </a:t>
-            </a:r>
-            <a:r>
-              <a:rPr lang="ko-KR" altLang="en-US" sz="2000" b="1" dirty="0">
-                <a:latin typeface="+mn-ea"/>
-              </a:rPr>
-              <a:t>다 한 사람은 손 들어주세요</a:t>
-            </a:r>
-            <a:r>
-              <a:rPr lang="en-US" altLang="ko-KR" sz="2000" b="1" dirty="0">
-                <a:latin typeface="+mn-ea"/>
-              </a:rPr>
-              <a:t>.</a:t>
-            </a:r>
-          </a:p>
-        </p:txBody>
-      </p:sp>
     </p:spTree>
     <p:extLst>
       <p:ext uri="{BB962C8B-B14F-4D97-AF65-F5344CB8AC3E}">
@@ -10106,7 +10897,7 @@
 </p:sld>
 </file>
 
-<file path=ppt/slides/slide18.xml><?xml version="1.0" encoding="utf-8"?>
+<file path=ppt/slides/slide19.xml><?xml version="1.0" encoding="utf-8"?>
 <p:sld xmlns:a="http://schemas.openxmlformats.org/drawingml/2006/main" xmlns:r="http://schemas.openxmlformats.org/officeDocument/2006/relationships" xmlns:p="http://schemas.openxmlformats.org/presentationml/2006/main">
   <p:cSld>
     <p:spTree>
@@ -10175,17 +10966,78 @@
                   <a:schemeClr val="bg1"/>
                 </a:solidFill>
               </a:rPr>
-              <a:t>  마무리</a:t>
-            </a:r>
-          </a:p>
-        </p:txBody>
-      </p:sp>
-      <p:sp>
-        <p:nvSpPr>
-          <p:cNvPr id="3" name="직사각형 2">
-            <a:extLst>
-              <a:ext uri="{FF2B5EF4-FFF2-40B4-BE49-F238E27FC236}">
-                <a16:creationId xmlns:a16="http://schemas.microsoft.com/office/drawing/2014/main" id="{C5337EF2-48E7-4E25-A012-7025622749A2}"/>
+              <a:t> 실 습 </a:t>
+            </a:r>
+            <a:r>
+              <a:rPr lang="en-US" altLang="ko-KR" sz="3000" dirty="0">
+                <a:solidFill>
+                  <a:schemeClr val="bg1"/>
+                </a:solidFill>
+              </a:rPr>
+              <a:t>(</a:t>
+            </a:r>
+            <a:r>
+              <a:rPr lang="ko-KR" altLang="en-US" sz="3000" dirty="0">
+                <a:solidFill>
+                  <a:schemeClr val="bg1"/>
+                </a:solidFill>
+              </a:rPr>
+              <a:t>심화 예제</a:t>
+            </a:r>
+            <a:r>
+              <a:rPr lang="en-US" altLang="ko-KR" sz="3000" dirty="0">
+                <a:solidFill>
+                  <a:schemeClr val="bg1"/>
+                </a:solidFill>
+              </a:rPr>
+              <a:t>)</a:t>
+            </a:r>
+            <a:endParaRPr lang="ko-KR" altLang="en-US" sz="3000" dirty="0">
+              <a:solidFill>
+                <a:schemeClr val="bg1"/>
+              </a:solidFill>
+            </a:endParaRPr>
+          </a:p>
+        </p:txBody>
+      </p:sp>
+      <p:sp>
+        <p:nvSpPr>
+          <p:cNvPr id="2" name="TextBox 1">
+            <a:extLst>
+              <a:ext uri="{FF2B5EF4-FFF2-40B4-BE49-F238E27FC236}">
+                <a16:creationId xmlns:a16="http://schemas.microsoft.com/office/drawing/2014/main" id="{3B02BD13-A28F-40A8-9A6A-75A440D8DEBA}"/>
+              </a:ext>
+            </a:extLst>
+          </p:cNvPr>
+          <p:cNvSpPr txBox="1"/>
+          <p:nvPr/>
+        </p:nvSpPr>
+        <p:spPr>
+          <a:xfrm>
+            <a:off x="2785730" y="2647507"/>
+            <a:ext cx="184731" cy="369332"/>
+          </a:xfrm>
+          <a:prstGeom prst="rect">
+            <a:avLst/>
+          </a:prstGeom>
+          <a:noFill/>
+        </p:spPr>
+        <p:txBody>
+          <a:bodyPr wrap="none" rtlCol="0">
+            <a:spAutoFit/>
+          </a:bodyPr>
+          <a:lstStyle/>
+          <a:p>
+            <a:endParaRPr lang="ko-KR" altLang="en-US" dirty="0"/>
+          </a:p>
+        </p:txBody>
+      </p:sp>
+      <p:sp>
+        <p:nvSpPr>
+          <p:cNvPr id="15" name="직사각형 14">
+            <a:extLst>
+              <a:ext uri="{FF2B5EF4-FFF2-40B4-BE49-F238E27FC236}">
+                <a16:creationId xmlns:a16="http://schemas.microsoft.com/office/drawing/2014/main" id="{BF2688D7-C9CC-4163-AC0D-AD5E36C700EF}"/>
               </a:ext>
             </a:extLst>
           </p:cNvPr>
@@ -10194,8 +11046,8 @@
         </p:nvSpPr>
         <p:spPr>
           <a:xfrm>
-            <a:off x="862011" y="2258849"/>
-            <a:ext cx="10467975" cy="3108543"/>
+            <a:off x="5926263" y="1431789"/>
+            <a:ext cx="6016039" cy="3785652"/>
           </a:xfrm>
           <a:prstGeom prst="rect">
             <a:avLst/>
@@ -10207,163 +11059,262 @@
           </a:bodyPr>
           <a:lstStyle/>
           <a:p>
-            <a:pPr indent="-562722" algn="l" fontAlgn="auto">
+            <a:pPr algn="l" fontAlgn="auto">
               <a:spcAft>
                 <a:spcPts val="0"/>
               </a:spcAft>
-              <a:buFont typeface="Arial" panose="020B0604020202020204" pitchFamily="34" charset="0"/>
-              <a:buChar char="•"/>
             </a:pPr>
             <a:r>
-              <a:rPr lang="ko-KR" altLang="en-US" sz="2800" b="1" dirty="0">
-                <a:latin typeface="+mn-ea"/>
-              </a:rPr>
-              <a:t>푸시 버튼</a:t>
-            </a:r>
-            <a:endParaRPr lang="en-US" altLang="ko-KR" sz="2800" b="1" dirty="0">
-              <a:latin typeface="+mn-ea"/>
-            </a:endParaRPr>
-          </a:p>
-          <a:p>
-            <a:pPr indent="-562722" algn="l" fontAlgn="auto">
+              <a:rPr lang="ko-KR" altLang="en-US" sz="2000" b="1" dirty="0">
+                <a:latin typeface="+mn-ea"/>
+              </a:rPr>
+              <a:t>실습 목표 </a:t>
+            </a:r>
+            <a:r>
+              <a:rPr lang="en-US" altLang="ko-KR" sz="2000" b="1" dirty="0">
+                <a:latin typeface="+mn-ea"/>
+              </a:rPr>
+              <a:t>: </a:t>
+            </a:r>
+            <a:r>
+              <a:rPr lang="ko-KR" altLang="en-US" sz="2000" b="1" dirty="0">
+                <a:latin typeface="+mn-ea"/>
+              </a:rPr>
+              <a:t>푸시 버튼을 이용해 </a:t>
+            </a:r>
+            <a:r>
+              <a:rPr lang="en-US" altLang="ko-KR" sz="2000" b="1" dirty="0">
+                <a:latin typeface="+mn-ea"/>
+              </a:rPr>
+              <a:t>LED</a:t>
+            </a:r>
+            <a:r>
+              <a:rPr lang="ko-KR" altLang="en-US" sz="2000" b="1" dirty="0">
+                <a:latin typeface="+mn-ea"/>
+              </a:rPr>
+              <a:t>를 제어해본다</a:t>
+            </a:r>
+            <a:r>
+              <a:rPr lang="en-US" altLang="ko-KR" sz="2000" b="1" dirty="0">
+                <a:latin typeface="+mn-ea"/>
+              </a:rPr>
+              <a:t>.</a:t>
+            </a:r>
+          </a:p>
+          <a:p>
+            <a:pPr algn="l" fontAlgn="auto">
               <a:spcAft>
                 <a:spcPts val="0"/>
               </a:spcAft>
-              <a:buFont typeface="Arial" panose="020B0604020202020204" pitchFamily="34" charset="0"/>
-              <a:buChar char="•"/>
             </a:pPr>
-            <a:endParaRPr lang="en-US" altLang="ko-KR" sz="2800" b="1" dirty="0">
-              <a:latin typeface="+mn-ea"/>
-            </a:endParaRPr>
-          </a:p>
-          <a:p>
-            <a:pPr indent="-562722" algn="l" fontAlgn="auto">
+            <a:r>
+              <a:rPr lang="en-US" altLang="ko-KR" sz="2000" b="1" dirty="0">
+                <a:latin typeface="+mn-ea"/>
+              </a:rPr>
+              <a:t>(</a:t>
+            </a:r>
+            <a:r>
+              <a:rPr lang="ko-KR" altLang="en-US" sz="2000" b="1" dirty="0">
+                <a:latin typeface="+mn-ea"/>
+              </a:rPr>
+              <a:t>평가 항목이므로 다른 사람에게 알려주지 않는다</a:t>
+            </a:r>
+            <a:r>
+              <a:rPr lang="en-US" altLang="ko-KR" sz="2000" b="1" dirty="0">
+                <a:latin typeface="+mn-ea"/>
+              </a:rPr>
+              <a:t>.)</a:t>
+            </a:r>
+          </a:p>
+          <a:p>
+            <a:pPr algn="l" fontAlgn="auto">
               <a:spcAft>
                 <a:spcPts val="0"/>
               </a:spcAft>
-              <a:buFont typeface="Arial" panose="020B0604020202020204" pitchFamily="34" charset="0"/>
-              <a:buChar char="•"/>
             </a:pPr>
-            <a:endParaRPr lang="en-US" altLang="ko-KR" sz="2800" b="1" dirty="0">
+            <a:endParaRPr lang="en-US" altLang="ko-KR" sz="2000" b="1" dirty="0">
               <a:latin typeface="+mn-ea"/>
+              <a:ea typeface="+mn-ea"/>
             </a:endParaRPr>
           </a:p>
           <a:p>
-            <a:pPr indent="-562722" algn="l" fontAlgn="auto">
+            <a:pPr algn="l" fontAlgn="auto">
               <a:spcAft>
                 <a:spcPts val="0"/>
               </a:spcAft>
-              <a:buFont typeface="Arial" panose="020B0604020202020204" pitchFamily="34" charset="0"/>
-              <a:buChar char="•"/>
             </a:pPr>
-            <a:endParaRPr lang="en-US" altLang="ko-KR" sz="2800" b="1" dirty="0">
+            <a:endParaRPr lang="en-US" altLang="ko-KR" sz="2000" b="1" dirty="0">
               <a:latin typeface="+mn-ea"/>
               <a:ea typeface="+mn-ea"/>
             </a:endParaRPr>
           </a:p>
           <a:p>
-            <a:pPr indent="-562722" algn="l" fontAlgn="auto">
+            <a:pPr algn="l" fontAlgn="auto">
               <a:spcAft>
                 <a:spcPts val="0"/>
               </a:spcAft>
-              <a:buFont typeface="Arial" panose="020B0604020202020204" pitchFamily="34" charset="0"/>
-              <a:buChar char="•"/>
             </a:pPr>
-            <a:r>
-              <a:rPr lang="ko-KR" altLang="en-US" sz="2800" b="1" dirty="0">
-                <a:latin typeface="+mn-ea"/>
-              </a:rPr>
-              <a:t>푸시 버튼을 이용한 회로 구성 방법</a:t>
-            </a:r>
-            <a:endParaRPr lang="en-US" altLang="ko-KR" sz="2800" b="1" dirty="0">
+            <a:endParaRPr lang="en-US" altLang="ko-KR" sz="2000" b="1" dirty="0">
               <a:latin typeface="+mn-ea"/>
+              <a:ea typeface="+mn-ea"/>
             </a:endParaRPr>
           </a:p>
           <a:p>
-            <a:pPr indent="-562722" algn="l" fontAlgn="auto">
+            <a:pPr marL="457200" indent="-457200" algn="l" fontAlgn="auto">
               <a:spcAft>
                 <a:spcPts val="0"/>
               </a:spcAft>
-              <a:buFont typeface="Arial" panose="020B0604020202020204" pitchFamily="34" charset="0"/>
-              <a:buChar char="•"/>
+              <a:buAutoNum type="arabicPeriod"/>
             </a:pPr>
-            <a:endParaRPr lang="en-US" altLang="ko-KR" sz="2800" b="1" dirty="0">
-              <a:latin typeface="+mn-ea"/>
-            </a:endParaRPr>
-          </a:p>
-          <a:p>
-            <a:pPr indent="-562722" algn="l" fontAlgn="auto">
+            <a:r>
+              <a:rPr lang="ko-KR" altLang="en-US" sz="2000" b="1" dirty="0">
+                <a:latin typeface="+mn-ea"/>
+                <a:ea typeface="+mn-ea"/>
+              </a:rPr>
+              <a:t>위쪽 버튼을 누르면 빨간 </a:t>
+            </a:r>
+            <a:r>
+              <a:rPr lang="en-US" altLang="ko-KR" sz="2000" b="1" dirty="0">
+                <a:latin typeface="+mn-ea"/>
+                <a:ea typeface="+mn-ea"/>
+              </a:rPr>
+              <a:t>LED</a:t>
+            </a:r>
+            <a:r>
+              <a:rPr lang="ko-KR" altLang="en-US" sz="2000" b="1" dirty="0">
+                <a:latin typeface="+mn-ea"/>
+                <a:ea typeface="+mn-ea"/>
+              </a:rPr>
+              <a:t>가 켜지고 때면 다시 꺼지도록 한다</a:t>
+            </a:r>
+            <a:r>
+              <a:rPr lang="en-US" altLang="ko-KR" sz="2000" b="1" dirty="0">
+                <a:latin typeface="+mn-ea"/>
+                <a:ea typeface="+mn-ea"/>
+              </a:rPr>
+              <a:t>.</a:t>
+            </a:r>
+          </a:p>
+          <a:p>
+            <a:pPr marL="457200" indent="-457200" algn="l" fontAlgn="auto">
               <a:spcAft>
                 <a:spcPts val="0"/>
               </a:spcAft>
-              <a:buFont typeface="Arial" panose="020B0604020202020204" pitchFamily="34" charset="0"/>
-              <a:buChar char="•"/>
+              <a:buAutoNum type="arabicPeriod"/>
             </a:pPr>
-            <a:endParaRPr lang="en-US" altLang="ko-KR" sz="2800" b="1" dirty="0">
+            <a:endParaRPr lang="en-US" altLang="ko-KR" sz="2000" b="1" dirty="0">
+              <a:latin typeface="+mn-ea"/>
+              <a:ea typeface="+mn-ea"/>
+            </a:endParaRPr>
+          </a:p>
+          <a:p>
+            <a:pPr marL="457200" indent="-457200" algn="l" fontAlgn="auto">
+              <a:spcAft>
+                <a:spcPts val="0"/>
+              </a:spcAft>
+              <a:buAutoNum type="arabicPeriod"/>
+            </a:pPr>
+            <a:r>
+              <a:rPr lang="ko-KR" altLang="en-US" sz="2000" b="1" dirty="0">
+                <a:latin typeface="+mn-ea"/>
+              </a:rPr>
+              <a:t>아래쪽 버튼을 누르면 초록 </a:t>
+            </a:r>
+            <a:r>
+              <a:rPr lang="en-US" altLang="ko-KR" sz="2000" b="1" dirty="0">
+                <a:latin typeface="+mn-ea"/>
+              </a:rPr>
+              <a:t>LED</a:t>
+            </a:r>
+            <a:r>
+              <a:rPr lang="ko-KR" altLang="en-US" sz="2000" b="1" dirty="0">
+                <a:latin typeface="+mn-ea"/>
+              </a:rPr>
+              <a:t>가 켜지고 때면 다시 꺼지도록 한다</a:t>
+            </a:r>
+            <a:r>
+              <a:rPr lang="en-US" altLang="ko-KR" sz="2000" b="1" dirty="0">
+                <a:latin typeface="+mn-ea"/>
+              </a:rPr>
+              <a:t>.</a:t>
+            </a:r>
+            <a:endParaRPr lang="en-US" altLang="ko-KR" sz="2000" b="1" dirty="0">
+              <a:latin typeface="+mn-ea"/>
+              <a:ea typeface="+mn-ea"/>
+            </a:endParaRPr>
+          </a:p>
+          <a:p>
+            <a:pPr marL="457200" indent="-457200" algn="l" fontAlgn="auto">
+              <a:spcAft>
+                <a:spcPts val="0"/>
+              </a:spcAft>
+              <a:buAutoNum type="arabicPeriod"/>
+            </a:pPr>
+            <a:endParaRPr lang="en-US" altLang="ko-KR" sz="2000" b="1" dirty="0">
               <a:latin typeface="+mn-ea"/>
             </a:endParaRPr>
           </a:p>
-        </p:txBody>
-      </p:sp>
-      <p:sp>
-        <p:nvSpPr>
-          <p:cNvPr id="5" name="직사각형 4">
-            <a:extLst>
-              <a:ext uri="{FF2B5EF4-FFF2-40B4-BE49-F238E27FC236}">
-                <a16:creationId xmlns:a16="http://schemas.microsoft.com/office/drawing/2014/main" id="{885440D1-D16C-4681-8BB2-4044800D28E5}"/>
-              </a:ext>
-            </a:extLst>
-          </p:cNvPr>
-          <p:cNvSpPr/>
+          <a:p>
+            <a:pPr algn="l" fontAlgn="auto">
+              <a:spcAft>
+                <a:spcPts val="0"/>
+              </a:spcAft>
+            </a:pPr>
+            <a:r>
+              <a:rPr lang="en-US" altLang="ko-KR" sz="2000" b="1" dirty="0">
+                <a:latin typeface="+mn-ea"/>
+              </a:rPr>
+              <a:t>3.  </a:t>
+            </a:r>
+            <a:r>
+              <a:rPr lang="ko-KR" altLang="en-US" sz="2000" b="1" dirty="0">
+                <a:latin typeface="+mn-ea"/>
+              </a:rPr>
+              <a:t>다 한 사람은 손 들어주세요</a:t>
+            </a:r>
+            <a:r>
+              <a:rPr lang="en-US" altLang="ko-KR" sz="2000" b="1" dirty="0">
+                <a:latin typeface="+mn-ea"/>
+              </a:rPr>
+              <a:t>.</a:t>
+            </a:r>
+          </a:p>
+        </p:txBody>
+      </p:sp>
+      <p:pic>
+        <p:nvPicPr>
+          <p:cNvPr id="5" name="그림 4">
+            <a:extLst>
+              <a:ext uri="{FF2B5EF4-FFF2-40B4-BE49-F238E27FC236}">
+                <a16:creationId xmlns:a16="http://schemas.microsoft.com/office/drawing/2014/main" id="{00DB4A2F-A1A1-4271-B6F4-5DB196B826A9}"/>
+              </a:ext>
+            </a:extLst>
+          </p:cNvPr>
+          <p:cNvPicPr>
+            <a:picLocks noChangeAspect="1"/>
+          </p:cNvPicPr>
           <p:nvPr/>
-        </p:nvSpPr>
+        </p:nvPicPr>
+        <p:blipFill>
+          <a:blip r:embed="rId3"/>
+          <a:stretch>
+            <a:fillRect/>
+          </a:stretch>
+        </p:blipFill>
         <p:spPr>
           <a:xfrm>
-            <a:off x="862012" y="6062844"/>
-            <a:ext cx="10467975" cy="523220"/>
+            <a:off x="83086" y="1431789"/>
+            <a:ext cx="5774749" cy="4054611"/>
           </a:xfrm>
           <a:prstGeom prst="rect">
             <a:avLst/>
           </a:prstGeom>
         </p:spPr>
-        <p:txBody>
-          <a:bodyPr wrap="square">
-            <a:spAutoFit/>
-          </a:bodyPr>
-          <a:lstStyle/>
-          <a:p>
-            <a:pPr algn="ctr"/>
-            <a:r>
-              <a:rPr lang="ko-KR" altLang="en-US" sz="2800" b="1" dirty="0">
-                <a:latin typeface="+mn-ea"/>
-                <a:ea typeface="+mn-ea"/>
-              </a:rPr>
-              <a:t>자료 출처 </a:t>
-            </a:r>
-            <a:r>
-              <a:rPr lang="en-US" altLang="ko-KR" sz="2800" b="1" dirty="0">
-                <a:latin typeface="+mn-ea"/>
-                <a:ea typeface="+mn-ea"/>
-              </a:rPr>
-              <a:t>: </a:t>
-            </a:r>
-            <a:r>
-              <a:rPr lang="en-US" altLang="ko-KR" sz="2800" dirty="0">
-                <a:hlinkClick r:id="rId3"/>
-              </a:rPr>
-              <a:t>https://kocoafab.cc/tutorial/view/526</a:t>
-            </a:r>
-            <a:endParaRPr lang="en-US" altLang="ko-KR" sz="2800" b="1" dirty="0">
-              <a:latin typeface="+mn-ea"/>
-              <a:ea typeface="+mn-ea"/>
-            </a:endParaRPr>
-          </a:p>
-        </p:txBody>
-      </p:sp>
+      </p:pic>
     </p:spTree>
     <p:extLst>
       <p:ext uri="{BB962C8B-B14F-4D97-AF65-F5344CB8AC3E}">
-        <p14:creationId xmlns:p14="http://schemas.microsoft.com/office/powerpoint/2010/main" val="953432653"/>
+        <p14:creationId xmlns:p14="http://schemas.microsoft.com/office/powerpoint/2010/main" val="3903606405"/>
       </p:ext>
     </p:extLst>
   </p:cSld>
@@ -10970,6 +11921,273 @@
       <p:bldP spid="16" grpId="0"/>
     </p:bldLst>
   </p:timing>
+</p:sld>
+</file>
+
+<file path=ppt/slides/slide20.xml><?xml version="1.0" encoding="utf-8"?>
+<p:sld xmlns:a="http://schemas.openxmlformats.org/drawingml/2006/main" xmlns:r="http://schemas.openxmlformats.org/officeDocument/2006/relationships" xmlns:p="http://schemas.openxmlformats.org/presentationml/2006/main">
+  <p:cSld>
+    <p:spTree>
+      <p:nvGrpSpPr>
+        <p:cNvPr id="1" name=""/>
+        <p:cNvGrpSpPr/>
+        <p:nvPr/>
+      </p:nvGrpSpPr>
+      <p:grpSpPr>
+        <a:xfrm>
+          <a:off x="0" y="0"/>
+          <a:ext cx="0" cy="0"/>
+          <a:chOff x="0" y="0"/>
+          <a:chExt cx="0" cy="0"/>
+        </a:xfrm>
+      </p:grpSpPr>
+      <p:sp>
+        <p:nvSpPr>
+          <p:cNvPr id="4" name="직사각형 3">
+            <a:extLst>
+              <a:ext uri="{FF2B5EF4-FFF2-40B4-BE49-F238E27FC236}">
+                <a16:creationId xmlns:a16="http://schemas.microsoft.com/office/drawing/2014/main" id="{8CE2AD40-F434-4036-9D04-C476FB1FB8B7}"/>
+              </a:ext>
+            </a:extLst>
+          </p:cNvPr>
+          <p:cNvSpPr/>
+          <p:nvPr/>
+        </p:nvSpPr>
+        <p:spPr>
+          <a:xfrm>
+            <a:off x="0" y="0"/>
+            <a:ext cx="12192000" cy="721551"/>
+          </a:xfrm>
+          <a:prstGeom prst="rect">
+            <a:avLst/>
+          </a:prstGeom>
+          <a:solidFill>
+            <a:schemeClr val="accent1">
+              <a:lumMod val="75000"/>
+            </a:schemeClr>
+          </a:solidFill>
+        </p:spPr>
+        <p:style>
+          <a:lnRef idx="2">
+            <a:schemeClr val="accent1">
+              <a:shade val="50000"/>
+            </a:schemeClr>
+          </a:lnRef>
+          <a:fillRef idx="1">
+            <a:schemeClr val="accent1"/>
+          </a:fillRef>
+          <a:effectRef idx="0">
+            <a:schemeClr val="accent1"/>
+          </a:effectRef>
+          <a:fontRef idx="minor">
+            <a:schemeClr val="lt1"/>
+          </a:fontRef>
+        </p:style>
+        <p:txBody>
+          <a:bodyPr rtlCol="0" anchor="ctr"/>
+          <a:lstStyle/>
+          <a:p>
+            <a:r>
+              <a:rPr lang="ko-KR" altLang="en-US" sz="3000" dirty="0">
+                <a:solidFill>
+                  <a:schemeClr val="bg1"/>
+                </a:solidFill>
+              </a:rPr>
+              <a:t>  마무리</a:t>
+            </a:r>
+          </a:p>
+        </p:txBody>
+      </p:sp>
+      <p:sp>
+        <p:nvSpPr>
+          <p:cNvPr id="3" name="직사각형 2">
+            <a:extLst>
+              <a:ext uri="{FF2B5EF4-FFF2-40B4-BE49-F238E27FC236}">
+                <a16:creationId xmlns:a16="http://schemas.microsoft.com/office/drawing/2014/main" id="{C5337EF2-48E7-4E25-A012-7025622749A2}"/>
+              </a:ext>
+            </a:extLst>
+          </p:cNvPr>
+          <p:cNvSpPr/>
+          <p:nvPr/>
+        </p:nvSpPr>
+        <p:spPr>
+          <a:xfrm>
+            <a:off x="862011" y="2258849"/>
+            <a:ext cx="10467975" cy="3108543"/>
+          </a:xfrm>
+          <a:prstGeom prst="rect">
+            <a:avLst/>
+          </a:prstGeom>
+        </p:spPr>
+        <p:txBody>
+          <a:bodyPr wrap="square">
+            <a:spAutoFit/>
+          </a:bodyPr>
+          <a:lstStyle/>
+          <a:p>
+            <a:pPr indent="-562722" algn="l" fontAlgn="auto">
+              <a:spcAft>
+                <a:spcPts val="0"/>
+              </a:spcAft>
+              <a:buFont typeface="Arial" panose="020B0604020202020204" pitchFamily="34" charset="0"/>
+              <a:buChar char="•"/>
+            </a:pPr>
+            <a:r>
+              <a:rPr lang="ko-KR" altLang="en-US" sz="2800" b="1" dirty="0">
+                <a:latin typeface="+mn-ea"/>
+              </a:rPr>
+              <a:t>푸시 버튼</a:t>
+            </a:r>
+            <a:endParaRPr lang="en-US" altLang="ko-KR" sz="2800" b="1" dirty="0">
+              <a:latin typeface="+mn-ea"/>
+            </a:endParaRPr>
+          </a:p>
+          <a:p>
+            <a:pPr indent="-562722" algn="l" fontAlgn="auto">
+              <a:spcAft>
+                <a:spcPts val="0"/>
+              </a:spcAft>
+              <a:buFont typeface="Arial" panose="020B0604020202020204" pitchFamily="34" charset="0"/>
+              <a:buChar char="•"/>
+            </a:pPr>
+            <a:endParaRPr lang="en-US" altLang="ko-KR" sz="2800" b="1" dirty="0">
+              <a:latin typeface="+mn-ea"/>
+            </a:endParaRPr>
+          </a:p>
+          <a:p>
+            <a:pPr indent="-562722" algn="l" fontAlgn="auto">
+              <a:spcAft>
+                <a:spcPts val="0"/>
+              </a:spcAft>
+              <a:buFont typeface="Arial" panose="020B0604020202020204" pitchFamily="34" charset="0"/>
+              <a:buChar char="•"/>
+            </a:pPr>
+            <a:endParaRPr lang="en-US" altLang="ko-KR" sz="2800" b="1" dirty="0">
+              <a:latin typeface="+mn-ea"/>
+            </a:endParaRPr>
+          </a:p>
+          <a:p>
+            <a:pPr indent="-562722" algn="l" fontAlgn="auto">
+              <a:spcAft>
+                <a:spcPts val="0"/>
+              </a:spcAft>
+              <a:buFont typeface="Arial" panose="020B0604020202020204" pitchFamily="34" charset="0"/>
+              <a:buChar char="•"/>
+            </a:pPr>
+            <a:endParaRPr lang="en-US" altLang="ko-KR" sz="2800" b="1" dirty="0">
+              <a:latin typeface="+mn-ea"/>
+              <a:ea typeface="+mn-ea"/>
+            </a:endParaRPr>
+          </a:p>
+          <a:p>
+            <a:pPr indent="-562722" algn="l" fontAlgn="auto">
+              <a:spcAft>
+                <a:spcPts val="0"/>
+              </a:spcAft>
+              <a:buFont typeface="Arial" panose="020B0604020202020204" pitchFamily="34" charset="0"/>
+              <a:buChar char="•"/>
+            </a:pPr>
+            <a:r>
+              <a:rPr lang="ko-KR" altLang="en-US" sz="2800" b="1" dirty="0">
+                <a:latin typeface="+mn-ea"/>
+              </a:rPr>
+              <a:t>푸시 버튼을 이용한 회로 구성 방법</a:t>
+            </a:r>
+            <a:endParaRPr lang="en-US" altLang="ko-KR" sz="2800" b="1" dirty="0">
+              <a:latin typeface="+mn-ea"/>
+            </a:endParaRPr>
+          </a:p>
+          <a:p>
+            <a:pPr indent="-562722" algn="l" fontAlgn="auto">
+              <a:spcAft>
+                <a:spcPts val="0"/>
+              </a:spcAft>
+              <a:buFont typeface="Arial" panose="020B0604020202020204" pitchFamily="34" charset="0"/>
+              <a:buChar char="•"/>
+            </a:pPr>
+            <a:endParaRPr lang="en-US" altLang="ko-KR" sz="2800" b="1" dirty="0">
+              <a:latin typeface="+mn-ea"/>
+            </a:endParaRPr>
+          </a:p>
+          <a:p>
+            <a:pPr indent="-562722" algn="l" fontAlgn="auto">
+              <a:spcAft>
+                <a:spcPts val="0"/>
+              </a:spcAft>
+              <a:buFont typeface="Arial" panose="020B0604020202020204" pitchFamily="34" charset="0"/>
+              <a:buChar char="•"/>
+            </a:pPr>
+            <a:endParaRPr lang="en-US" altLang="ko-KR" sz="2800" b="1" dirty="0">
+              <a:latin typeface="+mn-ea"/>
+            </a:endParaRPr>
+          </a:p>
+        </p:txBody>
+      </p:sp>
+      <p:sp>
+        <p:nvSpPr>
+          <p:cNvPr id="5" name="직사각형 4">
+            <a:extLst>
+              <a:ext uri="{FF2B5EF4-FFF2-40B4-BE49-F238E27FC236}">
+                <a16:creationId xmlns:a16="http://schemas.microsoft.com/office/drawing/2014/main" id="{885440D1-D16C-4681-8BB2-4044800D28E5}"/>
+              </a:ext>
+            </a:extLst>
+          </p:cNvPr>
+          <p:cNvSpPr/>
+          <p:nvPr/>
+        </p:nvSpPr>
+        <p:spPr>
+          <a:xfrm>
+            <a:off x="862012" y="6062844"/>
+            <a:ext cx="10467975" cy="523220"/>
+          </a:xfrm>
+          <a:prstGeom prst="rect">
+            <a:avLst/>
+          </a:prstGeom>
+        </p:spPr>
+        <p:txBody>
+          <a:bodyPr wrap="square">
+            <a:spAutoFit/>
+          </a:bodyPr>
+          <a:lstStyle/>
+          <a:p>
+            <a:pPr algn="ctr"/>
+            <a:r>
+              <a:rPr lang="ko-KR" altLang="en-US" sz="2800" b="1" dirty="0">
+                <a:latin typeface="+mn-ea"/>
+                <a:ea typeface="+mn-ea"/>
+              </a:rPr>
+              <a:t>자료 출처 </a:t>
+            </a:r>
+            <a:r>
+              <a:rPr lang="en-US" altLang="ko-KR" sz="2800" b="1" dirty="0">
+                <a:latin typeface="+mn-ea"/>
+                <a:ea typeface="+mn-ea"/>
+              </a:rPr>
+              <a:t>: </a:t>
+            </a:r>
+            <a:r>
+              <a:rPr lang="en-US" altLang="ko-KR" sz="2800" dirty="0">
+                <a:hlinkClick r:id="rId3"/>
+              </a:rPr>
+              <a:t>https://kocoafab.cc/tutorial/view/526</a:t>
+            </a:r>
+            <a:endParaRPr lang="en-US" altLang="ko-KR" sz="2800" b="1" dirty="0">
+              <a:latin typeface="+mn-ea"/>
+              <a:ea typeface="+mn-ea"/>
+            </a:endParaRPr>
+          </a:p>
+        </p:txBody>
+      </p:sp>
+    </p:spTree>
+    <p:extLst>
+      <p:ext uri="{BB962C8B-B14F-4D97-AF65-F5344CB8AC3E}">
+        <p14:creationId xmlns:p14="http://schemas.microsoft.com/office/powerpoint/2010/main" val="953432653"/>
+      </p:ext>
+    </p:extLst>
+  </p:cSld>
+  <p:clrMapOvr>
+    <a:masterClrMapping/>
+  </p:clrMapOvr>
 </p:sld>
 </file>
 
@@ -12831,7 +14049,7 @@
                   <a:schemeClr val="bg1"/>
                 </a:solidFill>
               </a:rPr>
-              <a:t>소개</a:t>
+              <a:t>코드</a:t>
             </a:r>
             <a:r>
               <a:rPr lang="en-US" altLang="ko-KR" sz="3000" dirty="0">
@@ -12881,12 +14099,141 @@
           </a:p>
         </p:txBody>
       </p:sp>
+      <p:sp>
+        <p:nvSpPr>
+          <p:cNvPr id="7" name="직사각형 6">
+            <a:extLst>
+              <a:ext uri="{FF2B5EF4-FFF2-40B4-BE49-F238E27FC236}">
+                <a16:creationId xmlns:a16="http://schemas.microsoft.com/office/drawing/2014/main" id="{962EF5A0-8372-4CE9-8F16-30468D8766B2}"/>
+              </a:ext>
+            </a:extLst>
+          </p:cNvPr>
+          <p:cNvSpPr/>
+          <p:nvPr/>
+        </p:nvSpPr>
+        <p:spPr>
+          <a:xfrm>
+            <a:off x="2148596" y="1767006"/>
+            <a:ext cx="5603926" cy="3323987"/>
+          </a:xfrm>
+          <a:prstGeom prst="rect">
+            <a:avLst/>
+          </a:prstGeom>
+        </p:spPr>
+        <p:txBody>
+          <a:bodyPr wrap="square">
+            <a:spAutoFit/>
+          </a:bodyPr>
+          <a:lstStyle/>
+          <a:p>
+            <a:pPr marL="342900" indent="-342900" algn="l" fontAlgn="auto">
+              <a:spcAft>
+                <a:spcPts val="0"/>
+              </a:spcAft>
+              <a:buAutoNum type="arabicPeriod"/>
+            </a:pPr>
+            <a:r>
+              <a:rPr lang="ko-KR" altLang="en-US" sz="3000" b="1" dirty="0">
+                <a:latin typeface="+mn-ea"/>
+              </a:rPr>
+              <a:t>시리얼 통신</a:t>
+            </a:r>
+            <a:endParaRPr lang="en-US" altLang="ko-KR" sz="3000" b="1" dirty="0">
+              <a:latin typeface="+mn-ea"/>
+            </a:endParaRPr>
+          </a:p>
+          <a:p>
+            <a:pPr marL="342900" indent="-342900" algn="l" fontAlgn="auto">
+              <a:spcAft>
+                <a:spcPts val="0"/>
+              </a:spcAft>
+              <a:buAutoNum type="arabicPeriod"/>
+            </a:pPr>
+            <a:endParaRPr lang="en-US" altLang="ko-KR" sz="3000" b="1" dirty="0">
+              <a:latin typeface="+mn-ea"/>
+            </a:endParaRPr>
+          </a:p>
+          <a:p>
+            <a:pPr marL="342900" indent="-342900" algn="l" fontAlgn="auto">
+              <a:spcAft>
+                <a:spcPts val="0"/>
+              </a:spcAft>
+              <a:buAutoNum type="arabicPeriod"/>
+            </a:pPr>
+            <a:endParaRPr lang="en-US" altLang="ko-KR" sz="3000" b="1" dirty="0">
+              <a:latin typeface="+mn-ea"/>
+            </a:endParaRPr>
+          </a:p>
+          <a:p>
+            <a:pPr marL="342900" indent="-342900" algn="l" fontAlgn="auto">
+              <a:spcAft>
+                <a:spcPts val="0"/>
+              </a:spcAft>
+              <a:buAutoNum type="arabicPeriod"/>
+            </a:pPr>
+            <a:r>
+              <a:rPr lang="en-US" altLang="ko-KR" sz="3000" b="1" dirty="0">
+                <a:latin typeface="+mn-ea"/>
+              </a:rPr>
+              <a:t>if</a:t>
+            </a:r>
+            <a:r>
+              <a:rPr lang="ko-KR" altLang="en-US" sz="3000" b="1" dirty="0">
+                <a:latin typeface="+mn-ea"/>
+              </a:rPr>
+              <a:t>문</a:t>
+            </a:r>
+            <a:endParaRPr lang="en-US" altLang="ko-KR" sz="3000" b="1" dirty="0">
+              <a:latin typeface="+mn-ea"/>
+            </a:endParaRPr>
+          </a:p>
+          <a:p>
+            <a:pPr marL="342900" indent="-342900" algn="l" fontAlgn="auto">
+              <a:spcAft>
+                <a:spcPts val="0"/>
+              </a:spcAft>
+              <a:buAutoNum type="arabicPeriod"/>
+            </a:pPr>
+            <a:endParaRPr lang="en-US" altLang="ko-KR" sz="3000" b="1" dirty="0">
+              <a:latin typeface="+mn-ea"/>
+            </a:endParaRPr>
+          </a:p>
+          <a:p>
+            <a:pPr marL="342900" indent="-342900" algn="l" fontAlgn="auto">
+              <a:spcAft>
+                <a:spcPts val="0"/>
+              </a:spcAft>
+              <a:buAutoNum type="arabicPeriod"/>
+            </a:pPr>
+            <a:endParaRPr lang="en-US" altLang="ko-KR" sz="3000" b="1" dirty="0">
+              <a:latin typeface="+mn-ea"/>
+            </a:endParaRPr>
+          </a:p>
+          <a:p>
+            <a:pPr marL="342900" indent="-342900" algn="l" fontAlgn="auto">
+              <a:spcAft>
+                <a:spcPts val="0"/>
+              </a:spcAft>
+              <a:buAutoNum type="arabicPeriod"/>
+            </a:pPr>
+            <a:r>
+              <a:rPr lang="ko-KR" altLang="en-US" sz="3000" b="1" dirty="0" err="1">
+                <a:latin typeface="+mn-ea"/>
+              </a:rPr>
+              <a:t>푸시버튼</a:t>
+            </a:r>
+            <a:endParaRPr lang="en-US" altLang="ko-KR" sz="3000" b="1" dirty="0">
+              <a:latin typeface="+mn-ea"/>
+            </a:endParaRPr>
+          </a:p>
+        </p:txBody>
+      </p:sp>
       <p:pic>
         <p:nvPicPr>
-          <p:cNvPr id="1026" name="Picture 2">
-            <a:extLst>
-              <a:ext uri="{FF2B5EF4-FFF2-40B4-BE49-F238E27FC236}">
-                <a16:creationId xmlns:a16="http://schemas.microsoft.com/office/drawing/2014/main" id="{C3C8DEFC-6CE1-487F-AB87-BAB16B8FE4EC}"/>
+          <p:cNvPr id="8" name="Picture 4">
+            <a:extLst>
+              <a:ext uri="{FF2B5EF4-FFF2-40B4-BE49-F238E27FC236}">
+                <a16:creationId xmlns:a16="http://schemas.microsoft.com/office/drawing/2014/main" id="{C77A9E7F-92C9-47AA-8026-86766BBD97F2}"/>
               </a:ext>
             </a:extLst>
           </p:cNvPr>
@@ -12910,8 +14257,8 @@
         </p:blipFill>
         <p:spPr bwMode="auto">
           <a:xfrm>
-            <a:off x="796301" y="1887342"/>
-            <a:ext cx="3588996" cy="3588996"/>
+            <a:off x="6573493" y="971794"/>
+            <a:ext cx="4286250" cy="1457325"/>
           </a:xfrm>
           <a:prstGeom prst="rect">
             <a:avLst/>
@@ -12930,10 +14277,10 @@
       </p:pic>
       <p:pic>
         <p:nvPicPr>
-          <p:cNvPr id="1028" name="Picture 4" descr="Mac용 Magic Keyboard with Numeric Keypad 스페이스 그레이 색상 구입 ...">
-            <a:extLst>
-              <a:ext uri="{FF2B5EF4-FFF2-40B4-BE49-F238E27FC236}">
-                <a16:creationId xmlns:a16="http://schemas.microsoft.com/office/drawing/2014/main" id="{E6C5CEB6-74BD-4862-A7A1-FF137BE23731}"/>
+          <p:cNvPr id="2050" name="Picture 2" descr="제어문의 종류 ( 1 )">
+            <a:extLst>
+              <a:ext uri="{FF2B5EF4-FFF2-40B4-BE49-F238E27FC236}">
+                <a16:creationId xmlns:a16="http://schemas.microsoft.com/office/drawing/2014/main" id="{1AEA9C83-10A9-4581-992D-C78418C6286D}"/>
               </a:ext>
             </a:extLst>
           </p:cNvPr>
@@ -12957,8 +14304,8 @@
         </p:blipFill>
         <p:spPr bwMode="auto">
           <a:xfrm>
-            <a:off x="5142074" y="961860"/>
-            <a:ext cx="3745882" cy="1685647"/>
+            <a:off x="4766362" y="2565505"/>
+            <a:ext cx="1807131" cy="1869194"/>
           </a:xfrm>
           <a:prstGeom prst="rect">
             <a:avLst/>
@@ -12977,10 +14324,10 @@
       </p:pic>
       <p:pic>
         <p:nvPicPr>
-          <p:cNvPr id="1030" name="Picture 6" descr="Lenovo Legion M500 RGB 게이밍 마우스 - WW | Gaming Accessories ...">
-            <a:extLst>
-              <a:ext uri="{FF2B5EF4-FFF2-40B4-BE49-F238E27FC236}">
-                <a16:creationId xmlns:a16="http://schemas.microsoft.com/office/drawing/2014/main" id="{F0EC4C88-3AF9-457C-B13E-302FA6D6C437}"/>
+          <p:cNvPr id="2052" name="Picture 4" descr="스컬앤코 닌텐도 스위치 D-PAD+버튼커버 :: 1300k 천삼백케이">
+            <a:extLst>
+              <a:ext uri="{FF2B5EF4-FFF2-40B4-BE49-F238E27FC236}">
+                <a16:creationId xmlns:a16="http://schemas.microsoft.com/office/drawing/2014/main" id="{DA4D8A73-BF82-4776-8788-75279CC3AD4E}"/>
               </a:ext>
             </a:extLst>
           </p:cNvPr>
@@ -13004,102 +14351,8 @@
         </p:blipFill>
         <p:spPr bwMode="auto">
           <a:xfrm>
-            <a:off x="8918114" y="1364309"/>
-            <a:ext cx="2782643" cy="2782643"/>
-          </a:xfrm>
-          <a:prstGeom prst="rect">
-            <a:avLst/>
-          </a:prstGeom>
-          <a:noFill/>
-          <a:extLst>
-            <a:ext uri="{909E8E84-426E-40DD-AFC4-6F175D3DCCD1}">
-              <a14:hiddenFill xmlns:a14="http://schemas.microsoft.com/office/drawing/2010/main">
-                <a:solidFill>
-                  <a:srgbClr val="FFFFFF"/>
-                </a:solidFill>
-              </a14:hiddenFill>
-            </a:ext>
-          </a:extLst>
-        </p:spPr>
-      </p:pic>
-      <p:pic>
-        <p:nvPicPr>
-          <p:cNvPr id="1032" name="Picture 8" descr="자판기, 음료, 코카콜라, 실내, 구매, 사진,이미지,일러스트,캘리 ...">
-            <a:extLst>
-              <a:ext uri="{FF2B5EF4-FFF2-40B4-BE49-F238E27FC236}">
-                <a16:creationId xmlns:a16="http://schemas.microsoft.com/office/drawing/2014/main" id="{27E46741-B92E-4D46-8987-DD47191D783B}"/>
-              </a:ext>
-            </a:extLst>
-          </p:cNvPr>
-          <p:cNvPicPr>
-            <a:picLocks noChangeAspect="1" noChangeArrowheads="1"/>
-          </p:cNvPicPr>
-          <p:nvPr/>
-        </p:nvPicPr>
-        <p:blipFill>
-          <a:blip r:embed="rId6">
-            <a:extLst>
-              <a:ext uri="{28A0092B-C50C-407E-A947-70E740481C1C}">
-                <a14:useLocalDpi xmlns:a14="http://schemas.microsoft.com/office/drawing/2010/main" val="0"/>
-              </a:ext>
-            </a:extLst>
-          </a:blip>
-          <a:srcRect/>
-          <a:stretch>
-            <a:fillRect/>
-          </a:stretch>
-        </p:blipFill>
-        <p:spPr bwMode="auto">
-          <a:xfrm>
-            <a:off x="5249032" y="3258059"/>
-            <a:ext cx="3414577" cy="2331381"/>
-          </a:xfrm>
-          <a:prstGeom prst="rect">
-            <a:avLst/>
-          </a:prstGeom>
-          <a:noFill/>
-          <a:extLst>
-            <a:ext uri="{909E8E84-426E-40DD-AFC4-6F175D3DCCD1}">
-              <a14:hiddenFill xmlns:a14="http://schemas.microsoft.com/office/drawing/2010/main">
-                <a:solidFill>
-                  <a:srgbClr val="FFFFFF"/>
-                </a:solidFill>
-              </a14:hiddenFill>
-            </a:ext>
-          </a:extLst>
-        </p:spPr>
-      </p:pic>
-      <p:pic>
-        <p:nvPicPr>
-          <p:cNvPr id="1034" name="Picture 10" descr="롯데하이마트 | LG전용 TV리모컨 AV-1310">
-            <a:extLst>
-              <a:ext uri="{FF2B5EF4-FFF2-40B4-BE49-F238E27FC236}">
-                <a16:creationId xmlns:a16="http://schemas.microsoft.com/office/drawing/2014/main" id="{CD40627E-876C-4E77-8FDF-97F4368EE392}"/>
-              </a:ext>
-            </a:extLst>
-          </p:cNvPr>
-          <p:cNvPicPr>
-            <a:picLocks noChangeAspect="1" noChangeArrowheads="1"/>
-          </p:cNvPicPr>
-          <p:nvPr/>
-        </p:nvPicPr>
-        <p:blipFill>
-          <a:blip r:embed="rId7">
-            <a:extLst>
-              <a:ext uri="{28A0092B-C50C-407E-A947-70E740481C1C}">
-                <a14:useLocalDpi xmlns:a14="http://schemas.microsoft.com/office/drawing/2010/main" val="0"/>
-              </a:ext>
-            </a:extLst>
-          </a:blip>
-          <a:srcRect/>
-          <a:stretch>
-            <a:fillRect/>
-          </a:stretch>
-        </p:blipFill>
-        <p:spPr bwMode="auto">
-          <a:xfrm>
-            <a:off x="8857797" y="3954725"/>
-            <a:ext cx="2903275" cy="2903275"/>
+            <a:off x="6866012" y="4548556"/>
+            <a:ext cx="2143125" cy="2143125"/>
           </a:xfrm>
           <a:prstGeom prst="rect">
             <a:avLst/>
@@ -13119,223 +14372,13 @@
     </p:spTree>
     <p:extLst>
       <p:ext uri="{BB962C8B-B14F-4D97-AF65-F5344CB8AC3E}">
-        <p14:creationId xmlns:p14="http://schemas.microsoft.com/office/powerpoint/2010/main" val="1564617047"/>
+        <p14:creationId xmlns:p14="http://schemas.microsoft.com/office/powerpoint/2010/main" val="944152898"/>
       </p:ext>
     </p:extLst>
   </p:cSld>
   <p:clrMapOvr>
     <a:masterClrMapping/>
   </p:clrMapOvr>
-  <p:timing>
-    <p:tnLst>
-      <p:par>
-        <p:cTn id="1" dur="indefinite" restart="never" nodeType="tmRoot">
-          <p:childTnLst>
-            <p:seq concurrent="1" nextAc="seek">
-              <p:cTn id="2" dur="indefinite" nodeType="mainSeq">
-                <p:childTnLst>
-                  <p:par>
-                    <p:cTn id="3" fill="hold">
-                      <p:stCondLst>
-                        <p:cond delay="indefinite"/>
-                      </p:stCondLst>
-                      <p:childTnLst>
-                        <p:par>
-                          <p:cTn id="4" fill="hold">
-                            <p:stCondLst>
-                              <p:cond delay="0"/>
-                            </p:stCondLst>
-                            <p:childTnLst>
-                              <p:par>
-                                <p:cTn id="5" presetID="1" presetClass="entr" presetSubtype="0" fill="hold" nodeType="clickEffect">
-                                  <p:stCondLst>
-                                    <p:cond delay="0"/>
-                                  </p:stCondLst>
-                                  <p:childTnLst>
-                                    <p:set>
-                                      <p:cBhvr>
-                                        <p:cTn id="6" dur="1" fill="hold">
-                                          <p:stCondLst>
-                                            <p:cond delay="0"/>
-                                          </p:stCondLst>
-                                        </p:cTn>
-                                        <p:tgtEl>
-                                          <p:spTgt spid="1028"/>
-                                        </p:tgtEl>
-                                        <p:attrNameLst>
-                                          <p:attrName>style.visibility</p:attrName>
-                                        </p:attrNameLst>
-                                      </p:cBhvr>
-                                      <p:to>
-                                        <p:strVal val="visible"/>
-                                      </p:to>
-                                    </p:set>
-                                  </p:childTnLst>
-                                </p:cTn>
-                              </p:par>
-                            </p:childTnLst>
-                          </p:cTn>
-                        </p:par>
-                      </p:childTnLst>
-                    </p:cTn>
-                  </p:par>
-                  <p:par>
-                    <p:cTn id="7" fill="hold">
-                      <p:stCondLst>
-                        <p:cond delay="indefinite"/>
-                      </p:stCondLst>
-                      <p:childTnLst>
-                        <p:par>
-                          <p:cTn id="8" fill="hold">
-                            <p:stCondLst>
-                              <p:cond delay="0"/>
-                            </p:stCondLst>
-                            <p:childTnLst>
-                              <p:par>
-                                <p:cTn id="9" presetID="1" presetClass="entr" presetSubtype="0" fill="hold" nodeType="clickEffect">
-                                  <p:stCondLst>
-                                    <p:cond delay="0"/>
-                                  </p:stCondLst>
-                                  <p:childTnLst>
-                                    <p:set>
-                                      <p:cBhvr>
-                                        <p:cTn id="10" dur="1" fill="hold">
-                                          <p:stCondLst>
-                                            <p:cond delay="0"/>
-                                          </p:stCondLst>
-                                        </p:cTn>
-                                        <p:tgtEl>
-                                          <p:spTgt spid="1030"/>
-                                        </p:tgtEl>
-                                        <p:attrNameLst>
-                                          <p:attrName>style.visibility</p:attrName>
-                                        </p:attrNameLst>
-                                      </p:cBhvr>
-                                      <p:to>
-                                        <p:strVal val="visible"/>
-                                      </p:to>
-                                    </p:set>
-                                  </p:childTnLst>
-                                </p:cTn>
-                              </p:par>
-                            </p:childTnLst>
-                          </p:cTn>
-                        </p:par>
-                      </p:childTnLst>
-                    </p:cTn>
-                  </p:par>
-                  <p:par>
-                    <p:cTn id="11" fill="hold">
-                      <p:stCondLst>
-                        <p:cond delay="indefinite"/>
-                      </p:stCondLst>
-                      <p:childTnLst>
-                        <p:par>
-                          <p:cTn id="12" fill="hold">
-                            <p:stCondLst>
-                              <p:cond delay="0"/>
-                            </p:stCondLst>
-                            <p:childTnLst>
-                              <p:par>
-                                <p:cTn id="13" presetID="1" presetClass="entr" presetSubtype="0" fill="hold" nodeType="clickEffect">
-                                  <p:stCondLst>
-                                    <p:cond delay="0"/>
-                                  </p:stCondLst>
-                                  <p:childTnLst>
-                                    <p:set>
-                                      <p:cBhvr>
-                                        <p:cTn id="14" dur="1" fill="hold">
-                                          <p:stCondLst>
-                                            <p:cond delay="0"/>
-                                          </p:stCondLst>
-                                        </p:cTn>
-                                        <p:tgtEl>
-                                          <p:spTgt spid="1032"/>
-                                        </p:tgtEl>
-                                        <p:attrNameLst>
-                                          <p:attrName>style.visibility</p:attrName>
-                                        </p:attrNameLst>
-                                      </p:cBhvr>
-                                      <p:to>
-                                        <p:strVal val="visible"/>
-                                      </p:to>
-                                    </p:set>
-                                  </p:childTnLst>
-                                </p:cTn>
-                              </p:par>
-                            </p:childTnLst>
-                          </p:cTn>
-                        </p:par>
-                      </p:childTnLst>
-                    </p:cTn>
-                  </p:par>
-                  <p:par>
-                    <p:cTn id="15" fill="hold">
-                      <p:stCondLst>
-                        <p:cond delay="indefinite"/>
-                      </p:stCondLst>
-                      <p:childTnLst>
-                        <p:par>
-                          <p:cTn id="16" fill="hold">
-                            <p:stCondLst>
-                              <p:cond delay="0"/>
-                            </p:stCondLst>
-                            <p:childTnLst>
-                              <p:par>
-                                <p:cTn id="17" presetID="1" presetClass="entr" presetSubtype="0" fill="hold" nodeType="clickEffect">
-                                  <p:stCondLst>
-                                    <p:cond delay="0"/>
-                                  </p:stCondLst>
-                                  <p:childTnLst>
-                                    <p:set>
-                                      <p:cBhvr>
-                                        <p:cTn id="18" dur="1" fill="hold">
-                                          <p:stCondLst>
-                                            <p:cond delay="0"/>
-                                          </p:stCondLst>
-                                        </p:cTn>
-                                        <p:tgtEl>
-                                          <p:spTgt spid="1034"/>
-                                        </p:tgtEl>
-                                        <p:attrNameLst>
-                                          <p:attrName>style.visibility</p:attrName>
-                                        </p:attrNameLst>
-                                      </p:cBhvr>
-                                      <p:to>
-                                        <p:strVal val="visible"/>
-                                      </p:to>
-                                    </p:set>
-                                  </p:childTnLst>
-                                </p:cTn>
-                              </p:par>
-                            </p:childTnLst>
-                          </p:cTn>
-                        </p:par>
-                      </p:childTnLst>
-                    </p:cTn>
-                  </p:par>
-                </p:childTnLst>
-              </p:cTn>
-              <p:prevCondLst>
-                <p:cond evt="onPrev" delay="0">
-                  <p:tgtEl>
-                    <p:sldTgt/>
-                  </p:tgtEl>
-                </p:cond>
-              </p:prevCondLst>
-              <p:nextCondLst>
-                <p:cond evt="onNext" delay="0">
-                  <p:tgtEl>
-                    <p:sldTgt/>
-                  </p:tgtEl>
-                </p:cond>
-              </p:nextCondLst>
-            </p:seq>
-          </p:childTnLst>
-        </p:cTn>
-      </p:par>
-    </p:tnLst>
-  </p:timing>
 </p:sld>
 </file>
 
@@ -13503,7 +14546,7 @@
         </p:blipFill>
         <p:spPr bwMode="auto">
           <a:xfrm>
-            <a:off x="1568944" y="1222513"/>
+            <a:off x="1533963" y="1298648"/>
             <a:ext cx="9401166" cy="4821941"/>
           </a:xfrm>
           <a:prstGeom prst="rect">
@@ -14041,7 +15084,7 @@
         <p:spPr>
           <a:xfrm>
             <a:off x="6096000" y="1014618"/>
-            <a:ext cx="5341088" cy="1400383"/>
+            <a:ext cx="5341088" cy="1923604"/>
           </a:xfrm>
           <a:prstGeom prst="rect">
             <a:avLst/>
@@ -14228,6 +15271,85 @@
               </a:rPr>
               <a:t>.</a:t>
             </a:r>
+          </a:p>
+          <a:p>
+            <a:pPr algn="l" fontAlgn="auto">
+              <a:spcAft>
+                <a:spcPts val="0"/>
+              </a:spcAft>
+            </a:pPr>
+            <a:endParaRPr lang="en-US" altLang="ko-KR" sz="1700" dirty="0">
+              <a:latin typeface="+mn-ea"/>
+            </a:endParaRPr>
+          </a:p>
+          <a:p>
+            <a:pPr algn="l" fontAlgn="auto">
+              <a:spcAft>
+                <a:spcPts val="0"/>
+              </a:spcAft>
+            </a:pPr>
+            <a:r>
+              <a:rPr lang="ko-KR" altLang="en-US" sz="1700" dirty="0">
+                <a:latin typeface="+mn-ea"/>
+                <a:hlinkClick r:id="rId5"/>
+              </a:rPr>
+              <a:t>링크</a:t>
+            </a:r>
+            <a:endParaRPr lang="en-US" altLang="ko-KR" sz="1700" dirty="0">
+              <a:latin typeface="+mn-ea"/>
+            </a:endParaRPr>
+          </a:p>
+        </p:txBody>
+      </p:sp>
+      <p:sp>
+        <p:nvSpPr>
+          <p:cNvPr id="15" name="타원 14">
+            <a:extLst>
+              <a:ext uri="{FF2B5EF4-FFF2-40B4-BE49-F238E27FC236}">
+                <a16:creationId xmlns:a16="http://schemas.microsoft.com/office/drawing/2014/main" id="{9E838A20-B9CD-4110-A9D1-9D331520727E}"/>
+              </a:ext>
+            </a:extLst>
+          </p:cNvPr>
+          <p:cNvSpPr/>
+          <p:nvPr/>
+        </p:nvSpPr>
+        <p:spPr>
+          <a:xfrm>
+            <a:off x="9712884" y="5843382"/>
+            <a:ext cx="1724204" cy="766140"/>
+          </a:xfrm>
+          <a:prstGeom prst="ellipse">
+            <a:avLst/>
+          </a:prstGeom>
+          <a:noFill/>
+          <a:ln w="76200">
+            <a:solidFill>
+              <a:srgbClr val="FF0000"/>
+            </a:solidFill>
+          </a:ln>
+        </p:spPr>
+        <p:style>
+          <a:lnRef idx="2">
+            <a:schemeClr val="accent1">
+              <a:shade val="50000"/>
+            </a:schemeClr>
+          </a:lnRef>
+          <a:fillRef idx="1">
+            <a:schemeClr val="accent1"/>
+          </a:fillRef>
+          <a:effectRef idx="0">
+            <a:schemeClr val="accent1"/>
+          </a:effectRef>
+          <a:fontRef idx="minor">
+            <a:schemeClr val="lt1"/>
+          </a:fontRef>
+        </p:style>
+        <p:txBody>
+          <a:bodyPr rtlCol="0" anchor="ctr"/>
+          <a:lstStyle/>
+          <a:p>
+            <a:pPr algn="ctr"/>
+            <a:endParaRPr lang="ko-KR" altLang="en-US" dirty="0"/>
           </a:p>
         </p:txBody>
       </p:sp>
@@ -14294,6 +15416,51 @@
                       </p:childTnLst>
                     </p:cTn>
                   </p:par>
+                  <p:par>
+                    <p:cTn id="7" fill="hold">
+                      <p:stCondLst>
+                        <p:cond delay="indefinite"/>
+                      </p:stCondLst>
+                      <p:childTnLst>
+                        <p:par>
+                          <p:cTn id="8" fill="hold">
+                            <p:stCondLst>
+                              <p:cond delay="0"/>
+                            </p:stCondLst>
+                            <p:childTnLst>
+                              <p:par>
+                                <p:cTn id="9" presetID="1" presetClass="entr" presetSubtype="0" fill="hold" grpId="0" nodeType="clickEffect">
+                                  <p:stCondLst>
+                                    <p:cond delay="0"/>
+                                  </p:stCondLst>
+                                  <p:childTnLst>
+                                    <p:set>
+                                      <p:cBhvr>
+                                        <p:cTn id="10" dur="1" fill="hold">
+                                          <p:stCondLst>
+                                            <p:cond delay="0"/>
+                                          </p:stCondLst>
+                                        </p:cTn>
+                                        <p:tgtEl>
+                                          <p:spTgt spid="15"/>
+                                        </p:tgtEl>
+                                        <p:attrNameLst>
+                                          <p:attrName>style.visibility</p:attrName>
+                                        </p:attrNameLst>
+                                      </p:cBhvr>
+                                      <p:to>
+                                        <p:strVal val="visible"/>
+                                      </p:to>
+                                    </p:set>
+                                  </p:childTnLst>
+                                </p:cTn>
+                              </p:par>
+                            </p:childTnLst>
+                          </p:cTn>
+                        </p:par>
+                      </p:childTnLst>
+                    </p:cTn>
+                  </p:par>
                 </p:childTnLst>
               </p:cTn>
               <p:prevCondLst>
@@ -14317,6 +15484,7 @@
     </p:tnLst>
     <p:bldLst>
       <p:bldP spid="7" grpId="0" animBg="1"/>
+      <p:bldP spid="15" grpId="0" animBg="1"/>
     </p:bldLst>
   </p:timing>
 </p:sld>

--- a/2020-06-03-연수고.pptx
+++ b/2020-06-03-연수고.pptx
@@ -5,7 +5,7 @@
     <p:sldMasterId id="2147483648" r:id="rId1"/>
   </p:sldMasterIdLst>
   <p:notesMasterIdLst>
-    <p:notesMasterId r:id="rId22"/>
+    <p:notesMasterId r:id="rId20"/>
   </p:notesMasterIdLst>
   <p:sldIdLst>
     <p:sldId id="1100" r:id="rId2"/>
@@ -25,9 +25,7 @@
     <p:sldId id="1172" r:id="rId16"/>
     <p:sldId id="1173" r:id="rId17"/>
     <p:sldId id="1174" r:id="rId18"/>
-    <p:sldId id="1156" r:id="rId19"/>
-    <p:sldId id="1177" r:id="rId20"/>
-    <p:sldId id="1146" r:id="rId21"/>
+    <p:sldId id="1146" r:id="rId19"/>
   </p:sldIdLst>
   <p:sldSz cx="12192000" cy="6858000"/>
   <p:notesSz cx="6858000" cy="9144000"/>
@@ -1392,97 +1390,7 @@
     </p:spTree>
     <p:extLst>
       <p:ext uri="{BB962C8B-B14F-4D97-AF65-F5344CB8AC3E}">
-        <p14:creationId xmlns:p14="http://schemas.microsoft.com/office/powerpoint/2010/main" val="246384144"/>
-      </p:ext>
-    </p:extLst>
-  </p:cSld>
-  <p:clrMapOvr>
-    <a:masterClrMapping/>
-  </p:clrMapOvr>
-</p:notes>
-</file>
-
-<file path=ppt/notesSlides/notesSlide19.xml><?xml version="1.0" encoding="utf-8"?>
-<p:notes xmlns:a="http://schemas.openxmlformats.org/drawingml/2006/main" xmlns:r="http://schemas.openxmlformats.org/officeDocument/2006/relationships" xmlns:p="http://schemas.openxmlformats.org/presentationml/2006/main">
-  <p:cSld>
-    <p:spTree>
-      <p:nvGrpSpPr>
-        <p:cNvPr id="1" name=""/>
-        <p:cNvGrpSpPr/>
-        <p:nvPr/>
-      </p:nvGrpSpPr>
-      <p:grpSpPr>
-        <a:xfrm>
-          <a:off x="0" y="0"/>
-          <a:ext cx="0" cy="0"/>
-          <a:chOff x="0" y="0"/>
-          <a:chExt cx="0" cy="0"/>
-        </a:xfrm>
-      </p:grpSpPr>
-      <p:sp>
-        <p:nvSpPr>
-          <p:cNvPr id="2" name="슬라이드 이미지 개체 틀 1"/>
-          <p:cNvSpPr>
-            <a:spLocks noGrp="1" noRot="1" noChangeAspect="1"/>
-          </p:cNvSpPr>
-          <p:nvPr>
-            <p:ph type="sldImg"/>
-          </p:nvPr>
-        </p:nvSpPr>
-        <p:spPr/>
-      </p:sp>
-      <p:sp>
-        <p:nvSpPr>
-          <p:cNvPr id="3" name="슬라이드 노트 개체 틀 2"/>
-          <p:cNvSpPr>
-            <a:spLocks noGrp="1"/>
-          </p:cNvSpPr>
-          <p:nvPr>
-            <p:ph type="body" idx="1"/>
-          </p:nvPr>
-        </p:nvSpPr>
-        <p:spPr/>
-        <p:txBody>
-          <a:bodyPr/>
-          <a:lstStyle/>
-          <a:p>
-            <a:endParaRPr lang="ko-KR" altLang="en-US" dirty="0"/>
-          </a:p>
-        </p:txBody>
-      </p:sp>
-      <p:sp>
-        <p:nvSpPr>
-          <p:cNvPr id="4" name="슬라이드 번호 개체 틀 3"/>
-          <p:cNvSpPr>
-            <a:spLocks noGrp="1"/>
-          </p:cNvSpPr>
-          <p:nvPr>
-            <p:ph type="sldNum" sz="quarter" idx="10"/>
-          </p:nvPr>
-        </p:nvSpPr>
-        <p:spPr/>
-        <p:txBody>
-          <a:bodyPr/>
-          <a:lstStyle/>
-          <a:p>
-            <a:pPr>
-              <a:defRPr/>
-            </a:pPr>
-            <a:fld id="{EF25C9CB-473F-4C79-8889-7E058F4F291A}" type="slidenum">
-              <a:rPr lang="en-US" altLang="ko-KR" smtClean="0"/>
-              <a:pPr>
-                <a:defRPr/>
-              </a:pPr>
-              <a:t>19</a:t>
-            </a:fld>
-            <a:endParaRPr lang="en-US" altLang="ko-KR" dirty="0"/>
-          </a:p>
-        </p:txBody>
-      </p:sp>
-    </p:spTree>
-    <p:extLst>
-      <p:ext uri="{BB962C8B-B14F-4D97-AF65-F5344CB8AC3E}">
-        <p14:creationId xmlns:p14="http://schemas.microsoft.com/office/powerpoint/2010/main" val="2013654352"/>
+        <p14:creationId xmlns:p14="http://schemas.microsoft.com/office/powerpoint/2010/main" val="1445586779"/>
       </p:ext>
     </p:extLst>
   </p:cSld>
@@ -1573,96 +1481,6 @@
     <p:extLst>
       <p:ext uri="{BB962C8B-B14F-4D97-AF65-F5344CB8AC3E}">
         <p14:creationId xmlns:p14="http://schemas.microsoft.com/office/powerpoint/2010/main" val="2328512896"/>
-      </p:ext>
-    </p:extLst>
-  </p:cSld>
-  <p:clrMapOvr>
-    <a:masterClrMapping/>
-  </p:clrMapOvr>
-</p:notes>
-</file>
-
-<file path=ppt/notesSlides/notesSlide20.xml><?xml version="1.0" encoding="utf-8"?>
-<p:notes xmlns:a="http://schemas.openxmlformats.org/drawingml/2006/main" xmlns:r="http://schemas.openxmlformats.org/officeDocument/2006/relationships" xmlns:p="http://schemas.openxmlformats.org/presentationml/2006/main">
-  <p:cSld>
-    <p:spTree>
-      <p:nvGrpSpPr>
-        <p:cNvPr id="1" name=""/>
-        <p:cNvGrpSpPr/>
-        <p:nvPr/>
-      </p:nvGrpSpPr>
-      <p:grpSpPr>
-        <a:xfrm>
-          <a:off x="0" y="0"/>
-          <a:ext cx="0" cy="0"/>
-          <a:chOff x="0" y="0"/>
-          <a:chExt cx="0" cy="0"/>
-        </a:xfrm>
-      </p:grpSpPr>
-      <p:sp>
-        <p:nvSpPr>
-          <p:cNvPr id="2" name="슬라이드 이미지 개체 틀 1"/>
-          <p:cNvSpPr>
-            <a:spLocks noGrp="1" noRot="1" noChangeAspect="1"/>
-          </p:cNvSpPr>
-          <p:nvPr>
-            <p:ph type="sldImg"/>
-          </p:nvPr>
-        </p:nvSpPr>
-        <p:spPr/>
-      </p:sp>
-      <p:sp>
-        <p:nvSpPr>
-          <p:cNvPr id="3" name="슬라이드 노트 개체 틀 2"/>
-          <p:cNvSpPr>
-            <a:spLocks noGrp="1"/>
-          </p:cNvSpPr>
-          <p:nvPr>
-            <p:ph type="body" idx="1"/>
-          </p:nvPr>
-        </p:nvSpPr>
-        <p:spPr/>
-        <p:txBody>
-          <a:bodyPr/>
-          <a:lstStyle/>
-          <a:p>
-            <a:endParaRPr lang="ko-KR" altLang="en-US" dirty="0"/>
-          </a:p>
-        </p:txBody>
-      </p:sp>
-      <p:sp>
-        <p:nvSpPr>
-          <p:cNvPr id="4" name="슬라이드 번호 개체 틀 3"/>
-          <p:cNvSpPr>
-            <a:spLocks noGrp="1"/>
-          </p:cNvSpPr>
-          <p:nvPr>
-            <p:ph type="sldNum" sz="quarter" idx="10"/>
-          </p:nvPr>
-        </p:nvSpPr>
-        <p:spPr/>
-        <p:txBody>
-          <a:bodyPr/>
-          <a:lstStyle/>
-          <a:p>
-            <a:pPr>
-              <a:defRPr/>
-            </a:pPr>
-            <a:fld id="{EF25C9CB-473F-4C79-8889-7E058F4F291A}" type="slidenum">
-              <a:rPr lang="en-US" altLang="ko-KR" smtClean="0"/>
-              <a:pPr>
-                <a:defRPr/>
-              </a:pPr>
-              <a:t>20</a:t>
-            </a:fld>
-            <a:endParaRPr lang="en-US" altLang="ko-KR" dirty="0"/>
-          </a:p>
-        </p:txBody>
-      </p:sp>
-    </p:spTree>
-    <p:extLst>
-      <p:ext uri="{BB962C8B-B14F-4D97-AF65-F5344CB8AC3E}">
-        <p14:creationId xmlns:p14="http://schemas.microsoft.com/office/powerpoint/2010/main" val="1445586779"/>
       </p:ext>
     </p:extLst>
   </p:cSld>
@@ -10510,88 +10328,27 @@
                   <a:schemeClr val="bg1"/>
                 </a:solidFill>
               </a:rPr>
-              <a:t> 실 습 </a:t>
-            </a:r>
-            <a:r>
-              <a:rPr lang="en-US" altLang="ko-KR" sz="3000" dirty="0">
-                <a:solidFill>
-                  <a:schemeClr val="bg1"/>
-                </a:solidFill>
-              </a:rPr>
-              <a:t>(</a:t>
-            </a:r>
-            <a:r>
-              <a:rPr lang="ko-KR" altLang="en-US" sz="3000" dirty="0">
-                <a:solidFill>
-                  <a:schemeClr val="bg1"/>
-                </a:solidFill>
-              </a:rPr>
-              <a:t>예 제</a:t>
-            </a:r>
-            <a:r>
-              <a:rPr lang="en-US" altLang="ko-KR" sz="3000" dirty="0">
-                <a:solidFill>
-                  <a:schemeClr val="bg1"/>
-                </a:solidFill>
-              </a:rPr>
-              <a:t>)</a:t>
-            </a:r>
-            <a:endParaRPr lang="ko-KR" altLang="en-US" sz="3000" dirty="0">
-              <a:solidFill>
-                <a:schemeClr val="bg1"/>
-              </a:solidFill>
-            </a:endParaRPr>
-          </a:p>
-        </p:txBody>
-      </p:sp>
-      <p:sp>
-        <p:nvSpPr>
-          <p:cNvPr id="2" name="TextBox 1">
-            <a:extLst>
-              <a:ext uri="{FF2B5EF4-FFF2-40B4-BE49-F238E27FC236}">
-                <a16:creationId xmlns:a16="http://schemas.microsoft.com/office/drawing/2014/main" id="{3B02BD13-A28F-40A8-9A6A-75A440D8DEBA}"/>
-              </a:ext>
-            </a:extLst>
-          </p:cNvPr>
-          <p:cNvSpPr txBox="1"/>
+              <a:t>  마무리</a:t>
+            </a:r>
+          </a:p>
+        </p:txBody>
+      </p:sp>
+      <p:sp>
+        <p:nvSpPr>
+          <p:cNvPr id="3" name="직사각형 2">
+            <a:extLst>
+              <a:ext uri="{FF2B5EF4-FFF2-40B4-BE49-F238E27FC236}">
+                <a16:creationId xmlns:a16="http://schemas.microsoft.com/office/drawing/2014/main" id="{C5337EF2-48E7-4E25-A012-7025622749A2}"/>
+              </a:ext>
+            </a:extLst>
+          </p:cNvPr>
+          <p:cNvSpPr/>
           <p:nvPr/>
         </p:nvSpPr>
         <p:spPr>
           <a:xfrm>
-            <a:off x="2785730" y="2647507"/>
-            <a:ext cx="184731" cy="369332"/>
-          </a:xfrm>
-          <a:prstGeom prst="rect">
-            <a:avLst/>
-          </a:prstGeom>
-          <a:noFill/>
-        </p:spPr>
-        <p:txBody>
-          <a:bodyPr wrap="none" rtlCol="0">
-            <a:spAutoFit/>
-          </a:bodyPr>
-          <a:lstStyle/>
-          <a:p>
-            <a:endParaRPr lang="ko-KR" altLang="en-US" dirty="0"/>
-          </a:p>
-        </p:txBody>
-      </p:sp>
-      <p:sp>
-        <p:nvSpPr>
-          <p:cNvPr id="15" name="직사각형 14">
-            <a:extLst>
-              <a:ext uri="{FF2B5EF4-FFF2-40B4-BE49-F238E27FC236}">
-                <a16:creationId xmlns:a16="http://schemas.microsoft.com/office/drawing/2014/main" id="{BF2688D7-C9CC-4163-AC0D-AD5E36C700EF}"/>
-              </a:ext>
-            </a:extLst>
-          </p:cNvPr>
-          <p:cNvSpPr/>
-          <p:nvPr/>
-        </p:nvSpPr>
-        <p:spPr>
-          <a:xfrm>
-            <a:off x="5926263" y="1431789"/>
-            <a:ext cx="6016039" cy="3477875"/>
+            <a:off x="862011" y="2258849"/>
+            <a:ext cx="10467975" cy="3108543"/>
           </a:xfrm>
           <a:prstGeom prst="rect">
             <a:avLst/>
@@ -10603,718 +10360,163 @@
           </a:bodyPr>
           <a:lstStyle/>
           <a:p>
-            <a:pPr algn="l" fontAlgn="auto">
+            <a:pPr indent="-562722" algn="l" fontAlgn="auto">
               <a:spcAft>
                 <a:spcPts val="0"/>
               </a:spcAft>
+              <a:buFont typeface="Arial" panose="020B0604020202020204" pitchFamily="34" charset="0"/>
+              <a:buChar char="•"/>
             </a:pPr>
             <a:r>
-              <a:rPr lang="ko-KR" altLang="en-US" sz="2000" b="1" dirty="0">
+              <a:rPr lang="ko-KR" altLang="en-US" sz="2800" b="1" dirty="0">
                 <a:latin typeface="+mn-ea"/>
               </a:rPr>
-              <a:t>실습 목표 </a:t>
-            </a:r>
-            <a:r>
-              <a:rPr lang="en-US" altLang="ko-KR" sz="2000" b="1" dirty="0">
-                <a:latin typeface="+mn-ea"/>
-              </a:rPr>
-              <a:t>: </a:t>
-            </a:r>
-            <a:r>
-              <a:rPr lang="ko-KR" altLang="en-US" sz="2000" b="1" dirty="0">
-                <a:latin typeface="+mn-ea"/>
-              </a:rPr>
-              <a:t>푸시 버튼을 이용해 </a:t>
-            </a:r>
-            <a:r>
-              <a:rPr lang="en-US" altLang="ko-KR" sz="2000" b="1" dirty="0">
-                <a:latin typeface="+mn-ea"/>
-              </a:rPr>
-              <a:t>LED</a:t>
-            </a:r>
-            <a:r>
-              <a:rPr lang="ko-KR" altLang="en-US" sz="2000" b="1" dirty="0">
-                <a:latin typeface="+mn-ea"/>
-              </a:rPr>
-              <a:t>를 제어해본다</a:t>
-            </a:r>
-            <a:r>
-              <a:rPr lang="en-US" altLang="ko-KR" sz="2000" b="1" dirty="0">
-                <a:latin typeface="+mn-ea"/>
-              </a:rPr>
-              <a:t>.</a:t>
-            </a:r>
-          </a:p>
-          <a:p>
-            <a:pPr algn="l" fontAlgn="auto">
+              <a:t>푸시 버튼</a:t>
+            </a:r>
+            <a:endParaRPr lang="en-US" altLang="ko-KR" sz="2800" b="1" dirty="0">
+              <a:latin typeface="+mn-ea"/>
+            </a:endParaRPr>
+          </a:p>
+          <a:p>
+            <a:pPr indent="-562722" algn="l" fontAlgn="auto">
               <a:spcAft>
                 <a:spcPts val="0"/>
               </a:spcAft>
+              <a:buFont typeface="Arial" panose="020B0604020202020204" pitchFamily="34" charset="0"/>
+              <a:buChar char="•"/>
             </a:pPr>
-            <a:r>
-              <a:rPr lang="en-US" altLang="ko-KR" sz="2000" b="1" dirty="0">
-                <a:latin typeface="+mn-ea"/>
-              </a:rPr>
-              <a:t>(</a:t>
-            </a:r>
-            <a:r>
-              <a:rPr lang="ko-KR" altLang="en-US" sz="2000" b="1" dirty="0">
-                <a:latin typeface="+mn-ea"/>
-              </a:rPr>
-              <a:t>평가 항목이므로 다른 사람에게 알려주지 않는다</a:t>
-            </a:r>
-            <a:r>
-              <a:rPr lang="en-US" altLang="ko-KR" sz="2000" b="1" dirty="0">
-                <a:latin typeface="+mn-ea"/>
-              </a:rPr>
-              <a:t>.)</a:t>
-            </a:r>
-          </a:p>
-          <a:p>
-            <a:pPr algn="l" fontAlgn="auto">
+            <a:endParaRPr lang="en-US" altLang="ko-KR" sz="2800" b="1" dirty="0">
+              <a:latin typeface="+mn-ea"/>
+            </a:endParaRPr>
+          </a:p>
+          <a:p>
+            <a:pPr indent="-562722" algn="l" fontAlgn="auto">
               <a:spcAft>
                 <a:spcPts val="0"/>
               </a:spcAft>
+              <a:buFont typeface="Arial" panose="020B0604020202020204" pitchFamily="34" charset="0"/>
+              <a:buChar char="•"/>
             </a:pPr>
-            <a:endParaRPr lang="en-US" altLang="ko-KR" sz="2000" b="1" dirty="0">
+            <a:endParaRPr lang="en-US" altLang="ko-KR" sz="2800" b="1" dirty="0">
+              <a:latin typeface="+mn-ea"/>
+            </a:endParaRPr>
+          </a:p>
+          <a:p>
+            <a:pPr indent="-562722" algn="l" fontAlgn="auto">
+              <a:spcAft>
+                <a:spcPts val="0"/>
+              </a:spcAft>
+              <a:buFont typeface="Arial" panose="020B0604020202020204" pitchFamily="34" charset="0"/>
+              <a:buChar char="•"/>
+            </a:pPr>
+            <a:endParaRPr lang="en-US" altLang="ko-KR" sz="2800" b="1" dirty="0">
               <a:latin typeface="+mn-ea"/>
               <a:ea typeface="+mn-ea"/>
             </a:endParaRPr>
           </a:p>
           <a:p>
-            <a:pPr algn="l" fontAlgn="auto">
+            <a:pPr indent="-562722" algn="l" fontAlgn="auto">
               <a:spcAft>
                 <a:spcPts val="0"/>
               </a:spcAft>
+              <a:buFont typeface="Arial" panose="020B0604020202020204" pitchFamily="34" charset="0"/>
+              <a:buChar char="•"/>
             </a:pPr>
-            <a:endParaRPr lang="en-US" altLang="ko-KR" sz="2000" b="1" dirty="0">
+            <a:r>
+              <a:rPr lang="ko-KR" altLang="en-US" sz="2800" b="1" dirty="0">
+                <a:latin typeface="+mn-ea"/>
+              </a:rPr>
+              <a:t>푸시 버튼을 이용한 회로 구성 방법</a:t>
+            </a:r>
+            <a:endParaRPr lang="en-US" altLang="ko-KR" sz="2800" b="1" dirty="0">
               <a:latin typeface="+mn-ea"/>
-              <a:ea typeface="+mn-ea"/>
             </a:endParaRPr>
           </a:p>
           <a:p>
-            <a:pPr algn="l" fontAlgn="auto">
+            <a:pPr indent="-562722" algn="l" fontAlgn="auto">
               <a:spcAft>
                 <a:spcPts val="0"/>
               </a:spcAft>
+              <a:buFont typeface="Arial" panose="020B0604020202020204" pitchFamily="34" charset="0"/>
+              <a:buChar char="•"/>
             </a:pPr>
-            <a:endParaRPr lang="en-US" altLang="ko-KR" sz="2000" b="1" dirty="0">
+            <a:endParaRPr lang="en-US" altLang="ko-KR" sz="2800" b="1" dirty="0">
               <a:latin typeface="+mn-ea"/>
-              <a:ea typeface="+mn-ea"/>
             </a:endParaRPr>
           </a:p>
           <a:p>
-            <a:pPr algn="l" fontAlgn="auto">
+            <a:pPr indent="-562722" algn="l" fontAlgn="auto">
               <a:spcAft>
                 <a:spcPts val="0"/>
               </a:spcAft>
+              <a:buFont typeface="Arial" panose="020B0604020202020204" pitchFamily="34" charset="0"/>
+              <a:buChar char="•"/>
             </a:pPr>
-            <a:r>
-              <a:rPr lang="en-US" altLang="ko-KR" sz="2000" b="1" dirty="0">
-                <a:latin typeface="+mn-ea"/>
-                <a:ea typeface="+mn-ea"/>
-              </a:rPr>
-              <a:t>1. </a:t>
-            </a:r>
-            <a:r>
-              <a:rPr lang="ko-KR" altLang="en-US" sz="2000" b="1" dirty="0">
-                <a:latin typeface="+mn-ea"/>
-                <a:ea typeface="+mn-ea"/>
-              </a:rPr>
-              <a:t>왼쪽의 회로를 보고 버튼을 눌렀을 </a:t>
-            </a:r>
-            <a:r>
-              <a:rPr lang="ko-KR" altLang="en-US" sz="2000" b="1" dirty="0">
-                <a:latin typeface="+mn-ea"/>
-              </a:rPr>
-              <a:t>때</a:t>
-            </a:r>
-            <a:r>
-              <a:rPr lang="en-US" altLang="ko-KR" sz="2000" b="1" dirty="0">
-                <a:latin typeface="+mn-ea"/>
-              </a:rPr>
-              <a:t>,</a:t>
-            </a:r>
-          </a:p>
-          <a:p>
-            <a:pPr algn="l" fontAlgn="auto">
-              <a:spcAft>
-                <a:spcPts val="0"/>
-              </a:spcAft>
-            </a:pPr>
-            <a:r>
-              <a:rPr lang="en-US" altLang="ko-KR" sz="2000" b="1" dirty="0">
-                <a:latin typeface="+mn-ea"/>
-              </a:rPr>
-              <a:t> </a:t>
-            </a:r>
-            <a:r>
-              <a:rPr lang="ko-KR" altLang="en-US" sz="2000" b="1" dirty="0">
-                <a:latin typeface="+mn-ea"/>
-              </a:rPr>
-              <a:t>불이 켜지고</a:t>
-            </a:r>
-            <a:r>
-              <a:rPr lang="en-US" altLang="ko-KR" sz="2000" b="1" dirty="0">
-                <a:latin typeface="+mn-ea"/>
-              </a:rPr>
-              <a:t>, </a:t>
-            </a:r>
-            <a:r>
-              <a:rPr lang="ko-KR" altLang="en-US" sz="2000" b="1" dirty="0">
-                <a:latin typeface="+mn-ea"/>
-              </a:rPr>
-              <a:t>땠을 때는 불이 꺼지는 프로그램을</a:t>
-            </a:r>
-            <a:endParaRPr lang="en-US" altLang="ko-KR" sz="2000" b="1" dirty="0">
+            <a:endParaRPr lang="en-US" altLang="ko-KR" sz="2800" b="1" dirty="0">
               <a:latin typeface="+mn-ea"/>
             </a:endParaRPr>
           </a:p>
-          <a:p>
-            <a:pPr algn="l" fontAlgn="auto">
-              <a:spcAft>
-                <a:spcPts val="0"/>
-              </a:spcAft>
-            </a:pPr>
-            <a:r>
-              <a:rPr lang="en-US" altLang="ko-KR" sz="2000" b="1" dirty="0">
-                <a:latin typeface="+mn-ea"/>
-              </a:rPr>
-              <a:t> </a:t>
-            </a:r>
-            <a:r>
-              <a:rPr lang="ko-KR" altLang="en-US" sz="2000" b="1" dirty="0" err="1">
-                <a:latin typeface="+mn-ea"/>
-              </a:rPr>
-              <a:t>작성하시오</a:t>
-            </a:r>
-            <a:r>
-              <a:rPr lang="en-US" altLang="ko-KR" sz="2000" b="1" dirty="0">
-                <a:latin typeface="+mn-ea"/>
-              </a:rPr>
-              <a:t>. (</a:t>
-            </a:r>
-            <a:r>
-              <a:rPr lang="ko-KR" altLang="en-US" sz="2000" b="1" dirty="0">
-                <a:latin typeface="+mn-ea"/>
-              </a:rPr>
-              <a:t>업로드까지 완료할 것</a:t>
-            </a:r>
-            <a:r>
-              <a:rPr lang="en-US" altLang="ko-KR" sz="2000" b="1" dirty="0">
-                <a:latin typeface="+mn-ea"/>
-              </a:rPr>
-              <a:t>)</a:t>
-            </a:r>
-          </a:p>
-          <a:p>
-            <a:pPr algn="l" fontAlgn="auto">
-              <a:spcAft>
-                <a:spcPts val="0"/>
-              </a:spcAft>
-            </a:pPr>
-            <a:endParaRPr lang="en-US" altLang="ko-KR" sz="2000" b="1" dirty="0">
-              <a:latin typeface="+mn-ea"/>
-            </a:endParaRPr>
-          </a:p>
-          <a:p>
-            <a:pPr algn="l" fontAlgn="auto">
-              <a:spcAft>
-                <a:spcPts val="0"/>
-              </a:spcAft>
-            </a:pPr>
-            <a:endParaRPr lang="en-US" altLang="ko-KR" sz="2000" b="1" dirty="0">
-              <a:latin typeface="+mn-ea"/>
-            </a:endParaRPr>
-          </a:p>
-          <a:p>
-            <a:pPr algn="l" fontAlgn="auto">
-              <a:spcAft>
-                <a:spcPts val="0"/>
-              </a:spcAft>
-            </a:pPr>
-            <a:r>
-              <a:rPr lang="en-US" altLang="ko-KR" sz="2000" b="1" dirty="0">
-                <a:latin typeface="+mn-ea"/>
-              </a:rPr>
-              <a:t>2. </a:t>
-            </a:r>
-            <a:r>
-              <a:rPr lang="ko-KR" altLang="en-US" sz="2000" b="1" dirty="0">
-                <a:latin typeface="+mn-ea"/>
-              </a:rPr>
-              <a:t>다 한 사람은 손 들어주세요</a:t>
-            </a:r>
-            <a:r>
-              <a:rPr lang="en-US" altLang="ko-KR" sz="2000" b="1" dirty="0">
-                <a:latin typeface="+mn-ea"/>
-              </a:rPr>
-              <a:t>.</a:t>
-            </a:r>
-          </a:p>
-        </p:txBody>
-      </p:sp>
-      <p:pic>
-        <p:nvPicPr>
-          <p:cNvPr id="5" name="그림 4">
-            <a:extLst>
-              <a:ext uri="{FF2B5EF4-FFF2-40B4-BE49-F238E27FC236}">
-                <a16:creationId xmlns:a16="http://schemas.microsoft.com/office/drawing/2014/main" id="{5D34D426-875D-4493-A220-2635780CB57B}"/>
-              </a:ext>
-            </a:extLst>
-          </p:cNvPr>
-          <p:cNvPicPr>
-            <a:picLocks noChangeAspect="1"/>
-          </p:cNvPicPr>
+        </p:txBody>
+      </p:sp>
+      <p:sp>
+        <p:nvSpPr>
+          <p:cNvPr id="5" name="직사각형 4">
+            <a:extLst>
+              <a:ext uri="{FF2B5EF4-FFF2-40B4-BE49-F238E27FC236}">
+                <a16:creationId xmlns:a16="http://schemas.microsoft.com/office/drawing/2014/main" id="{885440D1-D16C-4681-8BB2-4044800D28E5}"/>
+              </a:ext>
+            </a:extLst>
+          </p:cNvPr>
+          <p:cNvSpPr/>
           <p:nvPr/>
-        </p:nvPicPr>
-        <p:blipFill>
-          <a:blip r:embed="rId3"/>
-          <a:stretch>
-            <a:fillRect/>
-          </a:stretch>
-        </p:blipFill>
+        </p:nvSpPr>
         <p:spPr>
           <a:xfrm>
-            <a:off x="72115" y="1650450"/>
-            <a:ext cx="5854148" cy="4081689"/>
+            <a:off x="862012" y="6062844"/>
+            <a:ext cx="10467975" cy="523220"/>
           </a:xfrm>
           <a:prstGeom prst="rect">
             <a:avLst/>
           </a:prstGeom>
         </p:spPr>
-      </p:pic>
-    </p:spTree>
-    <p:extLst>
-      <p:ext uri="{BB962C8B-B14F-4D97-AF65-F5344CB8AC3E}">
-        <p14:creationId xmlns:p14="http://schemas.microsoft.com/office/powerpoint/2010/main" val="3768778891"/>
-      </p:ext>
-    </p:extLst>
-  </p:cSld>
-  <p:clrMapOvr>
-    <a:masterClrMapping/>
-  </p:clrMapOvr>
-</p:sld>
-</file>
-
-<file path=ppt/slides/slide19.xml><?xml version="1.0" encoding="utf-8"?>
-<p:sld xmlns:a="http://schemas.openxmlformats.org/drawingml/2006/main" xmlns:r="http://schemas.openxmlformats.org/officeDocument/2006/relationships" xmlns:p="http://schemas.openxmlformats.org/presentationml/2006/main">
-  <p:cSld>
-    <p:spTree>
-      <p:nvGrpSpPr>
-        <p:cNvPr id="1" name=""/>
-        <p:cNvGrpSpPr/>
-        <p:nvPr/>
-      </p:nvGrpSpPr>
-      <p:grpSpPr>
-        <a:xfrm>
-          <a:off x="0" y="0"/>
-          <a:ext cx="0" cy="0"/>
-          <a:chOff x="0" y="0"/>
-          <a:chExt cx="0" cy="0"/>
-        </a:xfrm>
-      </p:grpSpPr>
-      <p:sp>
-        <p:nvSpPr>
-          <p:cNvPr id="4" name="직사각형 3">
-            <a:extLst>
-              <a:ext uri="{FF2B5EF4-FFF2-40B4-BE49-F238E27FC236}">
-                <a16:creationId xmlns:a16="http://schemas.microsoft.com/office/drawing/2014/main" id="{8CE2AD40-F434-4036-9D04-C476FB1FB8B7}"/>
-              </a:ext>
-            </a:extLst>
-          </p:cNvPr>
-          <p:cNvSpPr/>
-          <p:nvPr/>
-        </p:nvSpPr>
-        <p:spPr>
-          <a:xfrm>
-            <a:off x="0" y="0"/>
-            <a:ext cx="12192000" cy="721551"/>
-          </a:xfrm>
-          <a:prstGeom prst="rect">
-            <a:avLst/>
-          </a:prstGeom>
-          <a:solidFill>
-            <a:schemeClr val="accent1">
-              <a:lumMod val="75000"/>
-            </a:schemeClr>
-          </a:solidFill>
-        </p:spPr>
-        <p:style>
-          <a:lnRef idx="2">
-            <a:schemeClr val="accent1">
-              <a:shade val="50000"/>
-            </a:schemeClr>
-          </a:lnRef>
-          <a:fillRef idx="1">
-            <a:schemeClr val="accent1"/>
-          </a:fillRef>
-          <a:effectRef idx="0">
-            <a:schemeClr val="accent1"/>
-          </a:effectRef>
-          <a:fontRef idx="minor">
-            <a:schemeClr val="lt1"/>
-          </a:fontRef>
-        </p:style>
-        <p:txBody>
-          <a:bodyPr rtlCol="0" anchor="ctr"/>
-          <a:lstStyle/>
-          <a:p>
-            <a:r>
-              <a:rPr lang="ko-KR" altLang="en-US" sz="3000" dirty="0">
-                <a:solidFill>
-                  <a:schemeClr val="bg1"/>
-                </a:solidFill>
-              </a:rPr>
-              <a:t> 실 습 </a:t>
-            </a:r>
-            <a:r>
-              <a:rPr lang="en-US" altLang="ko-KR" sz="3000" dirty="0">
-                <a:solidFill>
-                  <a:schemeClr val="bg1"/>
-                </a:solidFill>
-              </a:rPr>
-              <a:t>(</a:t>
-            </a:r>
-            <a:r>
-              <a:rPr lang="ko-KR" altLang="en-US" sz="3000" dirty="0">
-                <a:solidFill>
-                  <a:schemeClr val="bg1"/>
-                </a:solidFill>
-              </a:rPr>
-              <a:t>심화 예제</a:t>
-            </a:r>
-            <a:r>
-              <a:rPr lang="en-US" altLang="ko-KR" sz="3000" dirty="0">
-                <a:solidFill>
-                  <a:schemeClr val="bg1"/>
-                </a:solidFill>
-              </a:rPr>
-              <a:t>)</a:t>
-            </a:r>
-            <a:endParaRPr lang="ko-KR" altLang="en-US" sz="3000" dirty="0">
-              <a:solidFill>
-                <a:schemeClr val="bg1"/>
-              </a:solidFill>
-            </a:endParaRPr>
-          </a:p>
-        </p:txBody>
-      </p:sp>
-      <p:sp>
-        <p:nvSpPr>
-          <p:cNvPr id="2" name="TextBox 1">
-            <a:extLst>
-              <a:ext uri="{FF2B5EF4-FFF2-40B4-BE49-F238E27FC236}">
-                <a16:creationId xmlns:a16="http://schemas.microsoft.com/office/drawing/2014/main" id="{3B02BD13-A28F-40A8-9A6A-75A440D8DEBA}"/>
-              </a:ext>
-            </a:extLst>
-          </p:cNvPr>
-          <p:cNvSpPr txBox="1"/>
-          <p:nvPr/>
-        </p:nvSpPr>
-        <p:spPr>
-          <a:xfrm>
-            <a:off x="2785730" y="2647507"/>
-            <a:ext cx="184731" cy="369332"/>
-          </a:xfrm>
-          <a:prstGeom prst="rect">
-            <a:avLst/>
-          </a:prstGeom>
-          <a:noFill/>
-        </p:spPr>
-        <p:txBody>
-          <a:bodyPr wrap="none" rtlCol="0">
-            <a:spAutoFit/>
-          </a:bodyPr>
-          <a:lstStyle/>
-          <a:p>
-            <a:endParaRPr lang="ko-KR" altLang="en-US" dirty="0"/>
-          </a:p>
-        </p:txBody>
-      </p:sp>
-      <p:sp>
-        <p:nvSpPr>
-          <p:cNvPr id="15" name="직사각형 14">
-            <a:extLst>
-              <a:ext uri="{FF2B5EF4-FFF2-40B4-BE49-F238E27FC236}">
-                <a16:creationId xmlns:a16="http://schemas.microsoft.com/office/drawing/2014/main" id="{BF2688D7-C9CC-4163-AC0D-AD5E36C700EF}"/>
-              </a:ext>
-            </a:extLst>
-          </p:cNvPr>
-          <p:cNvSpPr/>
-          <p:nvPr/>
-        </p:nvSpPr>
-        <p:spPr>
-          <a:xfrm>
-            <a:off x="5926263" y="1431789"/>
-            <a:ext cx="6016039" cy="3785652"/>
-          </a:xfrm>
-          <a:prstGeom prst="rect">
-            <a:avLst/>
-          </a:prstGeom>
-        </p:spPr>
         <p:txBody>
           <a:bodyPr wrap="square">
             <a:spAutoFit/>
           </a:bodyPr>
           <a:lstStyle/>
           <a:p>
-            <a:pPr algn="l" fontAlgn="auto">
-              <a:spcAft>
-                <a:spcPts val="0"/>
-              </a:spcAft>
-            </a:pPr>
-            <a:r>
-              <a:rPr lang="ko-KR" altLang="en-US" sz="2000" b="1" dirty="0">
+            <a:pPr algn="ctr"/>
+            <a:r>
+              <a:rPr lang="ko-KR" altLang="en-US" sz="2800" b="1" dirty="0">
                 <a:latin typeface="+mn-ea"/>
-              </a:rPr>
-              <a:t>실습 목표 </a:t>
-            </a:r>
-            <a:r>
-              <a:rPr lang="en-US" altLang="ko-KR" sz="2000" b="1" dirty="0">
+                <a:ea typeface="+mn-ea"/>
+              </a:rPr>
+              <a:t>자료 출처 </a:t>
+            </a:r>
+            <a:r>
+              <a:rPr lang="en-US" altLang="ko-KR" sz="2800" b="1" dirty="0">
                 <a:latin typeface="+mn-ea"/>
+                <a:ea typeface="+mn-ea"/>
               </a:rPr>
               <a:t>: </a:t>
             </a:r>
             <a:r>
-              <a:rPr lang="ko-KR" altLang="en-US" sz="2000" b="1" dirty="0">
-                <a:latin typeface="+mn-ea"/>
-              </a:rPr>
-              <a:t>푸시 버튼을 이용해 </a:t>
-            </a:r>
-            <a:r>
-              <a:rPr lang="en-US" altLang="ko-KR" sz="2000" b="1" dirty="0">
-                <a:latin typeface="+mn-ea"/>
-              </a:rPr>
-              <a:t>LED</a:t>
-            </a:r>
-            <a:r>
-              <a:rPr lang="ko-KR" altLang="en-US" sz="2000" b="1" dirty="0">
-                <a:latin typeface="+mn-ea"/>
-              </a:rPr>
-              <a:t>를 제어해본다</a:t>
-            </a:r>
-            <a:r>
-              <a:rPr lang="en-US" altLang="ko-KR" sz="2000" b="1" dirty="0">
-                <a:latin typeface="+mn-ea"/>
-              </a:rPr>
-              <a:t>.</a:t>
-            </a:r>
-          </a:p>
-          <a:p>
-            <a:pPr algn="l" fontAlgn="auto">
-              <a:spcAft>
-                <a:spcPts val="0"/>
-              </a:spcAft>
-            </a:pPr>
-            <a:r>
-              <a:rPr lang="en-US" altLang="ko-KR" sz="2000" b="1" dirty="0">
-                <a:latin typeface="+mn-ea"/>
-              </a:rPr>
-              <a:t>(</a:t>
-            </a:r>
-            <a:r>
-              <a:rPr lang="ko-KR" altLang="en-US" sz="2000" b="1" dirty="0">
-                <a:latin typeface="+mn-ea"/>
-              </a:rPr>
-              <a:t>평가 항목이므로 다른 사람에게 알려주지 않는다</a:t>
-            </a:r>
-            <a:r>
-              <a:rPr lang="en-US" altLang="ko-KR" sz="2000" b="1" dirty="0">
-                <a:latin typeface="+mn-ea"/>
-              </a:rPr>
-              <a:t>.)</a:t>
-            </a:r>
-          </a:p>
-          <a:p>
-            <a:pPr algn="l" fontAlgn="auto">
-              <a:spcAft>
-                <a:spcPts val="0"/>
-              </a:spcAft>
-            </a:pPr>
-            <a:endParaRPr lang="en-US" altLang="ko-KR" sz="2000" b="1" dirty="0">
+              <a:rPr lang="en-US" altLang="ko-KR" sz="2800" dirty="0">
+                <a:hlinkClick r:id="rId3"/>
+              </a:rPr>
+              <a:t>https://kocoafab.cc/tutorial/view/526</a:t>
+            </a:r>
+            <a:endParaRPr lang="en-US" altLang="ko-KR" sz="2800" b="1" dirty="0">
               <a:latin typeface="+mn-ea"/>
               <a:ea typeface="+mn-ea"/>
             </a:endParaRPr>
           </a:p>
-          <a:p>
-            <a:pPr algn="l" fontAlgn="auto">
-              <a:spcAft>
-                <a:spcPts val="0"/>
-              </a:spcAft>
-            </a:pPr>
-            <a:endParaRPr lang="en-US" altLang="ko-KR" sz="2000" b="1" dirty="0">
-              <a:latin typeface="+mn-ea"/>
-              <a:ea typeface="+mn-ea"/>
-            </a:endParaRPr>
-          </a:p>
-          <a:p>
-            <a:pPr algn="l" fontAlgn="auto">
-              <a:spcAft>
-                <a:spcPts val="0"/>
-              </a:spcAft>
-            </a:pPr>
-            <a:endParaRPr lang="en-US" altLang="ko-KR" sz="2000" b="1" dirty="0">
-              <a:latin typeface="+mn-ea"/>
-              <a:ea typeface="+mn-ea"/>
-            </a:endParaRPr>
-          </a:p>
-          <a:p>
-            <a:pPr marL="457200" indent="-457200" algn="l" fontAlgn="auto">
-              <a:spcAft>
-                <a:spcPts val="0"/>
-              </a:spcAft>
-              <a:buAutoNum type="arabicPeriod"/>
-            </a:pPr>
-            <a:r>
-              <a:rPr lang="ko-KR" altLang="en-US" sz="2000" b="1" dirty="0">
-                <a:latin typeface="+mn-ea"/>
-                <a:ea typeface="+mn-ea"/>
-              </a:rPr>
-              <a:t>위쪽 버튼을 누르면 빨간 </a:t>
-            </a:r>
-            <a:r>
-              <a:rPr lang="en-US" altLang="ko-KR" sz="2000" b="1" dirty="0">
-                <a:latin typeface="+mn-ea"/>
-                <a:ea typeface="+mn-ea"/>
-              </a:rPr>
-              <a:t>LED</a:t>
-            </a:r>
-            <a:r>
-              <a:rPr lang="ko-KR" altLang="en-US" sz="2000" b="1" dirty="0">
-                <a:latin typeface="+mn-ea"/>
-                <a:ea typeface="+mn-ea"/>
-              </a:rPr>
-              <a:t>가 켜지고 때면 다시 꺼지도록 한다</a:t>
-            </a:r>
-            <a:r>
-              <a:rPr lang="en-US" altLang="ko-KR" sz="2000" b="1" dirty="0">
-                <a:latin typeface="+mn-ea"/>
-                <a:ea typeface="+mn-ea"/>
-              </a:rPr>
-              <a:t>.</a:t>
-            </a:r>
-          </a:p>
-          <a:p>
-            <a:pPr marL="457200" indent="-457200" algn="l" fontAlgn="auto">
-              <a:spcAft>
-                <a:spcPts val="0"/>
-              </a:spcAft>
-              <a:buAutoNum type="arabicPeriod"/>
-            </a:pPr>
-            <a:endParaRPr lang="en-US" altLang="ko-KR" sz="2000" b="1" dirty="0">
-              <a:latin typeface="+mn-ea"/>
-              <a:ea typeface="+mn-ea"/>
-            </a:endParaRPr>
-          </a:p>
-          <a:p>
-            <a:pPr marL="457200" indent="-457200" algn="l" fontAlgn="auto">
-              <a:spcAft>
-                <a:spcPts val="0"/>
-              </a:spcAft>
-              <a:buAutoNum type="arabicPeriod"/>
-            </a:pPr>
-            <a:r>
-              <a:rPr lang="ko-KR" altLang="en-US" sz="2000" b="1" dirty="0">
-                <a:latin typeface="+mn-ea"/>
-              </a:rPr>
-              <a:t>아래쪽 버튼을 누르면 초록 </a:t>
-            </a:r>
-            <a:r>
-              <a:rPr lang="en-US" altLang="ko-KR" sz="2000" b="1" dirty="0">
-                <a:latin typeface="+mn-ea"/>
-              </a:rPr>
-              <a:t>LED</a:t>
-            </a:r>
-            <a:r>
-              <a:rPr lang="ko-KR" altLang="en-US" sz="2000" b="1" dirty="0">
-                <a:latin typeface="+mn-ea"/>
-              </a:rPr>
-              <a:t>가 켜지고 때면 다시 꺼지도록 한다</a:t>
-            </a:r>
-            <a:r>
-              <a:rPr lang="en-US" altLang="ko-KR" sz="2000" b="1" dirty="0">
-                <a:latin typeface="+mn-ea"/>
-              </a:rPr>
-              <a:t>.</a:t>
-            </a:r>
-            <a:endParaRPr lang="en-US" altLang="ko-KR" sz="2000" b="1" dirty="0">
-              <a:latin typeface="+mn-ea"/>
-              <a:ea typeface="+mn-ea"/>
-            </a:endParaRPr>
-          </a:p>
-          <a:p>
-            <a:pPr marL="457200" indent="-457200" algn="l" fontAlgn="auto">
-              <a:spcAft>
-                <a:spcPts val="0"/>
-              </a:spcAft>
-              <a:buAutoNum type="arabicPeriod"/>
-            </a:pPr>
-            <a:endParaRPr lang="en-US" altLang="ko-KR" sz="2000" b="1" dirty="0">
-              <a:latin typeface="+mn-ea"/>
-            </a:endParaRPr>
-          </a:p>
-          <a:p>
-            <a:pPr algn="l" fontAlgn="auto">
-              <a:spcAft>
-                <a:spcPts val="0"/>
-              </a:spcAft>
-            </a:pPr>
-            <a:r>
-              <a:rPr lang="en-US" altLang="ko-KR" sz="2000" b="1" dirty="0">
-                <a:latin typeface="+mn-ea"/>
-              </a:rPr>
-              <a:t>3.  </a:t>
-            </a:r>
-            <a:r>
-              <a:rPr lang="ko-KR" altLang="en-US" sz="2000" b="1" dirty="0">
-                <a:latin typeface="+mn-ea"/>
-              </a:rPr>
-              <a:t>다 한 사람은 손 들어주세요</a:t>
-            </a:r>
-            <a:r>
-              <a:rPr lang="en-US" altLang="ko-KR" sz="2000" b="1" dirty="0">
-                <a:latin typeface="+mn-ea"/>
-              </a:rPr>
-              <a:t>.</a:t>
-            </a:r>
-          </a:p>
-        </p:txBody>
-      </p:sp>
-      <p:pic>
-        <p:nvPicPr>
-          <p:cNvPr id="5" name="그림 4">
-            <a:extLst>
-              <a:ext uri="{FF2B5EF4-FFF2-40B4-BE49-F238E27FC236}">
-                <a16:creationId xmlns:a16="http://schemas.microsoft.com/office/drawing/2014/main" id="{00DB4A2F-A1A1-4271-B6F4-5DB196B826A9}"/>
-              </a:ext>
-            </a:extLst>
-          </p:cNvPr>
-          <p:cNvPicPr>
-            <a:picLocks noChangeAspect="1"/>
-          </p:cNvPicPr>
-          <p:nvPr/>
-        </p:nvPicPr>
-        <p:blipFill>
-          <a:blip r:embed="rId3"/>
-          <a:stretch>
-            <a:fillRect/>
-          </a:stretch>
-        </p:blipFill>
-        <p:spPr>
-          <a:xfrm>
-            <a:off x="83086" y="1431789"/>
-            <a:ext cx="5774749" cy="4054611"/>
-          </a:xfrm>
-          <a:prstGeom prst="rect">
-            <a:avLst/>
-          </a:prstGeom>
-        </p:spPr>
-      </p:pic>
+        </p:txBody>
+      </p:sp>
     </p:spTree>
     <p:extLst>
       <p:ext uri="{BB962C8B-B14F-4D97-AF65-F5344CB8AC3E}">
-        <p14:creationId xmlns:p14="http://schemas.microsoft.com/office/powerpoint/2010/main" val="3903606405"/>
+        <p14:creationId xmlns:p14="http://schemas.microsoft.com/office/powerpoint/2010/main" val="953432653"/>
       </p:ext>
     </p:extLst>
   </p:cSld>
@@ -11921,273 +11123,6 @@
       <p:bldP spid="16" grpId="0"/>
     </p:bldLst>
   </p:timing>
-</p:sld>
-</file>
-
-<file path=ppt/slides/slide20.xml><?xml version="1.0" encoding="utf-8"?>
-<p:sld xmlns:a="http://schemas.openxmlformats.org/drawingml/2006/main" xmlns:r="http://schemas.openxmlformats.org/officeDocument/2006/relationships" xmlns:p="http://schemas.openxmlformats.org/presentationml/2006/main">
-  <p:cSld>
-    <p:spTree>
-      <p:nvGrpSpPr>
-        <p:cNvPr id="1" name=""/>
-        <p:cNvGrpSpPr/>
-        <p:nvPr/>
-      </p:nvGrpSpPr>
-      <p:grpSpPr>
-        <a:xfrm>
-          <a:off x="0" y="0"/>
-          <a:ext cx="0" cy="0"/>
-          <a:chOff x="0" y="0"/>
-          <a:chExt cx="0" cy="0"/>
-        </a:xfrm>
-      </p:grpSpPr>
-      <p:sp>
-        <p:nvSpPr>
-          <p:cNvPr id="4" name="직사각형 3">
-            <a:extLst>
-              <a:ext uri="{FF2B5EF4-FFF2-40B4-BE49-F238E27FC236}">
-                <a16:creationId xmlns:a16="http://schemas.microsoft.com/office/drawing/2014/main" id="{8CE2AD40-F434-4036-9D04-C476FB1FB8B7}"/>
-              </a:ext>
-            </a:extLst>
-          </p:cNvPr>
-          <p:cNvSpPr/>
-          <p:nvPr/>
-        </p:nvSpPr>
-        <p:spPr>
-          <a:xfrm>
-            <a:off x="0" y="0"/>
-            <a:ext cx="12192000" cy="721551"/>
-          </a:xfrm>
-          <a:prstGeom prst="rect">
-            <a:avLst/>
-          </a:prstGeom>
-          <a:solidFill>
-            <a:schemeClr val="accent1">
-              <a:lumMod val="75000"/>
-            </a:schemeClr>
-          </a:solidFill>
-        </p:spPr>
-        <p:style>
-          <a:lnRef idx="2">
-            <a:schemeClr val="accent1">
-              <a:shade val="50000"/>
-            </a:schemeClr>
-          </a:lnRef>
-          <a:fillRef idx="1">
-            <a:schemeClr val="accent1"/>
-          </a:fillRef>
-          <a:effectRef idx="0">
-            <a:schemeClr val="accent1"/>
-          </a:effectRef>
-          <a:fontRef idx="minor">
-            <a:schemeClr val="lt1"/>
-          </a:fontRef>
-        </p:style>
-        <p:txBody>
-          <a:bodyPr rtlCol="0" anchor="ctr"/>
-          <a:lstStyle/>
-          <a:p>
-            <a:r>
-              <a:rPr lang="ko-KR" altLang="en-US" sz="3000" dirty="0">
-                <a:solidFill>
-                  <a:schemeClr val="bg1"/>
-                </a:solidFill>
-              </a:rPr>
-              <a:t>  마무리</a:t>
-            </a:r>
-          </a:p>
-        </p:txBody>
-      </p:sp>
-      <p:sp>
-        <p:nvSpPr>
-          <p:cNvPr id="3" name="직사각형 2">
-            <a:extLst>
-              <a:ext uri="{FF2B5EF4-FFF2-40B4-BE49-F238E27FC236}">
-                <a16:creationId xmlns:a16="http://schemas.microsoft.com/office/drawing/2014/main" id="{C5337EF2-48E7-4E25-A012-7025622749A2}"/>
-              </a:ext>
-            </a:extLst>
-          </p:cNvPr>
-          <p:cNvSpPr/>
-          <p:nvPr/>
-        </p:nvSpPr>
-        <p:spPr>
-          <a:xfrm>
-            <a:off x="862011" y="2258849"/>
-            <a:ext cx="10467975" cy="3108543"/>
-          </a:xfrm>
-          <a:prstGeom prst="rect">
-            <a:avLst/>
-          </a:prstGeom>
-        </p:spPr>
-        <p:txBody>
-          <a:bodyPr wrap="square">
-            <a:spAutoFit/>
-          </a:bodyPr>
-          <a:lstStyle/>
-          <a:p>
-            <a:pPr indent="-562722" algn="l" fontAlgn="auto">
-              <a:spcAft>
-                <a:spcPts val="0"/>
-              </a:spcAft>
-              <a:buFont typeface="Arial" panose="020B0604020202020204" pitchFamily="34" charset="0"/>
-              <a:buChar char="•"/>
-            </a:pPr>
-            <a:r>
-              <a:rPr lang="ko-KR" altLang="en-US" sz="2800" b="1" dirty="0">
-                <a:latin typeface="+mn-ea"/>
-              </a:rPr>
-              <a:t>푸시 버튼</a:t>
-            </a:r>
-            <a:endParaRPr lang="en-US" altLang="ko-KR" sz="2800" b="1" dirty="0">
-              <a:latin typeface="+mn-ea"/>
-            </a:endParaRPr>
-          </a:p>
-          <a:p>
-            <a:pPr indent="-562722" algn="l" fontAlgn="auto">
-              <a:spcAft>
-                <a:spcPts val="0"/>
-              </a:spcAft>
-              <a:buFont typeface="Arial" panose="020B0604020202020204" pitchFamily="34" charset="0"/>
-              <a:buChar char="•"/>
-            </a:pPr>
-            <a:endParaRPr lang="en-US" altLang="ko-KR" sz="2800" b="1" dirty="0">
-              <a:latin typeface="+mn-ea"/>
-            </a:endParaRPr>
-          </a:p>
-          <a:p>
-            <a:pPr indent="-562722" algn="l" fontAlgn="auto">
-              <a:spcAft>
-                <a:spcPts val="0"/>
-              </a:spcAft>
-              <a:buFont typeface="Arial" panose="020B0604020202020204" pitchFamily="34" charset="0"/>
-              <a:buChar char="•"/>
-            </a:pPr>
-            <a:endParaRPr lang="en-US" altLang="ko-KR" sz="2800" b="1" dirty="0">
-              <a:latin typeface="+mn-ea"/>
-            </a:endParaRPr>
-          </a:p>
-          <a:p>
-            <a:pPr indent="-562722" algn="l" fontAlgn="auto">
-              <a:spcAft>
-                <a:spcPts val="0"/>
-              </a:spcAft>
-              <a:buFont typeface="Arial" panose="020B0604020202020204" pitchFamily="34" charset="0"/>
-              <a:buChar char="•"/>
-            </a:pPr>
-            <a:endParaRPr lang="en-US" altLang="ko-KR" sz="2800" b="1" dirty="0">
-              <a:latin typeface="+mn-ea"/>
-              <a:ea typeface="+mn-ea"/>
-            </a:endParaRPr>
-          </a:p>
-          <a:p>
-            <a:pPr indent="-562722" algn="l" fontAlgn="auto">
-              <a:spcAft>
-                <a:spcPts val="0"/>
-              </a:spcAft>
-              <a:buFont typeface="Arial" panose="020B0604020202020204" pitchFamily="34" charset="0"/>
-              <a:buChar char="•"/>
-            </a:pPr>
-            <a:r>
-              <a:rPr lang="ko-KR" altLang="en-US" sz="2800" b="1" dirty="0">
-                <a:latin typeface="+mn-ea"/>
-              </a:rPr>
-              <a:t>푸시 버튼을 이용한 회로 구성 방법</a:t>
-            </a:r>
-            <a:endParaRPr lang="en-US" altLang="ko-KR" sz="2800" b="1" dirty="0">
-              <a:latin typeface="+mn-ea"/>
-            </a:endParaRPr>
-          </a:p>
-          <a:p>
-            <a:pPr indent="-562722" algn="l" fontAlgn="auto">
-              <a:spcAft>
-                <a:spcPts val="0"/>
-              </a:spcAft>
-              <a:buFont typeface="Arial" panose="020B0604020202020204" pitchFamily="34" charset="0"/>
-              <a:buChar char="•"/>
-            </a:pPr>
-            <a:endParaRPr lang="en-US" altLang="ko-KR" sz="2800" b="1" dirty="0">
-              <a:latin typeface="+mn-ea"/>
-            </a:endParaRPr>
-          </a:p>
-          <a:p>
-            <a:pPr indent="-562722" algn="l" fontAlgn="auto">
-              <a:spcAft>
-                <a:spcPts val="0"/>
-              </a:spcAft>
-              <a:buFont typeface="Arial" panose="020B0604020202020204" pitchFamily="34" charset="0"/>
-              <a:buChar char="•"/>
-            </a:pPr>
-            <a:endParaRPr lang="en-US" altLang="ko-KR" sz="2800" b="1" dirty="0">
-              <a:latin typeface="+mn-ea"/>
-            </a:endParaRPr>
-          </a:p>
-        </p:txBody>
-      </p:sp>
-      <p:sp>
-        <p:nvSpPr>
-          <p:cNvPr id="5" name="직사각형 4">
-            <a:extLst>
-              <a:ext uri="{FF2B5EF4-FFF2-40B4-BE49-F238E27FC236}">
-                <a16:creationId xmlns:a16="http://schemas.microsoft.com/office/drawing/2014/main" id="{885440D1-D16C-4681-8BB2-4044800D28E5}"/>
-              </a:ext>
-            </a:extLst>
-          </p:cNvPr>
-          <p:cNvSpPr/>
-          <p:nvPr/>
-        </p:nvSpPr>
-        <p:spPr>
-          <a:xfrm>
-            <a:off x="862012" y="6062844"/>
-            <a:ext cx="10467975" cy="523220"/>
-          </a:xfrm>
-          <a:prstGeom prst="rect">
-            <a:avLst/>
-          </a:prstGeom>
-        </p:spPr>
-        <p:txBody>
-          <a:bodyPr wrap="square">
-            <a:spAutoFit/>
-          </a:bodyPr>
-          <a:lstStyle/>
-          <a:p>
-            <a:pPr algn="ctr"/>
-            <a:r>
-              <a:rPr lang="ko-KR" altLang="en-US" sz="2800" b="1" dirty="0">
-                <a:latin typeface="+mn-ea"/>
-                <a:ea typeface="+mn-ea"/>
-              </a:rPr>
-              <a:t>자료 출처 </a:t>
-            </a:r>
-            <a:r>
-              <a:rPr lang="en-US" altLang="ko-KR" sz="2800" b="1" dirty="0">
-                <a:latin typeface="+mn-ea"/>
-                <a:ea typeface="+mn-ea"/>
-              </a:rPr>
-              <a:t>: </a:t>
-            </a:r>
-            <a:r>
-              <a:rPr lang="en-US" altLang="ko-KR" sz="2800" dirty="0">
-                <a:hlinkClick r:id="rId3"/>
-              </a:rPr>
-              <a:t>https://kocoafab.cc/tutorial/view/526</a:t>
-            </a:r>
-            <a:endParaRPr lang="en-US" altLang="ko-KR" sz="2800" b="1" dirty="0">
-              <a:latin typeface="+mn-ea"/>
-              <a:ea typeface="+mn-ea"/>
-            </a:endParaRPr>
-          </a:p>
-        </p:txBody>
-      </p:sp>
-    </p:spTree>
-    <p:extLst>
-      <p:ext uri="{BB962C8B-B14F-4D97-AF65-F5344CB8AC3E}">
-        <p14:creationId xmlns:p14="http://schemas.microsoft.com/office/powerpoint/2010/main" val="953432653"/>
-      </p:ext>
-    </p:extLst>
-  </p:cSld>
-  <p:clrMapOvr>
-    <a:masterClrMapping/>
-  </p:clrMapOvr>
 </p:sld>
 </file>
 

--- a/2020-06-03-연수고.pptx
+++ b/2020-06-03-연수고.pptx
@@ -214,7 +214,7 @@
           <a:p>
             <a:fld id="{441FEC62-9B31-4DF2-936D-FD9BCACC7C84}" type="datetimeFigureOut">
               <a:rPr lang="ko-KR" altLang="en-US" smtClean="0"/>
-              <a:t>2020-06-02</a:t>
+              <a:t>2020-06-03</a:t>
             </a:fld>
             <a:endParaRPr lang="ko-KR" altLang="en-US"/>
           </a:p>
@@ -2267,7 +2267,7 @@
           <a:p>
             <a:fld id="{05CE1C86-58EB-41F5-AE4C-2D6DBC13F52E}" type="datetimeFigureOut">
               <a:rPr lang="ko-KR" altLang="en-US" smtClean="0"/>
-              <a:t>2020-06-02</a:t>
+              <a:t>2020-06-03</a:t>
             </a:fld>
             <a:endParaRPr lang="ko-KR" altLang="en-US"/>
           </a:p>
@@ -2465,7 +2465,7 @@
           <a:p>
             <a:fld id="{05CE1C86-58EB-41F5-AE4C-2D6DBC13F52E}" type="datetimeFigureOut">
               <a:rPr lang="ko-KR" altLang="en-US" smtClean="0"/>
-              <a:t>2020-06-02</a:t>
+              <a:t>2020-06-03</a:t>
             </a:fld>
             <a:endParaRPr lang="ko-KR" altLang="en-US"/>
           </a:p>
@@ -2673,7 +2673,7 @@
           <a:p>
             <a:fld id="{05CE1C86-58EB-41F5-AE4C-2D6DBC13F52E}" type="datetimeFigureOut">
               <a:rPr lang="ko-KR" altLang="en-US" smtClean="0"/>
-              <a:t>2020-06-02</a:t>
+              <a:t>2020-06-03</a:t>
             </a:fld>
             <a:endParaRPr lang="ko-KR" altLang="en-US"/>
           </a:p>
@@ -2871,7 +2871,7 @@
           <a:p>
             <a:fld id="{05CE1C86-58EB-41F5-AE4C-2D6DBC13F52E}" type="datetimeFigureOut">
               <a:rPr lang="ko-KR" altLang="en-US" smtClean="0"/>
-              <a:t>2020-06-02</a:t>
+              <a:t>2020-06-03</a:t>
             </a:fld>
             <a:endParaRPr lang="ko-KR" altLang="en-US"/>
           </a:p>
@@ -3146,7 +3146,7 @@
           <a:p>
             <a:fld id="{05CE1C86-58EB-41F5-AE4C-2D6DBC13F52E}" type="datetimeFigureOut">
               <a:rPr lang="ko-KR" altLang="en-US" smtClean="0"/>
-              <a:t>2020-06-02</a:t>
+              <a:t>2020-06-03</a:t>
             </a:fld>
             <a:endParaRPr lang="ko-KR" altLang="en-US"/>
           </a:p>
@@ -3411,7 +3411,7 @@
           <a:p>
             <a:fld id="{05CE1C86-58EB-41F5-AE4C-2D6DBC13F52E}" type="datetimeFigureOut">
               <a:rPr lang="ko-KR" altLang="en-US" smtClean="0"/>
-              <a:t>2020-06-02</a:t>
+              <a:t>2020-06-03</a:t>
             </a:fld>
             <a:endParaRPr lang="ko-KR" altLang="en-US"/>
           </a:p>
@@ -3823,7 +3823,7 @@
           <a:p>
             <a:fld id="{05CE1C86-58EB-41F5-AE4C-2D6DBC13F52E}" type="datetimeFigureOut">
               <a:rPr lang="ko-KR" altLang="en-US" smtClean="0"/>
-              <a:t>2020-06-02</a:t>
+              <a:t>2020-06-03</a:t>
             </a:fld>
             <a:endParaRPr lang="ko-KR" altLang="en-US"/>
           </a:p>
@@ -3964,7 +3964,7 @@
           <a:p>
             <a:fld id="{05CE1C86-58EB-41F5-AE4C-2D6DBC13F52E}" type="datetimeFigureOut">
               <a:rPr lang="ko-KR" altLang="en-US" smtClean="0"/>
-              <a:t>2020-06-02</a:t>
+              <a:t>2020-06-03</a:t>
             </a:fld>
             <a:endParaRPr lang="ko-KR" altLang="en-US"/>
           </a:p>
@@ -4077,7 +4077,7 @@
           <a:p>
             <a:fld id="{05CE1C86-58EB-41F5-AE4C-2D6DBC13F52E}" type="datetimeFigureOut">
               <a:rPr lang="ko-KR" altLang="en-US" smtClean="0"/>
-              <a:t>2020-06-02</a:t>
+              <a:t>2020-06-03</a:t>
             </a:fld>
             <a:endParaRPr lang="ko-KR" altLang="en-US"/>
           </a:p>
@@ -4388,7 +4388,7 @@
           <a:p>
             <a:fld id="{05CE1C86-58EB-41F5-AE4C-2D6DBC13F52E}" type="datetimeFigureOut">
               <a:rPr lang="ko-KR" altLang="en-US" smtClean="0"/>
-              <a:t>2020-06-02</a:t>
+              <a:t>2020-06-03</a:t>
             </a:fld>
             <a:endParaRPr lang="ko-KR" altLang="en-US"/>
           </a:p>
@@ -4676,7 +4676,7 @@
           <a:p>
             <a:fld id="{05CE1C86-58EB-41F5-AE4C-2D6DBC13F52E}" type="datetimeFigureOut">
               <a:rPr lang="ko-KR" altLang="en-US" smtClean="0"/>
-              <a:t>2020-06-02</a:t>
+              <a:t>2020-06-03</a:t>
             </a:fld>
             <a:endParaRPr lang="ko-KR" altLang="en-US"/>
           </a:p>
@@ -4917,7 +4917,7 @@
           <a:p>
             <a:fld id="{05CE1C86-58EB-41F5-AE4C-2D6DBC13F52E}" type="datetimeFigureOut">
               <a:rPr lang="ko-KR" altLang="en-US" smtClean="0"/>
-              <a:t>2020-06-02</a:t>
+              <a:t>2020-06-03</a:t>
             </a:fld>
             <a:endParaRPr lang="ko-KR" altLang="en-US"/>
           </a:p>
@@ -12979,12 +12979,12 @@
               <a:t>(</a:t>
             </a:r>
             <a:r>
-              <a:rPr lang="ko-KR" altLang="en-US" sz="3000" dirty="0">
+              <a:rPr lang="ko-KR" altLang="en-US" sz="3000">
                 <a:solidFill>
                   <a:schemeClr val="bg1"/>
                 </a:solidFill>
               </a:rPr>
-              <a:t>코드</a:t>
+              <a:t>목 차</a:t>
             </a:r>
             <a:r>
               <a:rPr lang="en-US" altLang="ko-KR" sz="3000" dirty="0">

--- a/2020-06-03-연수고.pptx
+++ b/2020-06-03-연수고.pptx
@@ -5,7 +5,7 @@
     <p:sldMasterId id="2147483648" r:id="rId1"/>
   </p:sldMasterIdLst>
   <p:notesMasterIdLst>
-    <p:notesMasterId r:id="rId20"/>
+    <p:notesMasterId r:id="rId22"/>
   </p:notesMasterIdLst>
   <p:sldIdLst>
     <p:sldId id="1100" r:id="rId2"/>
@@ -25,7 +25,9 @@
     <p:sldId id="1172" r:id="rId16"/>
     <p:sldId id="1173" r:id="rId17"/>
     <p:sldId id="1174" r:id="rId18"/>
-    <p:sldId id="1146" r:id="rId19"/>
+    <p:sldId id="1156" r:id="rId19"/>
+    <p:sldId id="1177" r:id="rId20"/>
+    <p:sldId id="1146" r:id="rId21"/>
   </p:sldIdLst>
   <p:sldSz cx="12192000" cy="6858000"/>
   <p:notesSz cx="6858000" cy="9144000"/>
@@ -214,7 +216,7 @@
           <a:p>
             <a:fld id="{441FEC62-9B31-4DF2-936D-FD9BCACC7C84}" type="datetimeFigureOut">
               <a:rPr lang="ko-KR" altLang="en-US" smtClean="0"/>
-              <a:t>2020-06-03</a:t>
+              <a:t>2020-06-02</a:t>
             </a:fld>
             <a:endParaRPr lang="ko-KR" altLang="en-US"/>
           </a:p>
@@ -1390,7 +1392,97 @@
     </p:spTree>
     <p:extLst>
       <p:ext uri="{BB962C8B-B14F-4D97-AF65-F5344CB8AC3E}">
-        <p14:creationId xmlns:p14="http://schemas.microsoft.com/office/powerpoint/2010/main" val="1445586779"/>
+        <p14:creationId xmlns:p14="http://schemas.microsoft.com/office/powerpoint/2010/main" val="246384144"/>
+      </p:ext>
+    </p:extLst>
+  </p:cSld>
+  <p:clrMapOvr>
+    <a:masterClrMapping/>
+  </p:clrMapOvr>
+</p:notes>
+</file>
+
+<file path=ppt/notesSlides/notesSlide19.xml><?xml version="1.0" encoding="utf-8"?>
+<p:notes xmlns:a="http://schemas.openxmlformats.org/drawingml/2006/main" xmlns:r="http://schemas.openxmlformats.org/officeDocument/2006/relationships" xmlns:p="http://schemas.openxmlformats.org/presentationml/2006/main">
+  <p:cSld>
+    <p:spTree>
+      <p:nvGrpSpPr>
+        <p:cNvPr id="1" name=""/>
+        <p:cNvGrpSpPr/>
+        <p:nvPr/>
+      </p:nvGrpSpPr>
+      <p:grpSpPr>
+        <a:xfrm>
+          <a:off x="0" y="0"/>
+          <a:ext cx="0" cy="0"/>
+          <a:chOff x="0" y="0"/>
+          <a:chExt cx="0" cy="0"/>
+        </a:xfrm>
+      </p:grpSpPr>
+      <p:sp>
+        <p:nvSpPr>
+          <p:cNvPr id="2" name="슬라이드 이미지 개체 틀 1"/>
+          <p:cNvSpPr>
+            <a:spLocks noGrp="1" noRot="1" noChangeAspect="1"/>
+          </p:cNvSpPr>
+          <p:nvPr>
+            <p:ph type="sldImg"/>
+          </p:nvPr>
+        </p:nvSpPr>
+        <p:spPr/>
+      </p:sp>
+      <p:sp>
+        <p:nvSpPr>
+          <p:cNvPr id="3" name="슬라이드 노트 개체 틀 2"/>
+          <p:cNvSpPr>
+            <a:spLocks noGrp="1"/>
+          </p:cNvSpPr>
+          <p:nvPr>
+            <p:ph type="body" idx="1"/>
+          </p:nvPr>
+        </p:nvSpPr>
+        <p:spPr/>
+        <p:txBody>
+          <a:bodyPr/>
+          <a:lstStyle/>
+          <a:p>
+            <a:endParaRPr lang="ko-KR" altLang="en-US" dirty="0"/>
+          </a:p>
+        </p:txBody>
+      </p:sp>
+      <p:sp>
+        <p:nvSpPr>
+          <p:cNvPr id="4" name="슬라이드 번호 개체 틀 3"/>
+          <p:cNvSpPr>
+            <a:spLocks noGrp="1"/>
+          </p:cNvSpPr>
+          <p:nvPr>
+            <p:ph type="sldNum" sz="quarter" idx="10"/>
+          </p:nvPr>
+        </p:nvSpPr>
+        <p:spPr/>
+        <p:txBody>
+          <a:bodyPr/>
+          <a:lstStyle/>
+          <a:p>
+            <a:pPr>
+              <a:defRPr/>
+            </a:pPr>
+            <a:fld id="{EF25C9CB-473F-4C79-8889-7E058F4F291A}" type="slidenum">
+              <a:rPr lang="en-US" altLang="ko-KR" smtClean="0"/>
+              <a:pPr>
+                <a:defRPr/>
+              </a:pPr>
+              <a:t>19</a:t>
+            </a:fld>
+            <a:endParaRPr lang="en-US" altLang="ko-KR" dirty="0"/>
+          </a:p>
+        </p:txBody>
+      </p:sp>
+    </p:spTree>
+    <p:extLst>
+      <p:ext uri="{BB962C8B-B14F-4D97-AF65-F5344CB8AC3E}">
+        <p14:creationId xmlns:p14="http://schemas.microsoft.com/office/powerpoint/2010/main" val="2013654352"/>
       </p:ext>
     </p:extLst>
   </p:cSld>
@@ -1481,6 +1573,96 @@
     <p:extLst>
       <p:ext uri="{BB962C8B-B14F-4D97-AF65-F5344CB8AC3E}">
         <p14:creationId xmlns:p14="http://schemas.microsoft.com/office/powerpoint/2010/main" val="2328512896"/>
+      </p:ext>
+    </p:extLst>
+  </p:cSld>
+  <p:clrMapOvr>
+    <a:masterClrMapping/>
+  </p:clrMapOvr>
+</p:notes>
+</file>
+
+<file path=ppt/notesSlides/notesSlide20.xml><?xml version="1.0" encoding="utf-8"?>
+<p:notes xmlns:a="http://schemas.openxmlformats.org/drawingml/2006/main" xmlns:r="http://schemas.openxmlformats.org/officeDocument/2006/relationships" xmlns:p="http://schemas.openxmlformats.org/presentationml/2006/main">
+  <p:cSld>
+    <p:spTree>
+      <p:nvGrpSpPr>
+        <p:cNvPr id="1" name=""/>
+        <p:cNvGrpSpPr/>
+        <p:nvPr/>
+      </p:nvGrpSpPr>
+      <p:grpSpPr>
+        <a:xfrm>
+          <a:off x="0" y="0"/>
+          <a:ext cx="0" cy="0"/>
+          <a:chOff x="0" y="0"/>
+          <a:chExt cx="0" cy="0"/>
+        </a:xfrm>
+      </p:grpSpPr>
+      <p:sp>
+        <p:nvSpPr>
+          <p:cNvPr id="2" name="슬라이드 이미지 개체 틀 1"/>
+          <p:cNvSpPr>
+            <a:spLocks noGrp="1" noRot="1" noChangeAspect="1"/>
+          </p:cNvSpPr>
+          <p:nvPr>
+            <p:ph type="sldImg"/>
+          </p:nvPr>
+        </p:nvSpPr>
+        <p:spPr/>
+      </p:sp>
+      <p:sp>
+        <p:nvSpPr>
+          <p:cNvPr id="3" name="슬라이드 노트 개체 틀 2"/>
+          <p:cNvSpPr>
+            <a:spLocks noGrp="1"/>
+          </p:cNvSpPr>
+          <p:nvPr>
+            <p:ph type="body" idx="1"/>
+          </p:nvPr>
+        </p:nvSpPr>
+        <p:spPr/>
+        <p:txBody>
+          <a:bodyPr/>
+          <a:lstStyle/>
+          <a:p>
+            <a:endParaRPr lang="ko-KR" altLang="en-US" dirty="0"/>
+          </a:p>
+        </p:txBody>
+      </p:sp>
+      <p:sp>
+        <p:nvSpPr>
+          <p:cNvPr id="4" name="슬라이드 번호 개체 틀 3"/>
+          <p:cNvSpPr>
+            <a:spLocks noGrp="1"/>
+          </p:cNvSpPr>
+          <p:nvPr>
+            <p:ph type="sldNum" sz="quarter" idx="10"/>
+          </p:nvPr>
+        </p:nvSpPr>
+        <p:spPr/>
+        <p:txBody>
+          <a:bodyPr/>
+          <a:lstStyle/>
+          <a:p>
+            <a:pPr>
+              <a:defRPr/>
+            </a:pPr>
+            <a:fld id="{EF25C9CB-473F-4C79-8889-7E058F4F291A}" type="slidenum">
+              <a:rPr lang="en-US" altLang="ko-KR" smtClean="0"/>
+              <a:pPr>
+                <a:defRPr/>
+              </a:pPr>
+              <a:t>20</a:t>
+            </a:fld>
+            <a:endParaRPr lang="en-US" altLang="ko-KR" dirty="0"/>
+          </a:p>
+        </p:txBody>
+      </p:sp>
+    </p:spTree>
+    <p:extLst>
+      <p:ext uri="{BB962C8B-B14F-4D97-AF65-F5344CB8AC3E}">
+        <p14:creationId xmlns:p14="http://schemas.microsoft.com/office/powerpoint/2010/main" val="1445586779"/>
       </p:ext>
     </p:extLst>
   </p:cSld>
@@ -2267,7 +2449,7 @@
           <a:p>
             <a:fld id="{05CE1C86-58EB-41F5-AE4C-2D6DBC13F52E}" type="datetimeFigureOut">
               <a:rPr lang="ko-KR" altLang="en-US" smtClean="0"/>
-              <a:t>2020-06-03</a:t>
+              <a:t>2020-06-02</a:t>
             </a:fld>
             <a:endParaRPr lang="ko-KR" altLang="en-US"/>
           </a:p>
@@ -2465,7 +2647,7 @@
           <a:p>
             <a:fld id="{05CE1C86-58EB-41F5-AE4C-2D6DBC13F52E}" type="datetimeFigureOut">
               <a:rPr lang="ko-KR" altLang="en-US" smtClean="0"/>
-              <a:t>2020-06-03</a:t>
+              <a:t>2020-06-02</a:t>
             </a:fld>
             <a:endParaRPr lang="ko-KR" altLang="en-US"/>
           </a:p>
@@ -2673,7 +2855,7 @@
           <a:p>
             <a:fld id="{05CE1C86-58EB-41F5-AE4C-2D6DBC13F52E}" type="datetimeFigureOut">
               <a:rPr lang="ko-KR" altLang="en-US" smtClean="0"/>
-              <a:t>2020-06-03</a:t>
+              <a:t>2020-06-02</a:t>
             </a:fld>
             <a:endParaRPr lang="ko-KR" altLang="en-US"/>
           </a:p>
@@ -2871,7 +3053,7 @@
           <a:p>
             <a:fld id="{05CE1C86-58EB-41F5-AE4C-2D6DBC13F52E}" type="datetimeFigureOut">
               <a:rPr lang="ko-KR" altLang="en-US" smtClean="0"/>
-              <a:t>2020-06-03</a:t>
+              <a:t>2020-06-02</a:t>
             </a:fld>
             <a:endParaRPr lang="ko-KR" altLang="en-US"/>
           </a:p>
@@ -3146,7 +3328,7 @@
           <a:p>
             <a:fld id="{05CE1C86-58EB-41F5-AE4C-2D6DBC13F52E}" type="datetimeFigureOut">
               <a:rPr lang="ko-KR" altLang="en-US" smtClean="0"/>
-              <a:t>2020-06-03</a:t>
+              <a:t>2020-06-02</a:t>
             </a:fld>
             <a:endParaRPr lang="ko-KR" altLang="en-US"/>
           </a:p>
@@ -3411,7 +3593,7 @@
           <a:p>
             <a:fld id="{05CE1C86-58EB-41F5-AE4C-2D6DBC13F52E}" type="datetimeFigureOut">
               <a:rPr lang="ko-KR" altLang="en-US" smtClean="0"/>
-              <a:t>2020-06-03</a:t>
+              <a:t>2020-06-02</a:t>
             </a:fld>
             <a:endParaRPr lang="ko-KR" altLang="en-US"/>
           </a:p>
@@ -3823,7 +4005,7 @@
           <a:p>
             <a:fld id="{05CE1C86-58EB-41F5-AE4C-2D6DBC13F52E}" type="datetimeFigureOut">
               <a:rPr lang="ko-KR" altLang="en-US" smtClean="0"/>
-              <a:t>2020-06-03</a:t>
+              <a:t>2020-06-02</a:t>
             </a:fld>
             <a:endParaRPr lang="ko-KR" altLang="en-US"/>
           </a:p>
@@ -3964,7 +4146,7 @@
           <a:p>
             <a:fld id="{05CE1C86-58EB-41F5-AE4C-2D6DBC13F52E}" type="datetimeFigureOut">
               <a:rPr lang="ko-KR" altLang="en-US" smtClean="0"/>
-              <a:t>2020-06-03</a:t>
+              <a:t>2020-06-02</a:t>
             </a:fld>
             <a:endParaRPr lang="ko-KR" altLang="en-US"/>
           </a:p>
@@ -4077,7 +4259,7 @@
           <a:p>
             <a:fld id="{05CE1C86-58EB-41F5-AE4C-2D6DBC13F52E}" type="datetimeFigureOut">
               <a:rPr lang="ko-KR" altLang="en-US" smtClean="0"/>
-              <a:t>2020-06-03</a:t>
+              <a:t>2020-06-02</a:t>
             </a:fld>
             <a:endParaRPr lang="ko-KR" altLang="en-US"/>
           </a:p>
@@ -4388,7 +4570,7 @@
           <a:p>
             <a:fld id="{05CE1C86-58EB-41F5-AE4C-2D6DBC13F52E}" type="datetimeFigureOut">
               <a:rPr lang="ko-KR" altLang="en-US" smtClean="0"/>
-              <a:t>2020-06-03</a:t>
+              <a:t>2020-06-02</a:t>
             </a:fld>
             <a:endParaRPr lang="ko-KR" altLang="en-US"/>
           </a:p>
@@ -4676,7 +4858,7 @@
           <a:p>
             <a:fld id="{05CE1C86-58EB-41F5-AE4C-2D6DBC13F52E}" type="datetimeFigureOut">
               <a:rPr lang="ko-KR" altLang="en-US" smtClean="0"/>
-              <a:t>2020-06-03</a:t>
+              <a:t>2020-06-02</a:t>
             </a:fld>
             <a:endParaRPr lang="ko-KR" altLang="en-US"/>
           </a:p>
@@ -4917,7 +5099,7 @@
           <a:p>
             <a:fld id="{05CE1C86-58EB-41F5-AE4C-2D6DBC13F52E}" type="datetimeFigureOut">
               <a:rPr lang="ko-KR" altLang="en-US" smtClean="0"/>
-              <a:t>2020-06-03</a:t>
+              <a:t>2020-06-02</a:t>
             </a:fld>
             <a:endParaRPr lang="ko-KR" altLang="en-US"/>
           </a:p>
@@ -10328,17 +10510,78 @@
                   <a:schemeClr val="bg1"/>
                 </a:solidFill>
               </a:rPr>
-              <a:t>  마무리</a:t>
-            </a:r>
-          </a:p>
-        </p:txBody>
-      </p:sp>
-      <p:sp>
-        <p:nvSpPr>
-          <p:cNvPr id="3" name="직사각형 2">
-            <a:extLst>
-              <a:ext uri="{FF2B5EF4-FFF2-40B4-BE49-F238E27FC236}">
-                <a16:creationId xmlns:a16="http://schemas.microsoft.com/office/drawing/2014/main" id="{C5337EF2-48E7-4E25-A012-7025622749A2}"/>
+              <a:t> 실 습 </a:t>
+            </a:r>
+            <a:r>
+              <a:rPr lang="en-US" altLang="ko-KR" sz="3000" dirty="0">
+                <a:solidFill>
+                  <a:schemeClr val="bg1"/>
+                </a:solidFill>
+              </a:rPr>
+              <a:t>(</a:t>
+            </a:r>
+            <a:r>
+              <a:rPr lang="ko-KR" altLang="en-US" sz="3000" dirty="0">
+                <a:solidFill>
+                  <a:schemeClr val="bg1"/>
+                </a:solidFill>
+              </a:rPr>
+              <a:t>예 제</a:t>
+            </a:r>
+            <a:r>
+              <a:rPr lang="en-US" altLang="ko-KR" sz="3000" dirty="0">
+                <a:solidFill>
+                  <a:schemeClr val="bg1"/>
+                </a:solidFill>
+              </a:rPr>
+              <a:t>)</a:t>
+            </a:r>
+            <a:endParaRPr lang="ko-KR" altLang="en-US" sz="3000" dirty="0">
+              <a:solidFill>
+                <a:schemeClr val="bg1"/>
+              </a:solidFill>
+            </a:endParaRPr>
+          </a:p>
+        </p:txBody>
+      </p:sp>
+      <p:sp>
+        <p:nvSpPr>
+          <p:cNvPr id="2" name="TextBox 1">
+            <a:extLst>
+              <a:ext uri="{FF2B5EF4-FFF2-40B4-BE49-F238E27FC236}">
+                <a16:creationId xmlns:a16="http://schemas.microsoft.com/office/drawing/2014/main" id="{3B02BD13-A28F-40A8-9A6A-75A440D8DEBA}"/>
+              </a:ext>
+            </a:extLst>
+          </p:cNvPr>
+          <p:cNvSpPr txBox="1"/>
+          <p:nvPr/>
+        </p:nvSpPr>
+        <p:spPr>
+          <a:xfrm>
+            <a:off x="2785730" y="2647507"/>
+            <a:ext cx="184731" cy="369332"/>
+          </a:xfrm>
+          <a:prstGeom prst="rect">
+            <a:avLst/>
+          </a:prstGeom>
+          <a:noFill/>
+        </p:spPr>
+        <p:txBody>
+          <a:bodyPr wrap="none" rtlCol="0">
+            <a:spAutoFit/>
+          </a:bodyPr>
+          <a:lstStyle/>
+          <a:p>
+            <a:endParaRPr lang="ko-KR" altLang="en-US" dirty="0"/>
+          </a:p>
+        </p:txBody>
+      </p:sp>
+      <p:sp>
+        <p:nvSpPr>
+          <p:cNvPr id="15" name="직사각형 14">
+            <a:extLst>
+              <a:ext uri="{FF2B5EF4-FFF2-40B4-BE49-F238E27FC236}">
+                <a16:creationId xmlns:a16="http://schemas.microsoft.com/office/drawing/2014/main" id="{BF2688D7-C9CC-4163-AC0D-AD5E36C700EF}"/>
               </a:ext>
             </a:extLst>
           </p:cNvPr>
@@ -10347,8 +10590,8 @@
         </p:nvSpPr>
         <p:spPr>
           <a:xfrm>
-            <a:off x="862011" y="2258849"/>
-            <a:ext cx="10467975" cy="3108543"/>
+            <a:off x="5926263" y="1431789"/>
+            <a:ext cx="6016039" cy="3477875"/>
           </a:xfrm>
           <a:prstGeom prst="rect">
             <a:avLst/>
@@ -10360,163 +10603,718 @@
           </a:bodyPr>
           <a:lstStyle/>
           <a:p>
-            <a:pPr indent="-562722" algn="l" fontAlgn="auto">
+            <a:pPr algn="l" fontAlgn="auto">
               <a:spcAft>
                 <a:spcPts val="0"/>
               </a:spcAft>
-              <a:buFont typeface="Arial" panose="020B0604020202020204" pitchFamily="34" charset="0"/>
-              <a:buChar char="•"/>
             </a:pPr>
             <a:r>
-              <a:rPr lang="ko-KR" altLang="en-US" sz="2800" b="1" dirty="0">
-                <a:latin typeface="+mn-ea"/>
-              </a:rPr>
-              <a:t>푸시 버튼</a:t>
-            </a:r>
-            <a:endParaRPr lang="en-US" altLang="ko-KR" sz="2800" b="1" dirty="0">
-              <a:latin typeface="+mn-ea"/>
-            </a:endParaRPr>
-          </a:p>
-          <a:p>
-            <a:pPr indent="-562722" algn="l" fontAlgn="auto">
+              <a:rPr lang="ko-KR" altLang="en-US" sz="2000" b="1" dirty="0">
+                <a:latin typeface="+mn-ea"/>
+              </a:rPr>
+              <a:t>실습 목표 </a:t>
+            </a:r>
+            <a:r>
+              <a:rPr lang="en-US" altLang="ko-KR" sz="2000" b="1" dirty="0">
+                <a:latin typeface="+mn-ea"/>
+              </a:rPr>
+              <a:t>: </a:t>
+            </a:r>
+            <a:r>
+              <a:rPr lang="ko-KR" altLang="en-US" sz="2000" b="1" dirty="0">
+                <a:latin typeface="+mn-ea"/>
+              </a:rPr>
+              <a:t>푸시 버튼을 이용해 </a:t>
+            </a:r>
+            <a:r>
+              <a:rPr lang="en-US" altLang="ko-KR" sz="2000" b="1" dirty="0">
+                <a:latin typeface="+mn-ea"/>
+              </a:rPr>
+              <a:t>LED</a:t>
+            </a:r>
+            <a:r>
+              <a:rPr lang="ko-KR" altLang="en-US" sz="2000" b="1" dirty="0">
+                <a:latin typeface="+mn-ea"/>
+              </a:rPr>
+              <a:t>를 제어해본다</a:t>
+            </a:r>
+            <a:r>
+              <a:rPr lang="en-US" altLang="ko-KR" sz="2000" b="1" dirty="0">
+                <a:latin typeface="+mn-ea"/>
+              </a:rPr>
+              <a:t>.</a:t>
+            </a:r>
+          </a:p>
+          <a:p>
+            <a:pPr algn="l" fontAlgn="auto">
               <a:spcAft>
                 <a:spcPts val="0"/>
               </a:spcAft>
-              <a:buFont typeface="Arial" panose="020B0604020202020204" pitchFamily="34" charset="0"/>
-              <a:buChar char="•"/>
             </a:pPr>
-            <a:endParaRPr lang="en-US" altLang="ko-KR" sz="2800" b="1" dirty="0">
-              <a:latin typeface="+mn-ea"/>
-            </a:endParaRPr>
-          </a:p>
-          <a:p>
-            <a:pPr indent="-562722" algn="l" fontAlgn="auto">
+            <a:r>
+              <a:rPr lang="en-US" altLang="ko-KR" sz="2000" b="1" dirty="0">
+                <a:latin typeface="+mn-ea"/>
+              </a:rPr>
+              <a:t>(</a:t>
+            </a:r>
+            <a:r>
+              <a:rPr lang="ko-KR" altLang="en-US" sz="2000" b="1" dirty="0">
+                <a:latin typeface="+mn-ea"/>
+              </a:rPr>
+              <a:t>평가 항목이므로 다른 사람에게 알려주지 않는다</a:t>
+            </a:r>
+            <a:r>
+              <a:rPr lang="en-US" altLang="ko-KR" sz="2000" b="1" dirty="0">
+                <a:latin typeface="+mn-ea"/>
+              </a:rPr>
+              <a:t>.)</a:t>
+            </a:r>
+          </a:p>
+          <a:p>
+            <a:pPr algn="l" fontAlgn="auto">
               <a:spcAft>
                 <a:spcPts val="0"/>
               </a:spcAft>
-              <a:buFont typeface="Arial" panose="020B0604020202020204" pitchFamily="34" charset="0"/>
-              <a:buChar char="•"/>
             </a:pPr>
-            <a:endParaRPr lang="en-US" altLang="ko-KR" sz="2800" b="1" dirty="0">
+            <a:endParaRPr lang="en-US" altLang="ko-KR" sz="2000" b="1" dirty="0">
               <a:latin typeface="+mn-ea"/>
+              <a:ea typeface="+mn-ea"/>
             </a:endParaRPr>
           </a:p>
           <a:p>
-            <a:pPr indent="-562722" algn="l" fontAlgn="auto">
+            <a:pPr algn="l" fontAlgn="auto">
               <a:spcAft>
                 <a:spcPts val="0"/>
               </a:spcAft>
-              <a:buFont typeface="Arial" panose="020B0604020202020204" pitchFamily="34" charset="0"/>
-              <a:buChar char="•"/>
             </a:pPr>
-            <a:endParaRPr lang="en-US" altLang="ko-KR" sz="2800" b="1" dirty="0">
+            <a:endParaRPr lang="en-US" altLang="ko-KR" sz="2000" b="1" dirty="0">
               <a:latin typeface="+mn-ea"/>
               <a:ea typeface="+mn-ea"/>
             </a:endParaRPr>
           </a:p>
           <a:p>
-            <a:pPr indent="-562722" algn="l" fontAlgn="auto">
+            <a:pPr algn="l" fontAlgn="auto">
               <a:spcAft>
                 <a:spcPts val="0"/>
               </a:spcAft>
-              <a:buFont typeface="Arial" panose="020B0604020202020204" pitchFamily="34" charset="0"/>
-              <a:buChar char="•"/>
             </a:pPr>
-            <a:r>
-              <a:rPr lang="ko-KR" altLang="en-US" sz="2800" b="1" dirty="0">
-                <a:latin typeface="+mn-ea"/>
-              </a:rPr>
-              <a:t>푸시 버튼을 이용한 회로 구성 방법</a:t>
-            </a:r>
-            <a:endParaRPr lang="en-US" altLang="ko-KR" sz="2800" b="1" dirty="0">
+            <a:endParaRPr lang="en-US" altLang="ko-KR" sz="2000" b="1" dirty="0">
               <a:latin typeface="+mn-ea"/>
+              <a:ea typeface="+mn-ea"/>
             </a:endParaRPr>
           </a:p>
           <a:p>
-            <a:pPr indent="-562722" algn="l" fontAlgn="auto">
+            <a:pPr algn="l" fontAlgn="auto">
               <a:spcAft>
                 <a:spcPts val="0"/>
               </a:spcAft>
-              <a:buFont typeface="Arial" panose="020B0604020202020204" pitchFamily="34" charset="0"/>
-              <a:buChar char="•"/>
             </a:pPr>
-            <a:endParaRPr lang="en-US" altLang="ko-KR" sz="2800" b="1" dirty="0">
-              <a:latin typeface="+mn-ea"/>
-            </a:endParaRPr>
-          </a:p>
-          <a:p>
-            <a:pPr indent="-562722" algn="l" fontAlgn="auto">
+            <a:r>
+              <a:rPr lang="en-US" altLang="ko-KR" sz="2000" b="1" dirty="0">
+                <a:latin typeface="+mn-ea"/>
+                <a:ea typeface="+mn-ea"/>
+              </a:rPr>
+              <a:t>1. </a:t>
+            </a:r>
+            <a:r>
+              <a:rPr lang="ko-KR" altLang="en-US" sz="2000" b="1" dirty="0">
+                <a:latin typeface="+mn-ea"/>
+                <a:ea typeface="+mn-ea"/>
+              </a:rPr>
+              <a:t>왼쪽의 회로를 보고 버튼을 눌렀을 </a:t>
+            </a:r>
+            <a:r>
+              <a:rPr lang="ko-KR" altLang="en-US" sz="2000" b="1" dirty="0">
+                <a:latin typeface="+mn-ea"/>
+              </a:rPr>
+              <a:t>때</a:t>
+            </a:r>
+            <a:r>
+              <a:rPr lang="en-US" altLang="ko-KR" sz="2000" b="1" dirty="0">
+                <a:latin typeface="+mn-ea"/>
+              </a:rPr>
+              <a:t>,</a:t>
+            </a:r>
+          </a:p>
+          <a:p>
+            <a:pPr algn="l" fontAlgn="auto">
               <a:spcAft>
                 <a:spcPts val="0"/>
               </a:spcAft>
-              <a:buFont typeface="Arial" panose="020B0604020202020204" pitchFamily="34" charset="0"/>
-              <a:buChar char="•"/>
             </a:pPr>
-            <a:endParaRPr lang="en-US" altLang="ko-KR" sz="2800" b="1" dirty="0">
+            <a:r>
+              <a:rPr lang="en-US" altLang="ko-KR" sz="2000" b="1" dirty="0">
+                <a:latin typeface="+mn-ea"/>
+              </a:rPr>
+              <a:t> </a:t>
+            </a:r>
+            <a:r>
+              <a:rPr lang="ko-KR" altLang="en-US" sz="2000" b="1" dirty="0">
+                <a:latin typeface="+mn-ea"/>
+              </a:rPr>
+              <a:t>불이 켜지고</a:t>
+            </a:r>
+            <a:r>
+              <a:rPr lang="en-US" altLang="ko-KR" sz="2000" b="1" dirty="0">
+                <a:latin typeface="+mn-ea"/>
+              </a:rPr>
+              <a:t>, </a:t>
+            </a:r>
+            <a:r>
+              <a:rPr lang="ko-KR" altLang="en-US" sz="2000" b="1" dirty="0">
+                <a:latin typeface="+mn-ea"/>
+              </a:rPr>
+              <a:t>땠을 때는 불이 꺼지는 프로그램을</a:t>
+            </a:r>
+            <a:endParaRPr lang="en-US" altLang="ko-KR" sz="2000" b="1" dirty="0">
               <a:latin typeface="+mn-ea"/>
             </a:endParaRPr>
           </a:p>
-        </p:txBody>
-      </p:sp>
-      <p:sp>
-        <p:nvSpPr>
-          <p:cNvPr id="5" name="직사각형 4">
-            <a:extLst>
-              <a:ext uri="{FF2B5EF4-FFF2-40B4-BE49-F238E27FC236}">
-                <a16:creationId xmlns:a16="http://schemas.microsoft.com/office/drawing/2014/main" id="{885440D1-D16C-4681-8BB2-4044800D28E5}"/>
-              </a:ext>
-            </a:extLst>
-          </p:cNvPr>
-          <p:cNvSpPr/>
+          <a:p>
+            <a:pPr algn="l" fontAlgn="auto">
+              <a:spcAft>
+                <a:spcPts val="0"/>
+              </a:spcAft>
+            </a:pPr>
+            <a:r>
+              <a:rPr lang="en-US" altLang="ko-KR" sz="2000" b="1" dirty="0">
+                <a:latin typeface="+mn-ea"/>
+              </a:rPr>
+              <a:t> </a:t>
+            </a:r>
+            <a:r>
+              <a:rPr lang="ko-KR" altLang="en-US" sz="2000" b="1" dirty="0" err="1">
+                <a:latin typeface="+mn-ea"/>
+              </a:rPr>
+              <a:t>작성하시오</a:t>
+            </a:r>
+            <a:r>
+              <a:rPr lang="en-US" altLang="ko-KR" sz="2000" b="1" dirty="0">
+                <a:latin typeface="+mn-ea"/>
+              </a:rPr>
+              <a:t>. (</a:t>
+            </a:r>
+            <a:r>
+              <a:rPr lang="ko-KR" altLang="en-US" sz="2000" b="1" dirty="0">
+                <a:latin typeface="+mn-ea"/>
+              </a:rPr>
+              <a:t>업로드까지 완료할 것</a:t>
+            </a:r>
+            <a:r>
+              <a:rPr lang="en-US" altLang="ko-KR" sz="2000" b="1" dirty="0">
+                <a:latin typeface="+mn-ea"/>
+              </a:rPr>
+              <a:t>)</a:t>
+            </a:r>
+          </a:p>
+          <a:p>
+            <a:pPr algn="l" fontAlgn="auto">
+              <a:spcAft>
+                <a:spcPts val="0"/>
+              </a:spcAft>
+            </a:pPr>
+            <a:endParaRPr lang="en-US" altLang="ko-KR" sz="2000" b="1" dirty="0">
+              <a:latin typeface="+mn-ea"/>
+            </a:endParaRPr>
+          </a:p>
+          <a:p>
+            <a:pPr algn="l" fontAlgn="auto">
+              <a:spcAft>
+                <a:spcPts val="0"/>
+              </a:spcAft>
+            </a:pPr>
+            <a:endParaRPr lang="en-US" altLang="ko-KR" sz="2000" b="1" dirty="0">
+              <a:latin typeface="+mn-ea"/>
+            </a:endParaRPr>
+          </a:p>
+          <a:p>
+            <a:pPr algn="l" fontAlgn="auto">
+              <a:spcAft>
+                <a:spcPts val="0"/>
+              </a:spcAft>
+            </a:pPr>
+            <a:r>
+              <a:rPr lang="en-US" altLang="ko-KR" sz="2000" b="1" dirty="0">
+                <a:latin typeface="+mn-ea"/>
+              </a:rPr>
+              <a:t>2. </a:t>
+            </a:r>
+            <a:r>
+              <a:rPr lang="ko-KR" altLang="en-US" sz="2000" b="1" dirty="0">
+                <a:latin typeface="+mn-ea"/>
+              </a:rPr>
+              <a:t>다 한 사람은 손 들어주세요</a:t>
+            </a:r>
+            <a:r>
+              <a:rPr lang="en-US" altLang="ko-KR" sz="2000" b="1" dirty="0">
+                <a:latin typeface="+mn-ea"/>
+              </a:rPr>
+              <a:t>.</a:t>
+            </a:r>
+          </a:p>
+        </p:txBody>
+      </p:sp>
+      <p:pic>
+        <p:nvPicPr>
+          <p:cNvPr id="5" name="그림 4">
+            <a:extLst>
+              <a:ext uri="{FF2B5EF4-FFF2-40B4-BE49-F238E27FC236}">
+                <a16:creationId xmlns:a16="http://schemas.microsoft.com/office/drawing/2014/main" id="{5D34D426-875D-4493-A220-2635780CB57B}"/>
+              </a:ext>
+            </a:extLst>
+          </p:cNvPr>
+          <p:cNvPicPr>
+            <a:picLocks noChangeAspect="1"/>
+          </p:cNvPicPr>
           <p:nvPr/>
-        </p:nvSpPr>
+        </p:nvPicPr>
+        <p:blipFill>
+          <a:blip r:embed="rId3"/>
+          <a:stretch>
+            <a:fillRect/>
+          </a:stretch>
+        </p:blipFill>
         <p:spPr>
           <a:xfrm>
-            <a:off x="862012" y="6062844"/>
-            <a:ext cx="10467975" cy="523220"/>
+            <a:off x="72115" y="1650450"/>
+            <a:ext cx="5854148" cy="4081689"/>
           </a:xfrm>
           <a:prstGeom prst="rect">
             <a:avLst/>
           </a:prstGeom>
         </p:spPr>
+      </p:pic>
+    </p:spTree>
+    <p:extLst>
+      <p:ext uri="{BB962C8B-B14F-4D97-AF65-F5344CB8AC3E}">
+        <p14:creationId xmlns:p14="http://schemas.microsoft.com/office/powerpoint/2010/main" val="3768778891"/>
+      </p:ext>
+    </p:extLst>
+  </p:cSld>
+  <p:clrMapOvr>
+    <a:masterClrMapping/>
+  </p:clrMapOvr>
+</p:sld>
+</file>
+
+<file path=ppt/slides/slide19.xml><?xml version="1.0" encoding="utf-8"?>
+<p:sld xmlns:a="http://schemas.openxmlformats.org/drawingml/2006/main" xmlns:r="http://schemas.openxmlformats.org/officeDocument/2006/relationships" xmlns:p="http://schemas.openxmlformats.org/presentationml/2006/main">
+  <p:cSld>
+    <p:spTree>
+      <p:nvGrpSpPr>
+        <p:cNvPr id="1" name=""/>
+        <p:cNvGrpSpPr/>
+        <p:nvPr/>
+      </p:nvGrpSpPr>
+      <p:grpSpPr>
+        <a:xfrm>
+          <a:off x="0" y="0"/>
+          <a:ext cx="0" cy="0"/>
+          <a:chOff x="0" y="0"/>
+          <a:chExt cx="0" cy="0"/>
+        </a:xfrm>
+      </p:grpSpPr>
+      <p:sp>
+        <p:nvSpPr>
+          <p:cNvPr id="4" name="직사각형 3">
+            <a:extLst>
+              <a:ext uri="{FF2B5EF4-FFF2-40B4-BE49-F238E27FC236}">
+                <a16:creationId xmlns:a16="http://schemas.microsoft.com/office/drawing/2014/main" id="{8CE2AD40-F434-4036-9D04-C476FB1FB8B7}"/>
+              </a:ext>
+            </a:extLst>
+          </p:cNvPr>
+          <p:cNvSpPr/>
+          <p:nvPr/>
+        </p:nvSpPr>
+        <p:spPr>
+          <a:xfrm>
+            <a:off x="0" y="0"/>
+            <a:ext cx="12192000" cy="721551"/>
+          </a:xfrm>
+          <a:prstGeom prst="rect">
+            <a:avLst/>
+          </a:prstGeom>
+          <a:solidFill>
+            <a:schemeClr val="accent1">
+              <a:lumMod val="75000"/>
+            </a:schemeClr>
+          </a:solidFill>
+        </p:spPr>
+        <p:style>
+          <a:lnRef idx="2">
+            <a:schemeClr val="accent1">
+              <a:shade val="50000"/>
+            </a:schemeClr>
+          </a:lnRef>
+          <a:fillRef idx="1">
+            <a:schemeClr val="accent1"/>
+          </a:fillRef>
+          <a:effectRef idx="0">
+            <a:schemeClr val="accent1"/>
+          </a:effectRef>
+          <a:fontRef idx="minor">
+            <a:schemeClr val="lt1"/>
+          </a:fontRef>
+        </p:style>
+        <p:txBody>
+          <a:bodyPr rtlCol="0" anchor="ctr"/>
+          <a:lstStyle/>
+          <a:p>
+            <a:r>
+              <a:rPr lang="ko-KR" altLang="en-US" sz="3000" dirty="0">
+                <a:solidFill>
+                  <a:schemeClr val="bg1"/>
+                </a:solidFill>
+              </a:rPr>
+              <a:t> 실 습 </a:t>
+            </a:r>
+            <a:r>
+              <a:rPr lang="en-US" altLang="ko-KR" sz="3000" dirty="0">
+                <a:solidFill>
+                  <a:schemeClr val="bg1"/>
+                </a:solidFill>
+              </a:rPr>
+              <a:t>(</a:t>
+            </a:r>
+            <a:r>
+              <a:rPr lang="ko-KR" altLang="en-US" sz="3000" dirty="0">
+                <a:solidFill>
+                  <a:schemeClr val="bg1"/>
+                </a:solidFill>
+              </a:rPr>
+              <a:t>심화 예제</a:t>
+            </a:r>
+            <a:r>
+              <a:rPr lang="en-US" altLang="ko-KR" sz="3000" dirty="0">
+                <a:solidFill>
+                  <a:schemeClr val="bg1"/>
+                </a:solidFill>
+              </a:rPr>
+              <a:t>)</a:t>
+            </a:r>
+            <a:endParaRPr lang="ko-KR" altLang="en-US" sz="3000" dirty="0">
+              <a:solidFill>
+                <a:schemeClr val="bg1"/>
+              </a:solidFill>
+            </a:endParaRPr>
+          </a:p>
+        </p:txBody>
+      </p:sp>
+      <p:sp>
+        <p:nvSpPr>
+          <p:cNvPr id="2" name="TextBox 1">
+            <a:extLst>
+              <a:ext uri="{FF2B5EF4-FFF2-40B4-BE49-F238E27FC236}">
+                <a16:creationId xmlns:a16="http://schemas.microsoft.com/office/drawing/2014/main" id="{3B02BD13-A28F-40A8-9A6A-75A440D8DEBA}"/>
+              </a:ext>
+            </a:extLst>
+          </p:cNvPr>
+          <p:cNvSpPr txBox="1"/>
+          <p:nvPr/>
+        </p:nvSpPr>
+        <p:spPr>
+          <a:xfrm>
+            <a:off x="2785730" y="2647507"/>
+            <a:ext cx="184731" cy="369332"/>
+          </a:xfrm>
+          <a:prstGeom prst="rect">
+            <a:avLst/>
+          </a:prstGeom>
+          <a:noFill/>
+        </p:spPr>
+        <p:txBody>
+          <a:bodyPr wrap="none" rtlCol="0">
+            <a:spAutoFit/>
+          </a:bodyPr>
+          <a:lstStyle/>
+          <a:p>
+            <a:endParaRPr lang="ko-KR" altLang="en-US" dirty="0"/>
+          </a:p>
+        </p:txBody>
+      </p:sp>
+      <p:sp>
+        <p:nvSpPr>
+          <p:cNvPr id="15" name="직사각형 14">
+            <a:extLst>
+              <a:ext uri="{FF2B5EF4-FFF2-40B4-BE49-F238E27FC236}">
+                <a16:creationId xmlns:a16="http://schemas.microsoft.com/office/drawing/2014/main" id="{BF2688D7-C9CC-4163-AC0D-AD5E36C700EF}"/>
+              </a:ext>
+            </a:extLst>
+          </p:cNvPr>
+          <p:cNvSpPr/>
+          <p:nvPr/>
+        </p:nvSpPr>
+        <p:spPr>
+          <a:xfrm>
+            <a:off x="5926263" y="1431789"/>
+            <a:ext cx="6016039" cy="3785652"/>
+          </a:xfrm>
+          <a:prstGeom prst="rect">
+            <a:avLst/>
+          </a:prstGeom>
+        </p:spPr>
         <p:txBody>
           <a:bodyPr wrap="square">
             <a:spAutoFit/>
           </a:bodyPr>
           <a:lstStyle/>
           <a:p>
-            <a:pPr algn="ctr"/>
-            <a:r>
-              <a:rPr lang="ko-KR" altLang="en-US" sz="2800" b="1" dirty="0">
-                <a:latin typeface="+mn-ea"/>
-                <a:ea typeface="+mn-ea"/>
-              </a:rPr>
-              <a:t>자료 출처 </a:t>
-            </a:r>
-            <a:r>
-              <a:rPr lang="en-US" altLang="ko-KR" sz="2800" b="1" dirty="0">
-                <a:latin typeface="+mn-ea"/>
-                <a:ea typeface="+mn-ea"/>
+            <a:pPr algn="l" fontAlgn="auto">
+              <a:spcAft>
+                <a:spcPts val="0"/>
+              </a:spcAft>
+            </a:pPr>
+            <a:r>
+              <a:rPr lang="ko-KR" altLang="en-US" sz="2000" b="1" dirty="0">
+                <a:latin typeface="+mn-ea"/>
+              </a:rPr>
+              <a:t>실습 목표 </a:t>
+            </a:r>
+            <a:r>
+              <a:rPr lang="en-US" altLang="ko-KR" sz="2000" b="1" dirty="0">
+                <a:latin typeface="+mn-ea"/>
               </a:rPr>
               <a:t>: </a:t>
             </a:r>
             <a:r>
-              <a:rPr lang="en-US" altLang="ko-KR" sz="2800" dirty="0">
-                <a:hlinkClick r:id="rId3"/>
-              </a:rPr>
-              <a:t>https://kocoafab.cc/tutorial/view/526</a:t>
-            </a:r>
-            <a:endParaRPr lang="en-US" altLang="ko-KR" sz="2800" b="1" dirty="0">
+              <a:rPr lang="ko-KR" altLang="en-US" sz="2000" b="1" dirty="0">
+                <a:latin typeface="+mn-ea"/>
+              </a:rPr>
+              <a:t>푸시 버튼을 이용해 </a:t>
+            </a:r>
+            <a:r>
+              <a:rPr lang="en-US" altLang="ko-KR" sz="2000" b="1" dirty="0">
+                <a:latin typeface="+mn-ea"/>
+              </a:rPr>
+              <a:t>LED</a:t>
+            </a:r>
+            <a:r>
+              <a:rPr lang="ko-KR" altLang="en-US" sz="2000" b="1" dirty="0">
+                <a:latin typeface="+mn-ea"/>
+              </a:rPr>
+              <a:t>를 제어해본다</a:t>
+            </a:r>
+            <a:r>
+              <a:rPr lang="en-US" altLang="ko-KR" sz="2000" b="1" dirty="0">
+                <a:latin typeface="+mn-ea"/>
+              </a:rPr>
+              <a:t>.</a:t>
+            </a:r>
+          </a:p>
+          <a:p>
+            <a:pPr algn="l" fontAlgn="auto">
+              <a:spcAft>
+                <a:spcPts val="0"/>
+              </a:spcAft>
+            </a:pPr>
+            <a:r>
+              <a:rPr lang="en-US" altLang="ko-KR" sz="2000" b="1" dirty="0">
+                <a:latin typeface="+mn-ea"/>
+              </a:rPr>
+              <a:t>(</a:t>
+            </a:r>
+            <a:r>
+              <a:rPr lang="ko-KR" altLang="en-US" sz="2000" b="1" dirty="0">
+                <a:latin typeface="+mn-ea"/>
+              </a:rPr>
+              <a:t>평가 항목이므로 다른 사람에게 알려주지 않는다</a:t>
+            </a:r>
+            <a:r>
+              <a:rPr lang="en-US" altLang="ko-KR" sz="2000" b="1" dirty="0">
+                <a:latin typeface="+mn-ea"/>
+              </a:rPr>
+              <a:t>.)</a:t>
+            </a:r>
+          </a:p>
+          <a:p>
+            <a:pPr algn="l" fontAlgn="auto">
+              <a:spcAft>
+                <a:spcPts val="0"/>
+              </a:spcAft>
+            </a:pPr>
+            <a:endParaRPr lang="en-US" altLang="ko-KR" sz="2000" b="1" dirty="0">
               <a:latin typeface="+mn-ea"/>
               <a:ea typeface="+mn-ea"/>
             </a:endParaRPr>
           </a:p>
-        </p:txBody>
-      </p:sp>
+          <a:p>
+            <a:pPr algn="l" fontAlgn="auto">
+              <a:spcAft>
+                <a:spcPts val="0"/>
+              </a:spcAft>
+            </a:pPr>
+            <a:endParaRPr lang="en-US" altLang="ko-KR" sz="2000" b="1" dirty="0">
+              <a:latin typeface="+mn-ea"/>
+              <a:ea typeface="+mn-ea"/>
+            </a:endParaRPr>
+          </a:p>
+          <a:p>
+            <a:pPr algn="l" fontAlgn="auto">
+              <a:spcAft>
+                <a:spcPts val="0"/>
+              </a:spcAft>
+            </a:pPr>
+            <a:endParaRPr lang="en-US" altLang="ko-KR" sz="2000" b="1" dirty="0">
+              <a:latin typeface="+mn-ea"/>
+              <a:ea typeface="+mn-ea"/>
+            </a:endParaRPr>
+          </a:p>
+          <a:p>
+            <a:pPr marL="457200" indent="-457200" algn="l" fontAlgn="auto">
+              <a:spcAft>
+                <a:spcPts val="0"/>
+              </a:spcAft>
+              <a:buAutoNum type="arabicPeriod"/>
+            </a:pPr>
+            <a:r>
+              <a:rPr lang="ko-KR" altLang="en-US" sz="2000" b="1" dirty="0">
+                <a:latin typeface="+mn-ea"/>
+                <a:ea typeface="+mn-ea"/>
+              </a:rPr>
+              <a:t>위쪽 버튼을 누르면 빨간 </a:t>
+            </a:r>
+            <a:r>
+              <a:rPr lang="en-US" altLang="ko-KR" sz="2000" b="1" dirty="0">
+                <a:latin typeface="+mn-ea"/>
+                <a:ea typeface="+mn-ea"/>
+              </a:rPr>
+              <a:t>LED</a:t>
+            </a:r>
+            <a:r>
+              <a:rPr lang="ko-KR" altLang="en-US" sz="2000" b="1" dirty="0">
+                <a:latin typeface="+mn-ea"/>
+                <a:ea typeface="+mn-ea"/>
+              </a:rPr>
+              <a:t>가 켜지고 때면 다시 꺼지도록 한다</a:t>
+            </a:r>
+            <a:r>
+              <a:rPr lang="en-US" altLang="ko-KR" sz="2000" b="1" dirty="0">
+                <a:latin typeface="+mn-ea"/>
+                <a:ea typeface="+mn-ea"/>
+              </a:rPr>
+              <a:t>.</a:t>
+            </a:r>
+          </a:p>
+          <a:p>
+            <a:pPr marL="457200" indent="-457200" algn="l" fontAlgn="auto">
+              <a:spcAft>
+                <a:spcPts val="0"/>
+              </a:spcAft>
+              <a:buAutoNum type="arabicPeriod"/>
+            </a:pPr>
+            <a:endParaRPr lang="en-US" altLang="ko-KR" sz="2000" b="1" dirty="0">
+              <a:latin typeface="+mn-ea"/>
+              <a:ea typeface="+mn-ea"/>
+            </a:endParaRPr>
+          </a:p>
+          <a:p>
+            <a:pPr marL="457200" indent="-457200" algn="l" fontAlgn="auto">
+              <a:spcAft>
+                <a:spcPts val="0"/>
+              </a:spcAft>
+              <a:buAutoNum type="arabicPeriod"/>
+            </a:pPr>
+            <a:r>
+              <a:rPr lang="ko-KR" altLang="en-US" sz="2000" b="1" dirty="0">
+                <a:latin typeface="+mn-ea"/>
+              </a:rPr>
+              <a:t>아래쪽 버튼을 누르면 초록 </a:t>
+            </a:r>
+            <a:r>
+              <a:rPr lang="en-US" altLang="ko-KR" sz="2000" b="1" dirty="0">
+                <a:latin typeface="+mn-ea"/>
+              </a:rPr>
+              <a:t>LED</a:t>
+            </a:r>
+            <a:r>
+              <a:rPr lang="ko-KR" altLang="en-US" sz="2000" b="1" dirty="0">
+                <a:latin typeface="+mn-ea"/>
+              </a:rPr>
+              <a:t>가 켜지고 때면 다시 꺼지도록 한다</a:t>
+            </a:r>
+            <a:r>
+              <a:rPr lang="en-US" altLang="ko-KR" sz="2000" b="1" dirty="0">
+                <a:latin typeface="+mn-ea"/>
+              </a:rPr>
+              <a:t>.</a:t>
+            </a:r>
+            <a:endParaRPr lang="en-US" altLang="ko-KR" sz="2000" b="1" dirty="0">
+              <a:latin typeface="+mn-ea"/>
+              <a:ea typeface="+mn-ea"/>
+            </a:endParaRPr>
+          </a:p>
+          <a:p>
+            <a:pPr marL="457200" indent="-457200" algn="l" fontAlgn="auto">
+              <a:spcAft>
+                <a:spcPts val="0"/>
+              </a:spcAft>
+              <a:buAutoNum type="arabicPeriod"/>
+            </a:pPr>
+            <a:endParaRPr lang="en-US" altLang="ko-KR" sz="2000" b="1" dirty="0">
+              <a:latin typeface="+mn-ea"/>
+            </a:endParaRPr>
+          </a:p>
+          <a:p>
+            <a:pPr algn="l" fontAlgn="auto">
+              <a:spcAft>
+                <a:spcPts val="0"/>
+              </a:spcAft>
+            </a:pPr>
+            <a:r>
+              <a:rPr lang="en-US" altLang="ko-KR" sz="2000" b="1" dirty="0">
+                <a:latin typeface="+mn-ea"/>
+              </a:rPr>
+              <a:t>3.  </a:t>
+            </a:r>
+            <a:r>
+              <a:rPr lang="ko-KR" altLang="en-US" sz="2000" b="1" dirty="0">
+                <a:latin typeface="+mn-ea"/>
+              </a:rPr>
+              <a:t>다 한 사람은 손 들어주세요</a:t>
+            </a:r>
+            <a:r>
+              <a:rPr lang="en-US" altLang="ko-KR" sz="2000" b="1" dirty="0">
+                <a:latin typeface="+mn-ea"/>
+              </a:rPr>
+              <a:t>.</a:t>
+            </a:r>
+          </a:p>
+        </p:txBody>
+      </p:sp>
+      <p:pic>
+        <p:nvPicPr>
+          <p:cNvPr id="5" name="그림 4">
+            <a:extLst>
+              <a:ext uri="{FF2B5EF4-FFF2-40B4-BE49-F238E27FC236}">
+                <a16:creationId xmlns:a16="http://schemas.microsoft.com/office/drawing/2014/main" id="{00DB4A2F-A1A1-4271-B6F4-5DB196B826A9}"/>
+              </a:ext>
+            </a:extLst>
+          </p:cNvPr>
+          <p:cNvPicPr>
+            <a:picLocks noChangeAspect="1"/>
+          </p:cNvPicPr>
+          <p:nvPr/>
+        </p:nvPicPr>
+        <p:blipFill>
+          <a:blip r:embed="rId3"/>
+          <a:stretch>
+            <a:fillRect/>
+          </a:stretch>
+        </p:blipFill>
+        <p:spPr>
+          <a:xfrm>
+            <a:off x="83086" y="1431789"/>
+            <a:ext cx="5774749" cy="4054611"/>
+          </a:xfrm>
+          <a:prstGeom prst="rect">
+            <a:avLst/>
+          </a:prstGeom>
+        </p:spPr>
+      </p:pic>
     </p:spTree>
     <p:extLst>
       <p:ext uri="{BB962C8B-B14F-4D97-AF65-F5344CB8AC3E}">
-        <p14:creationId xmlns:p14="http://schemas.microsoft.com/office/powerpoint/2010/main" val="953432653"/>
+        <p14:creationId xmlns:p14="http://schemas.microsoft.com/office/powerpoint/2010/main" val="3903606405"/>
       </p:ext>
     </p:extLst>
   </p:cSld>
@@ -11123,6 +11921,273 @@
       <p:bldP spid="16" grpId="0"/>
     </p:bldLst>
   </p:timing>
+</p:sld>
+</file>
+
+<file path=ppt/slides/slide20.xml><?xml version="1.0" encoding="utf-8"?>
+<p:sld xmlns:a="http://schemas.openxmlformats.org/drawingml/2006/main" xmlns:r="http://schemas.openxmlformats.org/officeDocument/2006/relationships" xmlns:p="http://schemas.openxmlformats.org/presentationml/2006/main">
+  <p:cSld>
+    <p:spTree>
+      <p:nvGrpSpPr>
+        <p:cNvPr id="1" name=""/>
+        <p:cNvGrpSpPr/>
+        <p:nvPr/>
+      </p:nvGrpSpPr>
+      <p:grpSpPr>
+        <a:xfrm>
+          <a:off x="0" y="0"/>
+          <a:ext cx="0" cy="0"/>
+          <a:chOff x="0" y="0"/>
+          <a:chExt cx="0" cy="0"/>
+        </a:xfrm>
+      </p:grpSpPr>
+      <p:sp>
+        <p:nvSpPr>
+          <p:cNvPr id="4" name="직사각형 3">
+            <a:extLst>
+              <a:ext uri="{FF2B5EF4-FFF2-40B4-BE49-F238E27FC236}">
+                <a16:creationId xmlns:a16="http://schemas.microsoft.com/office/drawing/2014/main" id="{8CE2AD40-F434-4036-9D04-C476FB1FB8B7}"/>
+              </a:ext>
+            </a:extLst>
+          </p:cNvPr>
+          <p:cNvSpPr/>
+          <p:nvPr/>
+        </p:nvSpPr>
+        <p:spPr>
+          <a:xfrm>
+            <a:off x="0" y="0"/>
+            <a:ext cx="12192000" cy="721551"/>
+          </a:xfrm>
+          <a:prstGeom prst="rect">
+            <a:avLst/>
+          </a:prstGeom>
+          <a:solidFill>
+            <a:schemeClr val="accent1">
+              <a:lumMod val="75000"/>
+            </a:schemeClr>
+          </a:solidFill>
+        </p:spPr>
+        <p:style>
+          <a:lnRef idx="2">
+            <a:schemeClr val="accent1">
+              <a:shade val="50000"/>
+            </a:schemeClr>
+          </a:lnRef>
+          <a:fillRef idx="1">
+            <a:schemeClr val="accent1"/>
+          </a:fillRef>
+          <a:effectRef idx="0">
+            <a:schemeClr val="accent1"/>
+          </a:effectRef>
+          <a:fontRef idx="minor">
+            <a:schemeClr val="lt1"/>
+          </a:fontRef>
+        </p:style>
+        <p:txBody>
+          <a:bodyPr rtlCol="0" anchor="ctr"/>
+          <a:lstStyle/>
+          <a:p>
+            <a:r>
+              <a:rPr lang="ko-KR" altLang="en-US" sz="3000" dirty="0">
+                <a:solidFill>
+                  <a:schemeClr val="bg1"/>
+                </a:solidFill>
+              </a:rPr>
+              <a:t>  마무리</a:t>
+            </a:r>
+          </a:p>
+        </p:txBody>
+      </p:sp>
+      <p:sp>
+        <p:nvSpPr>
+          <p:cNvPr id="3" name="직사각형 2">
+            <a:extLst>
+              <a:ext uri="{FF2B5EF4-FFF2-40B4-BE49-F238E27FC236}">
+                <a16:creationId xmlns:a16="http://schemas.microsoft.com/office/drawing/2014/main" id="{C5337EF2-48E7-4E25-A012-7025622749A2}"/>
+              </a:ext>
+            </a:extLst>
+          </p:cNvPr>
+          <p:cNvSpPr/>
+          <p:nvPr/>
+        </p:nvSpPr>
+        <p:spPr>
+          <a:xfrm>
+            <a:off x="862011" y="2258849"/>
+            <a:ext cx="10467975" cy="3108543"/>
+          </a:xfrm>
+          <a:prstGeom prst="rect">
+            <a:avLst/>
+          </a:prstGeom>
+        </p:spPr>
+        <p:txBody>
+          <a:bodyPr wrap="square">
+            <a:spAutoFit/>
+          </a:bodyPr>
+          <a:lstStyle/>
+          <a:p>
+            <a:pPr indent="-562722" algn="l" fontAlgn="auto">
+              <a:spcAft>
+                <a:spcPts val="0"/>
+              </a:spcAft>
+              <a:buFont typeface="Arial" panose="020B0604020202020204" pitchFamily="34" charset="0"/>
+              <a:buChar char="•"/>
+            </a:pPr>
+            <a:r>
+              <a:rPr lang="ko-KR" altLang="en-US" sz="2800" b="1" dirty="0">
+                <a:latin typeface="+mn-ea"/>
+              </a:rPr>
+              <a:t>푸시 버튼</a:t>
+            </a:r>
+            <a:endParaRPr lang="en-US" altLang="ko-KR" sz="2800" b="1" dirty="0">
+              <a:latin typeface="+mn-ea"/>
+            </a:endParaRPr>
+          </a:p>
+          <a:p>
+            <a:pPr indent="-562722" algn="l" fontAlgn="auto">
+              <a:spcAft>
+                <a:spcPts val="0"/>
+              </a:spcAft>
+              <a:buFont typeface="Arial" panose="020B0604020202020204" pitchFamily="34" charset="0"/>
+              <a:buChar char="•"/>
+            </a:pPr>
+            <a:endParaRPr lang="en-US" altLang="ko-KR" sz="2800" b="1" dirty="0">
+              <a:latin typeface="+mn-ea"/>
+            </a:endParaRPr>
+          </a:p>
+          <a:p>
+            <a:pPr indent="-562722" algn="l" fontAlgn="auto">
+              <a:spcAft>
+                <a:spcPts val="0"/>
+              </a:spcAft>
+              <a:buFont typeface="Arial" panose="020B0604020202020204" pitchFamily="34" charset="0"/>
+              <a:buChar char="•"/>
+            </a:pPr>
+            <a:endParaRPr lang="en-US" altLang="ko-KR" sz="2800" b="1" dirty="0">
+              <a:latin typeface="+mn-ea"/>
+            </a:endParaRPr>
+          </a:p>
+          <a:p>
+            <a:pPr indent="-562722" algn="l" fontAlgn="auto">
+              <a:spcAft>
+                <a:spcPts val="0"/>
+              </a:spcAft>
+              <a:buFont typeface="Arial" panose="020B0604020202020204" pitchFamily="34" charset="0"/>
+              <a:buChar char="•"/>
+            </a:pPr>
+            <a:endParaRPr lang="en-US" altLang="ko-KR" sz="2800" b="1" dirty="0">
+              <a:latin typeface="+mn-ea"/>
+              <a:ea typeface="+mn-ea"/>
+            </a:endParaRPr>
+          </a:p>
+          <a:p>
+            <a:pPr indent="-562722" algn="l" fontAlgn="auto">
+              <a:spcAft>
+                <a:spcPts val="0"/>
+              </a:spcAft>
+              <a:buFont typeface="Arial" panose="020B0604020202020204" pitchFamily="34" charset="0"/>
+              <a:buChar char="•"/>
+            </a:pPr>
+            <a:r>
+              <a:rPr lang="ko-KR" altLang="en-US" sz="2800" b="1" dirty="0">
+                <a:latin typeface="+mn-ea"/>
+              </a:rPr>
+              <a:t>푸시 버튼을 이용한 회로 구성 방법</a:t>
+            </a:r>
+            <a:endParaRPr lang="en-US" altLang="ko-KR" sz="2800" b="1" dirty="0">
+              <a:latin typeface="+mn-ea"/>
+            </a:endParaRPr>
+          </a:p>
+          <a:p>
+            <a:pPr indent="-562722" algn="l" fontAlgn="auto">
+              <a:spcAft>
+                <a:spcPts val="0"/>
+              </a:spcAft>
+              <a:buFont typeface="Arial" panose="020B0604020202020204" pitchFamily="34" charset="0"/>
+              <a:buChar char="•"/>
+            </a:pPr>
+            <a:endParaRPr lang="en-US" altLang="ko-KR" sz="2800" b="1" dirty="0">
+              <a:latin typeface="+mn-ea"/>
+            </a:endParaRPr>
+          </a:p>
+          <a:p>
+            <a:pPr indent="-562722" algn="l" fontAlgn="auto">
+              <a:spcAft>
+                <a:spcPts val="0"/>
+              </a:spcAft>
+              <a:buFont typeface="Arial" panose="020B0604020202020204" pitchFamily="34" charset="0"/>
+              <a:buChar char="•"/>
+            </a:pPr>
+            <a:endParaRPr lang="en-US" altLang="ko-KR" sz="2800" b="1" dirty="0">
+              <a:latin typeface="+mn-ea"/>
+            </a:endParaRPr>
+          </a:p>
+        </p:txBody>
+      </p:sp>
+      <p:sp>
+        <p:nvSpPr>
+          <p:cNvPr id="5" name="직사각형 4">
+            <a:extLst>
+              <a:ext uri="{FF2B5EF4-FFF2-40B4-BE49-F238E27FC236}">
+                <a16:creationId xmlns:a16="http://schemas.microsoft.com/office/drawing/2014/main" id="{885440D1-D16C-4681-8BB2-4044800D28E5}"/>
+              </a:ext>
+            </a:extLst>
+          </p:cNvPr>
+          <p:cNvSpPr/>
+          <p:nvPr/>
+        </p:nvSpPr>
+        <p:spPr>
+          <a:xfrm>
+            <a:off x="862012" y="6062844"/>
+            <a:ext cx="10467975" cy="523220"/>
+          </a:xfrm>
+          <a:prstGeom prst="rect">
+            <a:avLst/>
+          </a:prstGeom>
+        </p:spPr>
+        <p:txBody>
+          <a:bodyPr wrap="square">
+            <a:spAutoFit/>
+          </a:bodyPr>
+          <a:lstStyle/>
+          <a:p>
+            <a:pPr algn="ctr"/>
+            <a:r>
+              <a:rPr lang="ko-KR" altLang="en-US" sz="2800" b="1" dirty="0">
+                <a:latin typeface="+mn-ea"/>
+                <a:ea typeface="+mn-ea"/>
+              </a:rPr>
+              <a:t>자료 출처 </a:t>
+            </a:r>
+            <a:r>
+              <a:rPr lang="en-US" altLang="ko-KR" sz="2800" b="1" dirty="0">
+                <a:latin typeface="+mn-ea"/>
+                <a:ea typeface="+mn-ea"/>
+              </a:rPr>
+              <a:t>: </a:t>
+            </a:r>
+            <a:r>
+              <a:rPr lang="en-US" altLang="ko-KR" sz="2800" dirty="0">
+                <a:hlinkClick r:id="rId3"/>
+              </a:rPr>
+              <a:t>https://kocoafab.cc/tutorial/view/526</a:t>
+            </a:r>
+            <a:endParaRPr lang="en-US" altLang="ko-KR" sz="2800" b="1" dirty="0">
+              <a:latin typeface="+mn-ea"/>
+              <a:ea typeface="+mn-ea"/>
+            </a:endParaRPr>
+          </a:p>
+        </p:txBody>
+      </p:sp>
+    </p:spTree>
+    <p:extLst>
+      <p:ext uri="{BB962C8B-B14F-4D97-AF65-F5344CB8AC3E}">
+        <p14:creationId xmlns:p14="http://schemas.microsoft.com/office/powerpoint/2010/main" val="953432653"/>
+      </p:ext>
+    </p:extLst>
+  </p:cSld>
+  <p:clrMapOvr>
+    <a:masterClrMapping/>
+  </p:clrMapOvr>
 </p:sld>
 </file>
 
@@ -12979,12 +14044,12 @@
               <a:t>(</a:t>
             </a:r>
             <a:r>
-              <a:rPr lang="ko-KR" altLang="en-US" sz="3000">
+              <a:rPr lang="ko-KR" altLang="en-US" sz="3000" dirty="0">
                 <a:solidFill>
                   <a:schemeClr val="bg1"/>
                 </a:solidFill>
               </a:rPr>
-              <a:t>목 차</a:t>
+              <a:t>코드</a:t>
             </a:r>
             <a:r>
               <a:rPr lang="en-US" altLang="ko-KR" sz="3000" dirty="0">

--- a/2020-06-03-연수고.pptx
+++ b/2020-06-03-연수고.pptx
@@ -5,7 +5,7 @@
     <p:sldMasterId id="2147483648" r:id="rId1"/>
   </p:sldMasterIdLst>
   <p:notesMasterIdLst>
-    <p:notesMasterId r:id="rId22"/>
+    <p:notesMasterId r:id="rId24"/>
   </p:notesMasterIdLst>
   <p:sldIdLst>
     <p:sldId id="1100" r:id="rId2"/>
@@ -26,8 +26,10 @@
     <p:sldId id="1173" r:id="rId17"/>
     <p:sldId id="1174" r:id="rId18"/>
     <p:sldId id="1156" r:id="rId19"/>
-    <p:sldId id="1177" r:id="rId20"/>
-    <p:sldId id="1146" r:id="rId21"/>
+    <p:sldId id="1178" r:id="rId20"/>
+    <p:sldId id="1177" r:id="rId21"/>
+    <p:sldId id="1179" r:id="rId22"/>
+    <p:sldId id="1146" r:id="rId23"/>
   </p:sldIdLst>
   <p:sldSz cx="12192000" cy="6858000"/>
   <p:notesSz cx="6858000" cy="9144000"/>
@@ -216,7 +218,7 @@
           <a:p>
             <a:fld id="{441FEC62-9B31-4DF2-936D-FD9BCACC7C84}" type="datetimeFigureOut">
               <a:rPr lang="ko-KR" altLang="en-US" smtClean="0"/>
-              <a:t>2020-06-02</a:t>
+              <a:t>2020-06-03</a:t>
             </a:fld>
             <a:endParaRPr lang="ko-KR" altLang="en-US"/>
           </a:p>
@@ -1482,7 +1484,7 @@
     </p:spTree>
     <p:extLst>
       <p:ext uri="{BB962C8B-B14F-4D97-AF65-F5344CB8AC3E}">
-        <p14:creationId xmlns:p14="http://schemas.microsoft.com/office/powerpoint/2010/main" val="2013654352"/>
+        <p14:creationId xmlns:p14="http://schemas.microsoft.com/office/powerpoint/2010/main" val="1523041443"/>
       </p:ext>
     </p:extLst>
   </p:cSld>
@@ -1654,6 +1656,186 @@
                 <a:defRPr/>
               </a:pPr>
               <a:t>20</a:t>
+            </a:fld>
+            <a:endParaRPr lang="en-US" altLang="ko-KR" dirty="0"/>
+          </a:p>
+        </p:txBody>
+      </p:sp>
+    </p:spTree>
+    <p:extLst>
+      <p:ext uri="{BB962C8B-B14F-4D97-AF65-F5344CB8AC3E}">
+        <p14:creationId xmlns:p14="http://schemas.microsoft.com/office/powerpoint/2010/main" val="2013654352"/>
+      </p:ext>
+    </p:extLst>
+  </p:cSld>
+  <p:clrMapOvr>
+    <a:masterClrMapping/>
+  </p:clrMapOvr>
+</p:notes>
+</file>
+
+<file path=ppt/notesSlides/notesSlide21.xml><?xml version="1.0" encoding="utf-8"?>
+<p:notes xmlns:a="http://schemas.openxmlformats.org/drawingml/2006/main" xmlns:r="http://schemas.openxmlformats.org/officeDocument/2006/relationships" xmlns:p="http://schemas.openxmlformats.org/presentationml/2006/main">
+  <p:cSld>
+    <p:spTree>
+      <p:nvGrpSpPr>
+        <p:cNvPr id="1" name=""/>
+        <p:cNvGrpSpPr/>
+        <p:nvPr/>
+      </p:nvGrpSpPr>
+      <p:grpSpPr>
+        <a:xfrm>
+          <a:off x="0" y="0"/>
+          <a:ext cx="0" cy="0"/>
+          <a:chOff x="0" y="0"/>
+          <a:chExt cx="0" cy="0"/>
+        </a:xfrm>
+      </p:grpSpPr>
+      <p:sp>
+        <p:nvSpPr>
+          <p:cNvPr id="2" name="슬라이드 이미지 개체 틀 1"/>
+          <p:cNvSpPr>
+            <a:spLocks noGrp="1" noRot="1" noChangeAspect="1"/>
+          </p:cNvSpPr>
+          <p:nvPr>
+            <p:ph type="sldImg"/>
+          </p:nvPr>
+        </p:nvSpPr>
+        <p:spPr/>
+      </p:sp>
+      <p:sp>
+        <p:nvSpPr>
+          <p:cNvPr id="3" name="슬라이드 노트 개체 틀 2"/>
+          <p:cNvSpPr>
+            <a:spLocks noGrp="1"/>
+          </p:cNvSpPr>
+          <p:nvPr>
+            <p:ph type="body" idx="1"/>
+          </p:nvPr>
+        </p:nvSpPr>
+        <p:spPr/>
+        <p:txBody>
+          <a:bodyPr/>
+          <a:lstStyle/>
+          <a:p>
+            <a:endParaRPr lang="ko-KR" altLang="en-US" dirty="0"/>
+          </a:p>
+        </p:txBody>
+      </p:sp>
+      <p:sp>
+        <p:nvSpPr>
+          <p:cNvPr id="4" name="슬라이드 번호 개체 틀 3"/>
+          <p:cNvSpPr>
+            <a:spLocks noGrp="1"/>
+          </p:cNvSpPr>
+          <p:nvPr>
+            <p:ph type="sldNum" sz="quarter" idx="10"/>
+          </p:nvPr>
+        </p:nvSpPr>
+        <p:spPr/>
+        <p:txBody>
+          <a:bodyPr/>
+          <a:lstStyle/>
+          <a:p>
+            <a:pPr>
+              <a:defRPr/>
+            </a:pPr>
+            <a:fld id="{EF25C9CB-473F-4C79-8889-7E058F4F291A}" type="slidenum">
+              <a:rPr lang="en-US" altLang="ko-KR" smtClean="0"/>
+              <a:pPr>
+                <a:defRPr/>
+              </a:pPr>
+              <a:t>21</a:t>
+            </a:fld>
+            <a:endParaRPr lang="en-US" altLang="ko-KR" dirty="0"/>
+          </a:p>
+        </p:txBody>
+      </p:sp>
+    </p:spTree>
+    <p:extLst>
+      <p:ext uri="{BB962C8B-B14F-4D97-AF65-F5344CB8AC3E}">
+        <p14:creationId xmlns:p14="http://schemas.microsoft.com/office/powerpoint/2010/main" val="3707691832"/>
+      </p:ext>
+    </p:extLst>
+  </p:cSld>
+  <p:clrMapOvr>
+    <a:masterClrMapping/>
+  </p:clrMapOvr>
+</p:notes>
+</file>
+
+<file path=ppt/notesSlides/notesSlide22.xml><?xml version="1.0" encoding="utf-8"?>
+<p:notes xmlns:a="http://schemas.openxmlformats.org/drawingml/2006/main" xmlns:r="http://schemas.openxmlformats.org/officeDocument/2006/relationships" xmlns:p="http://schemas.openxmlformats.org/presentationml/2006/main">
+  <p:cSld>
+    <p:spTree>
+      <p:nvGrpSpPr>
+        <p:cNvPr id="1" name=""/>
+        <p:cNvGrpSpPr/>
+        <p:nvPr/>
+      </p:nvGrpSpPr>
+      <p:grpSpPr>
+        <a:xfrm>
+          <a:off x="0" y="0"/>
+          <a:ext cx="0" cy="0"/>
+          <a:chOff x="0" y="0"/>
+          <a:chExt cx="0" cy="0"/>
+        </a:xfrm>
+      </p:grpSpPr>
+      <p:sp>
+        <p:nvSpPr>
+          <p:cNvPr id="2" name="슬라이드 이미지 개체 틀 1"/>
+          <p:cNvSpPr>
+            <a:spLocks noGrp="1" noRot="1" noChangeAspect="1"/>
+          </p:cNvSpPr>
+          <p:nvPr>
+            <p:ph type="sldImg"/>
+          </p:nvPr>
+        </p:nvSpPr>
+        <p:spPr/>
+      </p:sp>
+      <p:sp>
+        <p:nvSpPr>
+          <p:cNvPr id="3" name="슬라이드 노트 개체 틀 2"/>
+          <p:cNvSpPr>
+            <a:spLocks noGrp="1"/>
+          </p:cNvSpPr>
+          <p:nvPr>
+            <p:ph type="body" idx="1"/>
+          </p:nvPr>
+        </p:nvSpPr>
+        <p:spPr/>
+        <p:txBody>
+          <a:bodyPr/>
+          <a:lstStyle/>
+          <a:p>
+            <a:endParaRPr lang="ko-KR" altLang="en-US" dirty="0"/>
+          </a:p>
+        </p:txBody>
+      </p:sp>
+      <p:sp>
+        <p:nvSpPr>
+          <p:cNvPr id="4" name="슬라이드 번호 개체 틀 3"/>
+          <p:cNvSpPr>
+            <a:spLocks noGrp="1"/>
+          </p:cNvSpPr>
+          <p:nvPr>
+            <p:ph type="sldNum" sz="quarter" idx="10"/>
+          </p:nvPr>
+        </p:nvSpPr>
+        <p:spPr/>
+        <p:txBody>
+          <a:bodyPr/>
+          <a:lstStyle/>
+          <a:p>
+            <a:pPr>
+              <a:defRPr/>
+            </a:pPr>
+            <a:fld id="{EF25C9CB-473F-4C79-8889-7E058F4F291A}" type="slidenum">
+              <a:rPr lang="en-US" altLang="ko-KR" smtClean="0"/>
+              <a:pPr>
+                <a:defRPr/>
+              </a:pPr>
+              <a:t>22</a:t>
             </a:fld>
             <a:endParaRPr lang="en-US" altLang="ko-KR" dirty="0"/>
           </a:p>
@@ -2449,7 +2631,7 @@
           <a:p>
             <a:fld id="{05CE1C86-58EB-41F5-AE4C-2D6DBC13F52E}" type="datetimeFigureOut">
               <a:rPr lang="ko-KR" altLang="en-US" smtClean="0"/>
-              <a:t>2020-06-02</a:t>
+              <a:t>2020-06-03</a:t>
             </a:fld>
             <a:endParaRPr lang="ko-KR" altLang="en-US"/>
           </a:p>
@@ -2647,7 +2829,7 @@
           <a:p>
             <a:fld id="{05CE1C86-58EB-41F5-AE4C-2D6DBC13F52E}" type="datetimeFigureOut">
               <a:rPr lang="ko-KR" altLang="en-US" smtClean="0"/>
-              <a:t>2020-06-02</a:t>
+              <a:t>2020-06-03</a:t>
             </a:fld>
             <a:endParaRPr lang="ko-KR" altLang="en-US"/>
           </a:p>
@@ -2855,7 +3037,7 @@
           <a:p>
             <a:fld id="{05CE1C86-58EB-41F5-AE4C-2D6DBC13F52E}" type="datetimeFigureOut">
               <a:rPr lang="ko-KR" altLang="en-US" smtClean="0"/>
-              <a:t>2020-06-02</a:t>
+              <a:t>2020-06-03</a:t>
             </a:fld>
             <a:endParaRPr lang="ko-KR" altLang="en-US"/>
           </a:p>
@@ -3053,7 +3235,7 @@
           <a:p>
             <a:fld id="{05CE1C86-58EB-41F5-AE4C-2D6DBC13F52E}" type="datetimeFigureOut">
               <a:rPr lang="ko-KR" altLang="en-US" smtClean="0"/>
-              <a:t>2020-06-02</a:t>
+              <a:t>2020-06-03</a:t>
             </a:fld>
             <a:endParaRPr lang="ko-KR" altLang="en-US"/>
           </a:p>
@@ -3328,7 +3510,7 @@
           <a:p>
             <a:fld id="{05CE1C86-58EB-41F5-AE4C-2D6DBC13F52E}" type="datetimeFigureOut">
               <a:rPr lang="ko-KR" altLang="en-US" smtClean="0"/>
-              <a:t>2020-06-02</a:t>
+              <a:t>2020-06-03</a:t>
             </a:fld>
             <a:endParaRPr lang="ko-KR" altLang="en-US"/>
           </a:p>
@@ -3593,7 +3775,7 @@
           <a:p>
             <a:fld id="{05CE1C86-58EB-41F5-AE4C-2D6DBC13F52E}" type="datetimeFigureOut">
               <a:rPr lang="ko-KR" altLang="en-US" smtClean="0"/>
-              <a:t>2020-06-02</a:t>
+              <a:t>2020-06-03</a:t>
             </a:fld>
             <a:endParaRPr lang="ko-KR" altLang="en-US"/>
           </a:p>
@@ -4005,7 +4187,7 @@
           <a:p>
             <a:fld id="{05CE1C86-58EB-41F5-AE4C-2D6DBC13F52E}" type="datetimeFigureOut">
               <a:rPr lang="ko-KR" altLang="en-US" smtClean="0"/>
-              <a:t>2020-06-02</a:t>
+              <a:t>2020-06-03</a:t>
             </a:fld>
             <a:endParaRPr lang="ko-KR" altLang="en-US"/>
           </a:p>
@@ -4146,7 +4328,7 @@
           <a:p>
             <a:fld id="{05CE1C86-58EB-41F5-AE4C-2D6DBC13F52E}" type="datetimeFigureOut">
               <a:rPr lang="ko-KR" altLang="en-US" smtClean="0"/>
-              <a:t>2020-06-02</a:t>
+              <a:t>2020-06-03</a:t>
             </a:fld>
             <a:endParaRPr lang="ko-KR" altLang="en-US"/>
           </a:p>
@@ -4259,7 +4441,7 @@
           <a:p>
             <a:fld id="{05CE1C86-58EB-41F5-AE4C-2D6DBC13F52E}" type="datetimeFigureOut">
               <a:rPr lang="ko-KR" altLang="en-US" smtClean="0"/>
-              <a:t>2020-06-02</a:t>
+              <a:t>2020-06-03</a:t>
             </a:fld>
             <a:endParaRPr lang="ko-KR" altLang="en-US"/>
           </a:p>
@@ -4570,7 +4752,7 @@
           <a:p>
             <a:fld id="{05CE1C86-58EB-41F5-AE4C-2D6DBC13F52E}" type="datetimeFigureOut">
               <a:rPr lang="ko-KR" altLang="en-US" smtClean="0"/>
-              <a:t>2020-06-02</a:t>
+              <a:t>2020-06-03</a:t>
             </a:fld>
             <a:endParaRPr lang="ko-KR" altLang="en-US"/>
           </a:p>
@@ -4858,7 +5040,7 @@
           <a:p>
             <a:fld id="{05CE1C86-58EB-41F5-AE4C-2D6DBC13F52E}" type="datetimeFigureOut">
               <a:rPr lang="ko-KR" altLang="en-US" smtClean="0"/>
-              <a:t>2020-06-02</a:t>
+              <a:t>2020-06-03</a:t>
             </a:fld>
             <a:endParaRPr lang="ko-KR" altLang="en-US"/>
           </a:p>
@@ -5099,7 +5281,7 @@
           <a:p>
             <a:fld id="{05CE1C86-58EB-41F5-AE4C-2D6DBC13F52E}" type="datetimeFigureOut">
               <a:rPr lang="ko-KR" altLang="en-US" smtClean="0"/>
-              <a:t>2020-06-02</a:t>
+              <a:t>2020-06-03</a:t>
             </a:fld>
             <a:endParaRPr lang="ko-KR" altLang="en-US"/>
           </a:p>
@@ -7075,7 +7257,7 @@
               </a:r>
               <a:r>
                 <a:rPr lang="en-US" altLang="ko-KR" sz="1400" dirty="0"/>
-                <a:t> = 4;</a:t>
+                <a:t> = 10;</a:t>
               </a:r>
             </a:p>
             <a:p>
@@ -10302,15 +10484,23 @@
               </a:r>
               <a:r>
                 <a:rPr lang="en-US" altLang="ko-KR" sz="1600" dirty="0"/>
-                <a:t>("</a:t>
+                <a:t>(</a:t>
               </a:r>
               <a:r>
                 <a:rPr lang="ko-KR" altLang="en-US" sz="1600" dirty="0"/>
-                <a:t>눌렸습니다</a:t>
+                <a:t>＂안 눌렸습니다</a:t>
               </a:r>
               <a:r>
                 <a:rPr lang="en-US" altLang="ko-KR" sz="1600" dirty="0"/>
-                <a:t>.");</a:t>
+                <a:t>.</a:t>
+              </a:r>
+              <a:r>
+                <a:rPr lang="ko-KR" altLang="en-US" sz="1600" dirty="0"/>
+                <a:t>＂</a:t>
+              </a:r>
+              <a:r>
+                <a:rPr lang="en-US" altLang="ko-KR" sz="1600" dirty="0"/>
+                <a:t>);</a:t>
               </a:r>
             </a:p>
             <a:p>
@@ -10336,11 +10526,7 @@
               </a:r>
               <a:r>
                 <a:rPr lang="en-US" altLang="ko-KR" sz="1600" dirty="0"/>
-                <a:t>("</a:t>
-              </a:r>
-              <a:r>
-                <a:rPr lang="ko-KR" altLang="en-US" sz="1600" dirty="0"/>
-                <a:t>안 </a:t>
+                <a:t>(“</a:t>
               </a:r>
               <a:r>
                 <a:rPr lang="ko-KR" altLang="en-US" sz="1600" dirty="0" err="1"/>
@@ -10982,7 +11168,23 @@
                   <a:schemeClr val="bg1"/>
                 </a:solidFill>
               </a:rPr>
-              <a:t>심화 예제</a:t>
+              <a:t>예 제 </a:t>
+            </a:r>
+            <a:r>
+              <a:rPr lang="en-US" altLang="ko-KR" sz="3000" dirty="0">
+                <a:solidFill>
+                  <a:schemeClr val="bg1"/>
+                </a:solidFill>
+              </a:rPr>
+              <a:t>: </a:t>
+            </a:r>
+            <a:r>
+              <a:rPr lang="ko-KR" altLang="en-US" sz="3000" dirty="0">
+                <a:solidFill>
+                  <a:schemeClr val="bg1"/>
+                </a:solidFill>
+              </a:rPr>
+              <a:t>소스코드</a:t>
             </a:r>
             <a:r>
               <a:rPr lang="en-US" altLang="ko-KR" sz="3000" dirty="0">
@@ -11032,261 +11234,12 @@
           </a:p>
         </p:txBody>
       </p:sp>
-      <p:sp>
-        <p:nvSpPr>
-          <p:cNvPr id="15" name="직사각형 14">
-            <a:extLst>
-              <a:ext uri="{FF2B5EF4-FFF2-40B4-BE49-F238E27FC236}">
-                <a16:creationId xmlns:a16="http://schemas.microsoft.com/office/drawing/2014/main" id="{BF2688D7-C9CC-4163-AC0D-AD5E36C700EF}"/>
-              </a:ext>
-            </a:extLst>
-          </p:cNvPr>
-          <p:cNvSpPr/>
-          <p:nvPr/>
-        </p:nvSpPr>
-        <p:spPr>
-          <a:xfrm>
-            <a:off x="5926263" y="1431789"/>
-            <a:ext cx="6016039" cy="3785652"/>
-          </a:xfrm>
-          <a:prstGeom prst="rect">
-            <a:avLst/>
-          </a:prstGeom>
-        </p:spPr>
-        <p:txBody>
-          <a:bodyPr wrap="square">
-            <a:spAutoFit/>
-          </a:bodyPr>
-          <a:lstStyle/>
-          <a:p>
-            <a:pPr algn="l" fontAlgn="auto">
-              <a:spcAft>
-                <a:spcPts val="0"/>
-              </a:spcAft>
-            </a:pPr>
-            <a:r>
-              <a:rPr lang="ko-KR" altLang="en-US" sz="2000" b="1" dirty="0">
-                <a:latin typeface="+mn-ea"/>
-              </a:rPr>
-              <a:t>실습 목표 </a:t>
-            </a:r>
-            <a:r>
-              <a:rPr lang="en-US" altLang="ko-KR" sz="2000" b="1" dirty="0">
-                <a:latin typeface="+mn-ea"/>
-              </a:rPr>
-              <a:t>: </a:t>
-            </a:r>
-            <a:r>
-              <a:rPr lang="ko-KR" altLang="en-US" sz="2000" b="1" dirty="0">
-                <a:latin typeface="+mn-ea"/>
-              </a:rPr>
-              <a:t>푸시 버튼을 이용해 </a:t>
-            </a:r>
-            <a:r>
-              <a:rPr lang="en-US" altLang="ko-KR" sz="2000" b="1" dirty="0">
-                <a:latin typeface="+mn-ea"/>
-              </a:rPr>
-              <a:t>LED</a:t>
-            </a:r>
-            <a:r>
-              <a:rPr lang="ko-KR" altLang="en-US" sz="2000" b="1" dirty="0">
-                <a:latin typeface="+mn-ea"/>
-              </a:rPr>
-              <a:t>를 제어해본다</a:t>
-            </a:r>
-            <a:r>
-              <a:rPr lang="en-US" altLang="ko-KR" sz="2000" b="1" dirty="0">
-                <a:latin typeface="+mn-ea"/>
-              </a:rPr>
-              <a:t>.</a:t>
-            </a:r>
-          </a:p>
-          <a:p>
-            <a:pPr algn="l" fontAlgn="auto">
-              <a:spcAft>
-                <a:spcPts val="0"/>
-              </a:spcAft>
-            </a:pPr>
-            <a:r>
-              <a:rPr lang="en-US" altLang="ko-KR" sz="2000" b="1" dirty="0">
-                <a:latin typeface="+mn-ea"/>
-              </a:rPr>
-              <a:t>(</a:t>
-            </a:r>
-            <a:r>
-              <a:rPr lang="ko-KR" altLang="en-US" sz="2000" b="1" dirty="0">
-                <a:latin typeface="+mn-ea"/>
-              </a:rPr>
-              <a:t>평가 항목이므로 다른 사람에게 알려주지 않는다</a:t>
-            </a:r>
-            <a:r>
-              <a:rPr lang="en-US" altLang="ko-KR" sz="2000" b="1" dirty="0">
-                <a:latin typeface="+mn-ea"/>
-              </a:rPr>
-              <a:t>.)</a:t>
-            </a:r>
-          </a:p>
-          <a:p>
-            <a:pPr algn="l" fontAlgn="auto">
-              <a:spcAft>
-                <a:spcPts val="0"/>
-              </a:spcAft>
-            </a:pPr>
-            <a:endParaRPr lang="en-US" altLang="ko-KR" sz="2000" b="1" dirty="0">
-              <a:latin typeface="+mn-ea"/>
-              <a:ea typeface="+mn-ea"/>
-            </a:endParaRPr>
-          </a:p>
-          <a:p>
-            <a:pPr algn="l" fontAlgn="auto">
-              <a:spcAft>
-                <a:spcPts val="0"/>
-              </a:spcAft>
-            </a:pPr>
-            <a:endParaRPr lang="en-US" altLang="ko-KR" sz="2000" b="1" dirty="0">
-              <a:latin typeface="+mn-ea"/>
-              <a:ea typeface="+mn-ea"/>
-            </a:endParaRPr>
-          </a:p>
-          <a:p>
-            <a:pPr algn="l" fontAlgn="auto">
-              <a:spcAft>
-                <a:spcPts val="0"/>
-              </a:spcAft>
-            </a:pPr>
-            <a:endParaRPr lang="en-US" altLang="ko-KR" sz="2000" b="1" dirty="0">
-              <a:latin typeface="+mn-ea"/>
-              <a:ea typeface="+mn-ea"/>
-            </a:endParaRPr>
-          </a:p>
-          <a:p>
-            <a:pPr marL="457200" indent="-457200" algn="l" fontAlgn="auto">
-              <a:spcAft>
-                <a:spcPts val="0"/>
-              </a:spcAft>
-              <a:buAutoNum type="arabicPeriod"/>
-            </a:pPr>
-            <a:r>
-              <a:rPr lang="ko-KR" altLang="en-US" sz="2000" b="1" dirty="0">
-                <a:latin typeface="+mn-ea"/>
-                <a:ea typeface="+mn-ea"/>
-              </a:rPr>
-              <a:t>위쪽 버튼을 누르면 빨간 </a:t>
-            </a:r>
-            <a:r>
-              <a:rPr lang="en-US" altLang="ko-KR" sz="2000" b="1" dirty="0">
-                <a:latin typeface="+mn-ea"/>
-                <a:ea typeface="+mn-ea"/>
-              </a:rPr>
-              <a:t>LED</a:t>
-            </a:r>
-            <a:r>
-              <a:rPr lang="ko-KR" altLang="en-US" sz="2000" b="1" dirty="0">
-                <a:latin typeface="+mn-ea"/>
-                <a:ea typeface="+mn-ea"/>
-              </a:rPr>
-              <a:t>가 켜지고 때면 다시 꺼지도록 한다</a:t>
-            </a:r>
-            <a:r>
-              <a:rPr lang="en-US" altLang="ko-KR" sz="2000" b="1" dirty="0">
-                <a:latin typeface="+mn-ea"/>
-                <a:ea typeface="+mn-ea"/>
-              </a:rPr>
-              <a:t>.</a:t>
-            </a:r>
-          </a:p>
-          <a:p>
-            <a:pPr marL="457200" indent="-457200" algn="l" fontAlgn="auto">
-              <a:spcAft>
-                <a:spcPts val="0"/>
-              </a:spcAft>
-              <a:buAutoNum type="arabicPeriod"/>
-            </a:pPr>
-            <a:endParaRPr lang="en-US" altLang="ko-KR" sz="2000" b="1" dirty="0">
-              <a:latin typeface="+mn-ea"/>
-              <a:ea typeface="+mn-ea"/>
-            </a:endParaRPr>
-          </a:p>
-          <a:p>
-            <a:pPr marL="457200" indent="-457200" algn="l" fontAlgn="auto">
-              <a:spcAft>
-                <a:spcPts val="0"/>
-              </a:spcAft>
-              <a:buAutoNum type="arabicPeriod"/>
-            </a:pPr>
-            <a:r>
-              <a:rPr lang="ko-KR" altLang="en-US" sz="2000" b="1" dirty="0">
-                <a:latin typeface="+mn-ea"/>
-              </a:rPr>
-              <a:t>아래쪽 버튼을 누르면 초록 </a:t>
-            </a:r>
-            <a:r>
-              <a:rPr lang="en-US" altLang="ko-KR" sz="2000" b="1" dirty="0">
-                <a:latin typeface="+mn-ea"/>
-              </a:rPr>
-              <a:t>LED</a:t>
-            </a:r>
-            <a:r>
-              <a:rPr lang="ko-KR" altLang="en-US" sz="2000" b="1" dirty="0">
-                <a:latin typeface="+mn-ea"/>
-              </a:rPr>
-              <a:t>가 켜지고 때면 다시 꺼지도록 한다</a:t>
-            </a:r>
-            <a:r>
-              <a:rPr lang="en-US" altLang="ko-KR" sz="2000" b="1" dirty="0">
-                <a:latin typeface="+mn-ea"/>
-              </a:rPr>
-              <a:t>.</a:t>
-            </a:r>
-            <a:endParaRPr lang="en-US" altLang="ko-KR" sz="2000" b="1" dirty="0">
-              <a:latin typeface="+mn-ea"/>
-              <a:ea typeface="+mn-ea"/>
-            </a:endParaRPr>
-          </a:p>
-          <a:p>
-            <a:pPr marL="457200" indent="-457200" algn="l" fontAlgn="auto">
-              <a:spcAft>
-                <a:spcPts val="0"/>
-              </a:spcAft>
-              <a:buAutoNum type="arabicPeriod"/>
-            </a:pPr>
-            <a:endParaRPr lang="en-US" altLang="ko-KR" sz="2000" b="1" dirty="0">
-              <a:latin typeface="+mn-ea"/>
-            </a:endParaRPr>
-          </a:p>
-          <a:p>
-            <a:pPr algn="l" fontAlgn="auto">
-              <a:spcAft>
-                <a:spcPts val="0"/>
-              </a:spcAft>
-            </a:pPr>
-            <a:r>
-              <a:rPr lang="en-US" altLang="ko-KR" sz="2000" b="1" dirty="0">
-                <a:latin typeface="+mn-ea"/>
-              </a:rPr>
-              <a:t>3.  </a:t>
-            </a:r>
-            <a:r>
-              <a:rPr lang="ko-KR" altLang="en-US" sz="2000" b="1" dirty="0">
-                <a:latin typeface="+mn-ea"/>
-              </a:rPr>
-              <a:t>다 한 사람은 손 들어주세요</a:t>
-            </a:r>
-            <a:r>
-              <a:rPr lang="en-US" altLang="ko-KR" sz="2000" b="1" dirty="0">
-                <a:latin typeface="+mn-ea"/>
-              </a:rPr>
-              <a:t>.</a:t>
-            </a:r>
-          </a:p>
-        </p:txBody>
-      </p:sp>
       <p:pic>
         <p:nvPicPr>
           <p:cNvPr id="5" name="그림 4">
             <a:extLst>
               <a:ext uri="{FF2B5EF4-FFF2-40B4-BE49-F238E27FC236}">
-                <a16:creationId xmlns:a16="http://schemas.microsoft.com/office/drawing/2014/main" id="{00DB4A2F-A1A1-4271-B6F4-5DB196B826A9}"/>
+                <a16:creationId xmlns:a16="http://schemas.microsoft.com/office/drawing/2014/main" id="{5D34D426-875D-4493-A220-2635780CB57B}"/>
               </a:ext>
             </a:extLst>
           </p:cNvPr>
@@ -11303,18 +11256,348 @@
         </p:blipFill>
         <p:spPr>
           <a:xfrm>
-            <a:off x="83086" y="1431789"/>
-            <a:ext cx="5774749" cy="4054611"/>
+            <a:off x="72115" y="1650450"/>
+            <a:ext cx="5854148" cy="4081689"/>
           </a:xfrm>
           <a:prstGeom prst="rect">
             <a:avLst/>
           </a:prstGeom>
         </p:spPr>
       </p:pic>
+      <p:grpSp>
+        <p:nvGrpSpPr>
+          <p:cNvPr id="6" name="그룹 5">
+            <a:extLst>
+              <a:ext uri="{FF2B5EF4-FFF2-40B4-BE49-F238E27FC236}">
+                <a16:creationId xmlns:a16="http://schemas.microsoft.com/office/drawing/2014/main" id="{4BAB2020-3649-47E6-922C-5F7359075E90}"/>
+              </a:ext>
+            </a:extLst>
+          </p:cNvPr>
+          <p:cNvGrpSpPr/>
+          <p:nvPr/>
+        </p:nvGrpSpPr>
+        <p:grpSpPr>
+          <a:xfrm>
+            <a:off x="6490252" y="988493"/>
+            <a:ext cx="5586561" cy="5228623"/>
+            <a:chOff x="5828414" y="999460"/>
+            <a:chExt cx="6248399" cy="5228623"/>
+          </a:xfrm>
+        </p:grpSpPr>
+        <p:sp>
+          <p:nvSpPr>
+            <p:cNvPr id="7" name="직사각형 6">
+              <a:extLst>
+                <a:ext uri="{FF2B5EF4-FFF2-40B4-BE49-F238E27FC236}">
+                  <a16:creationId xmlns:a16="http://schemas.microsoft.com/office/drawing/2014/main" id="{CBB77A46-FAF2-4BCF-9053-5765E5AE6B13}"/>
+                </a:ext>
+              </a:extLst>
+            </p:cNvPr>
+            <p:cNvSpPr/>
+            <p:nvPr/>
+          </p:nvSpPr>
+          <p:spPr>
+            <a:xfrm>
+              <a:off x="5943600" y="1211325"/>
+              <a:ext cx="6018027" cy="5016758"/>
+            </a:xfrm>
+            <a:prstGeom prst="rect">
+              <a:avLst/>
+            </a:prstGeom>
+          </p:spPr>
+          <p:txBody>
+            <a:bodyPr wrap="square">
+              <a:spAutoFit/>
+            </a:bodyPr>
+            <a:lstStyle/>
+            <a:p>
+              <a:r>
+                <a:rPr lang="en-US" altLang="ko-KR" sz="1600" dirty="0"/>
+                <a:t>int </a:t>
+              </a:r>
+              <a:r>
+                <a:rPr lang="en-US" altLang="ko-KR" sz="1600" dirty="0" err="1"/>
+                <a:t>ledPin</a:t>
+              </a:r>
+              <a:r>
+                <a:rPr lang="en-US" altLang="ko-KR" sz="1600" dirty="0"/>
+                <a:t> = 13;</a:t>
+              </a:r>
+            </a:p>
+            <a:p>
+              <a:r>
+                <a:rPr lang="en-US" altLang="ko-KR" sz="1600" dirty="0"/>
+                <a:t>int </a:t>
+              </a:r>
+              <a:r>
+                <a:rPr lang="en-US" altLang="ko-KR" sz="1600" dirty="0" err="1"/>
+                <a:t>buttonPin</a:t>
+              </a:r>
+              <a:r>
+                <a:rPr lang="en-US" altLang="ko-KR" sz="1600" dirty="0"/>
+                <a:t> = 10;</a:t>
+              </a:r>
+            </a:p>
+            <a:p>
+              <a:endParaRPr lang="en-US" altLang="ko-KR" sz="1600" dirty="0"/>
+            </a:p>
+            <a:p>
+              <a:endParaRPr lang="en-US" altLang="ko-KR" sz="1600" dirty="0"/>
+            </a:p>
+            <a:p>
+              <a:r>
+                <a:rPr lang="en-US" altLang="ko-KR" sz="1600" dirty="0"/>
+                <a:t>void setup() {</a:t>
+              </a:r>
+            </a:p>
+            <a:p>
+              <a:r>
+                <a:rPr lang="en-US" altLang="ko-KR" sz="1600" dirty="0"/>
+                <a:t>  </a:t>
+              </a:r>
+              <a:r>
+                <a:rPr lang="en-US" altLang="ko-KR" sz="1600" dirty="0" err="1"/>
+                <a:t>Serial.begin</a:t>
+              </a:r>
+              <a:r>
+                <a:rPr lang="en-US" altLang="ko-KR" sz="1600" dirty="0"/>
+                <a:t>(9600);</a:t>
+              </a:r>
+            </a:p>
+            <a:p>
+              <a:r>
+                <a:rPr lang="en-US" altLang="ko-KR" sz="1600" dirty="0"/>
+                <a:t>  </a:t>
+              </a:r>
+              <a:r>
+                <a:rPr lang="en-US" altLang="ko-KR" sz="1600" dirty="0" err="1"/>
+                <a:t>pinMode</a:t>
+              </a:r>
+              <a:r>
+                <a:rPr lang="en-US" altLang="ko-KR" sz="1600" dirty="0"/>
+                <a:t>(</a:t>
+              </a:r>
+              <a:r>
+                <a:rPr lang="en-US" altLang="ko-KR" sz="1600" dirty="0" err="1"/>
+                <a:t>buttonPin</a:t>
+              </a:r>
+              <a:r>
+                <a:rPr lang="en-US" altLang="ko-KR" sz="1600" dirty="0"/>
+                <a:t>, INPUT_PULLUP);</a:t>
+              </a:r>
+            </a:p>
+            <a:p>
+              <a:r>
+                <a:rPr lang="en-US" altLang="ko-KR" sz="1600" dirty="0"/>
+                <a:t>  </a:t>
+              </a:r>
+              <a:r>
+                <a:rPr lang="en-US" altLang="ko-KR" sz="1600" dirty="0" err="1"/>
+                <a:t>pinMode</a:t>
+              </a:r>
+              <a:r>
+                <a:rPr lang="en-US" altLang="ko-KR" sz="1600" dirty="0"/>
+                <a:t>(</a:t>
+              </a:r>
+              <a:r>
+                <a:rPr lang="en-US" altLang="ko-KR" sz="1600" dirty="0" err="1"/>
+                <a:t>ledPin</a:t>
+              </a:r>
+              <a:r>
+                <a:rPr lang="en-US" altLang="ko-KR" sz="1600" dirty="0"/>
+                <a:t>, OUTPUT);</a:t>
+              </a:r>
+            </a:p>
+            <a:p>
+              <a:r>
+                <a:rPr lang="en-US" altLang="ko-KR" sz="1600" dirty="0"/>
+                <a:t>}</a:t>
+              </a:r>
+            </a:p>
+            <a:p>
+              <a:endParaRPr lang="en-US" altLang="ko-KR" sz="1600" dirty="0"/>
+            </a:p>
+            <a:p>
+              <a:endParaRPr lang="en-US" altLang="ko-KR" sz="1600" dirty="0"/>
+            </a:p>
+            <a:p>
+              <a:r>
+                <a:rPr lang="en-US" altLang="ko-KR" sz="1600" dirty="0"/>
+                <a:t>void loop() {</a:t>
+              </a:r>
+            </a:p>
+            <a:p>
+              <a:r>
+                <a:rPr lang="en-US" altLang="ko-KR" sz="1600" dirty="0"/>
+                <a:t>  int </a:t>
+              </a:r>
+              <a:r>
+                <a:rPr lang="en-US" altLang="ko-KR" sz="1600" dirty="0" err="1"/>
+                <a:t>buttonState</a:t>
+              </a:r>
+              <a:r>
+                <a:rPr lang="en-US" altLang="ko-KR" sz="1600" dirty="0"/>
+                <a:t> = </a:t>
+              </a:r>
+              <a:r>
+                <a:rPr lang="en-US" altLang="ko-KR" sz="1600" dirty="0" err="1"/>
+                <a:t>digitalRead</a:t>
+              </a:r>
+              <a:r>
+                <a:rPr lang="en-US" altLang="ko-KR" sz="1600" dirty="0"/>
+                <a:t>(</a:t>
+              </a:r>
+              <a:r>
+                <a:rPr lang="en-US" altLang="ko-KR" sz="1600" dirty="0" err="1"/>
+                <a:t>buttonPin</a:t>
+              </a:r>
+              <a:r>
+                <a:rPr lang="en-US" altLang="ko-KR" sz="1600" dirty="0"/>
+                <a:t>);</a:t>
+              </a:r>
+            </a:p>
+            <a:p>
+              <a:r>
+                <a:rPr lang="en-US" altLang="ko-KR" sz="1600" dirty="0"/>
+                <a:t>  if(</a:t>
+              </a:r>
+              <a:r>
+                <a:rPr lang="en-US" altLang="ko-KR" sz="1600" dirty="0" err="1"/>
+                <a:t>buttonState</a:t>
+              </a:r>
+              <a:r>
+                <a:rPr lang="en-US" altLang="ko-KR" sz="1600" dirty="0"/>
+                <a:t> == HIGH) {</a:t>
+              </a:r>
+            </a:p>
+            <a:p>
+              <a:r>
+                <a:rPr lang="en-US" altLang="ko-KR" sz="1600" dirty="0"/>
+                <a:t>    </a:t>
+              </a:r>
+              <a:r>
+                <a:rPr lang="en-US" altLang="ko-KR" sz="1600" dirty="0" err="1"/>
+                <a:t>digitalWrite</a:t>
+              </a:r>
+              <a:r>
+                <a:rPr lang="en-US" altLang="ko-KR" sz="1600" dirty="0"/>
+                <a:t>(</a:t>
+              </a:r>
+              <a:r>
+                <a:rPr lang="en-US" altLang="ko-KR" sz="1600" dirty="0" err="1"/>
+                <a:t>ledPin</a:t>
+              </a:r>
+              <a:r>
+                <a:rPr lang="en-US" altLang="ko-KR" sz="1600" dirty="0"/>
+                <a:t>, LOW);</a:t>
+              </a:r>
+            </a:p>
+            <a:p>
+              <a:r>
+                <a:rPr lang="en-US" altLang="ko-KR" sz="1600" dirty="0"/>
+                <a:t>  }</a:t>
+              </a:r>
+            </a:p>
+            <a:p>
+              <a:r>
+                <a:rPr lang="en-US" altLang="ko-KR" sz="1600" dirty="0"/>
+                <a:t>  else {</a:t>
+              </a:r>
+            </a:p>
+            <a:p>
+              <a:r>
+                <a:rPr lang="en-US" altLang="ko-KR" sz="1600" dirty="0"/>
+                <a:t>    </a:t>
+              </a:r>
+              <a:r>
+                <a:rPr lang="en-US" altLang="ko-KR" sz="1600" dirty="0" err="1"/>
+                <a:t>digitalWrite</a:t>
+              </a:r>
+              <a:r>
+                <a:rPr lang="en-US" altLang="ko-KR" sz="1600" dirty="0"/>
+                <a:t>(</a:t>
+              </a:r>
+              <a:r>
+                <a:rPr lang="en-US" altLang="ko-KR" sz="1600" dirty="0" err="1"/>
+                <a:t>ledPin</a:t>
+              </a:r>
+              <a:r>
+                <a:rPr lang="en-US" altLang="ko-KR" sz="1600" dirty="0"/>
+                <a:t>, HIGH);</a:t>
+              </a:r>
+            </a:p>
+            <a:p>
+              <a:r>
+                <a:rPr lang="en-US" altLang="ko-KR" sz="1600" dirty="0"/>
+                <a:t>  }</a:t>
+              </a:r>
+            </a:p>
+            <a:p>
+              <a:r>
+                <a:rPr lang="en-US" altLang="ko-KR" sz="1600" dirty="0"/>
+                <a:t>}</a:t>
+              </a:r>
+            </a:p>
+          </p:txBody>
+        </p:sp>
+        <p:sp>
+          <p:nvSpPr>
+            <p:cNvPr id="8" name="직사각형 7">
+              <a:extLst>
+                <a:ext uri="{FF2B5EF4-FFF2-40B4-BE49-F238E27FC236}">
+                  <a16:creationId xmlns:a16="http://schemas.microsoft.com/office/drawing/2014/main" id="{B0FFCE3B-FE26-4657-82CC-705CEBAFC3BA}"/>
+                </a:ext>
+              </a:extLst>
+            </p:cNvPr>
+            <p:cNvSpPr/>
+            <p:nvPr/>
+          </p:nvSpPr>
+          <p:spPr>
+            <a:xfrm>
+              <a:off x="5828414" y="999460"/>
+              <a:ext cx="6248399" cy="5194268"/>
+            </a:xfrm>
+            <a:prstGeom prst="rect">
+              <a:avLst/>
+            </a:prstGeom>
+            <a:noFill/>
+            <a:ln w="57150">
+              <a:solidFill>
+                <a:srgbClr val="0070C0"/>
+              </a:solidFill>
+            </a:ln>
+            <a:effectLst/>
+          </p:spPr>
+          <p:style>
+            <a:lnRef idx="2">
+              <a:schemeClr val="accent1">
+                <a:shade val="50000"/>
+              </a:schemeClr>
+            </a:lnRef>
+            <a:fillRef idx="1">
+              <a:schemeClr val="accent1"/>
+            </a:fillRef>
+            <a:effectRef idx="0">
+              <a:schemeClr val="accent1"/>
+            </a:effectRef>
+            <a:fontRef idx="minor">
+              <a:schemeClr val="lt1"/>
+            </a:fontRef>
+          </p:style>
+          <p:txBody>
+            <a:bodyPr rtlCol="0" anchor="ctr"/>
+            <a:lstStyle/>
+            <a:p>
+              <a:pPr algn="ctr"/>
+              <a:endParaRPr lang="ko-KR" altLang="en-US"/>
+            </a:p>
+          </p:txBody>
+        </p:sp>
+      </p:grpSp>
     </p:spTree>
     <p:extLst>
       <p:ext uri="{BB962C8B-B14F-4D97-AF65-F5344CB8AC3E}">
-        <p14:creationId xmlns:p14="http://schemas.microsoft.com/office/powerpoint/2010/main" val="3903606405"/>
+        <p14:creationId xmlns:p14="http://schemas.microsoft.com/office/powerpoint/2010/main" val="1612276256"/>
       </p:ext>
     </p:extLst>
   </p:cSld>
@@ -11993,6 +12276,1066 @@
                   <a:schemeClr val="bg1"/>
                 </a:solidFill>
               </a:rPr>
+              <a:t> 실 습 </a:t>
+            </a:r>
+            <a:r>
+              <a:rPr lang="en-US" altLang="ko-KR" sz="3000" dirty="0">
+                <a:solidFill>
+                  <a:schemeClr val="bg1"/>
+                </a:solidFill>
+              </a:rPr>
+              <a:t>(</a:t>
+            </a:r>
+            <a:r>
+              <a:rPr lang="ko-KR" altLang="en-US" sz="3000" dirty="0">
+                <a:solidFill>
+                  <a:schemeClr val="bg1"/>
+                </a:solidFill>
+              </a:rPr>
+              <a:t>심화 예제</a:t>
+            </a:r>
+            <a:r>
+              <a:rPr lang="en-US" altLang="ko-KR" sz="3000" dirty="0">
+                <a:solidFill>
+                  <a:schemeClr val="bg1"/>
+                </a:solidFill>
+              </a:rPr>
+              <a:t>)</a:t>
+            </a:r>
+            <a:endParaRPr lang="ko-KR" altLang="en-US" sz="3000" dirty="0">
+              <a:solidFill>
+                <a:schemeClr val="bg1"/>
+              </a:solidFill>
+            </a:endParaRPr>
+          </a:p>
+        </p:txBody>
+      </p:sp>
+      <p:sp>
+        <p:nvSpPr>
+          <p:cNvPr id="2" name="TextBox 1">
+            <a:extLst>
+              <a:ext uri="{FF2B5EF4-FFF2-40B4-BE49-F238E27FC236}">
+                <a16:creationId xmlns:a16="http://schemas.microsoft.com/office/drawing/2014/main" id="{3B02BD13-A28F-40A8-9A6A-75A440D8DEBA}"/>
+              </a:ext>
+            </a:extLst>
+          </p:cNvPr>
+          <p:cNvSpPr txBox="1"/>
+          <p:nvPr/>
+        </p:nvSpPr>
+        <p:spPr>
+          <a:xfrm>
+            <a:off x="2785730" y="2647507"/>
+            <a:ext cx="184731" cy="369332"/>
+          </a:xfrm>
+          <a:prstGeom prst="rect">
+            <a:avLst/>
+          </a:prstGeom>
+          <a:noFill/>
+        </p:spPr>
+        <p:txBody>
+          <a:bodyPr wrap="none" rtlCol="0">
+            <a:spAutoFit/>
+          </a:bodyPr>
+          <a:lstStyle/>
+          <a:p>
+            <a:endParaRPr lang="ko-KR" altLang="en-US" dirty="0"/>
+          </a:p>
+        </p:txBody>
+      </p:sp>
+      <p:sp>
+        <p:nvSpPr>
+          <p:cNvPr id="15" name="직사각형 14">
+            <a:extLst>
+              <a:ext uri="{FF2B5EF4-FFF2-40B4-BE49-F238E27FC236}">
+                <a16:creationId xmlns:a16="http://schemas.microsoft.com/office/drawing/2014/main" id="{BF2688D7-C9CC-4163-AC0D-AD5E36C700EF}"/>
+              </a:ext>
+            </a:extLst>
+          </p:cNvPr>
+          <p:cNvSpPr/>
+          <p:nvPr/>
+        </p:nvSpPr>
+        <p:spPr>
+          <a:xfrm>
+            <a:off x="5926263" y="1431789"/>
+            <a:ext cx="6016039" cy="3785652"/>
+          </a:xfrm>
+          <a:prstGeom prst="rect">
+            <a:avLst/>
+          </a:prstGeom>
+        </p:spPr>
+        <p:txBody>
+          <a:bodyPr wrap="square">
+            <a:spAutoFit/>
+          </a:bodyPr>
+          <a:lstStyle/>
+          <a:p>
+            <a:pPr algn="l" fontAlgn="auto">
+              <a:spcAft>
+                <a:spcPts val="0"/>
+              </a:spcAft>
+            </a:pPr>
+            <a:r>
+              <a:rPr lang="ko-KR" altLang="en-US" sz="2000" b="1" dirty="0">
+                <a:latin typeface="+mn-ea"/>
+              </a:rPr>
+              <a:t>실습 목표 </a:t>
+            </a:r>
+            <a:r>
+              <a:rPr lang="en-US" altLang="ko-KR" sz="2000" b="1" dirty="0">
+                <a:latin typeface="+mn-ea"/>
+              </a:rPr>
+              <a:t>: </a:t>
+            </a:r>
+            <a:r>
+              <a:rPr lang="ko-KR" altLang="en-US" sz="2000" b="1" dirty="0">
+                <a:latin typeface="+mn-ea"/>
+              </a:rPr>
+              <a:t>푸시 버튼을 이용해 </a:t>
+            </a:r>
+            <a:r>
+              <a:rPr lang="en-US" altLang="ko-KR" sz="2000" b="1" dirty="0">
+                <a:latin typeface="+mn-ea"/>
+              </a:rPr>
+              <a:t>LED</a:t>
+            </a:r>
+            <a:r>
+              <a:rPr lang="ko-KR" altLang="en-US" sz="2000" b="1" dirty="0">
+                <a:latin typeface="+mn-ea"/>
+              </a:rPr>
+              <a:t>를 제어해본다</a:t>
+            </a:r>
+            <a:r>
+              <a:rPr lang="en-US" altLang="ko-KR" sz="2000" b="1" dirty="0">
+                <a:latin typeface="+mn-ea"/>
+              </a:rPr>
+              <a:t>.</a:t>
+            </a:r>
+          </a:p>
+          <a:p>
+            <a:pPr algn="l" fontAlgn="auto">
+              <a:spcAft>
+                <a:spcPts val="0"/>
+              </a:spcAft>
+            </a:pPr>
+            <a:r>
+              <a:rPr lang="en-US" altLang="ko-KR" sz="2000" b="1" dirty="0">
+                <a:latin typeface="+mn-ea"/>
+              </a:rPr>
+              <a:t>(</a:t>
+            </a:r>
+            <a:r>
+              <a:rPr lang="ko-KR" altLang="en-US" sz="2000" b="1" dirty="0">
+                <a:latin typeface="+mn-ea"/>
+              </a:rPr>
+              <a:t>평가 항목이므로 다른 사람에게 알려주지 않는다</a:t>
+            </a:r>
+            <a:r>
+              <a:rPr lang="en-US" altLang="ko-KR" sz="2000" b="1" dirty="0">
+                <a:latin typeface="+mn-ea"/>
+              </a:rPr>
+              <a:t>.)</a:t>
+            </a:r>
+          </a:p>
+          <a:p>
+            <a:pPr algn="l" fontAlgn="auto">
+              <a:spcAft>
+                <a:spcPts val="0"/>
+              </a:spcAft>
+            </a:pPr>
+            <a:endParaRPr lang="en-US" altLang="ko-KR" sz="2000" b="1" dirty="0">
+              <a:latin typeface="+mn-ea"/>
+              <a:ea typeface="+mn-ea"/>
+            </a:endParaRPr>
+          </a:p>
+          <a:p>
+            <a:pPr algn="l" fontAlgn="auto">
+              <a:spcAft>
+                <a:spcPts val="0"/>
+              </a:spcAft>
+            </a:pPr>
+            <a:endParaRPr lang="en-US" altLang="ko-KR" sz="2000" b="1" dirty="0">
+              <a:latin typeface="+mn-ea"/>
+              <a:ea typeface="+mn-ea"/>
+            </a:endParaRPr>
+          </a:p>
+          <a:p>
+            <a:pPr algn="l" fontAlgn="auto">
+              <a:spcAft>
+                <a:spcPts val="0"/>
+              </a:spcAft>
+            </a:pPr>
+            <a:endParaRPr lang="en-US" altLang="ko-KR" sz="2000" b="1" dirty="0">
+              <a:latin typeface="+mn-ea"/>
+              <a:ea typeface="+mn-ea"/>
+            </a:endParaRPr>
+          </a:p>
+          <a:p>
+            <a:pPr marL="457200" indent="-457200" algn="l" fontAlgn="auto">
+              <a:spcAft>
+                <a:spcPts val="0"/>
+              </a:spcAft>
+              <a:buAutoNum type="arabicPeriod"/>
+            </a:pPr>
+            <a:r>
+              <a:rPr lang="ko-KR" altLang="en-US" sz="2000" b="1" dirty="0">
+                <a:latin typeface="+mn-ea"/>
+                <a:ea typeface="+mn-ea"/>
+              </a:rPr>
+              <a:t>위쪽 버튼을 누르면 빨간 </a:t>
+            </a:r>
+            <a:r>
+              <a:rPr lang="en-US" altLang="ko-KR" sz="2000" b="1" dirty="0">
+                <a:latin typeface="+mn-ea"/>
+                <a:ea typeface="+mn-ea"/>
+              </a:rPr>
+              <a:t>LED</a:t>
+            </a:r>
+            <a:r>
+              <a:rPr lang="ko-KR" altLang="en-US" sz="2000" b="1" dirty="0">
+                <a:latin typeface="+mn-ea"/>
+                <a:ea typeface="+mn-ea"/>
+              </a:rPr>
+              <a:t>가 켜지고 때면 다시 꺼지도록 한다</a:t>
+            </a:r>
+            <a:r>
+              <a:rPr lang="en-US" altLang="ko-KR" sz="2000" b="1" dirty="0">
+                <a:latin typeface="+mn-ea"/>
+                <a:ea typeface="+mn-ea"/>
+              </a:rPr>
+              <a:t>.</a:t>
+            </a:r>
+          </a:p>
+          <a:p>
+            <a:pPr marL="457200" indent="-457200" algn="l" fontAlgn="auto">
+              <a:spcAft>
+                <a:spcPts val="0"/>
+              </a:spcAft>
+              <a:buAutoNum type="arabicPeriod"/>
+            </a:pPr>
+            <a:endParaRPr lang="en-US" altLang="ko-KR" sz="2000" b="1" dirty="0">
+              <a:latin typeface="+mn-ea"/>
+              <a:ea typeface="+mn-ea"/>
+            </a:endParaRPr>
+          </a:p>
+          <a:p>
+            <a:pPr marL="457200" indent="-457200" algn="l" fontAlgn="auto">
+              <a:spcAft>
+                <a:spcPts val="0"/>
+              </a:spcAft>
+              <a:buAutoNum type="arabicPeriod"/>
+            </a:pPr>
+            <a:r>
+              <a:rPr lang="ko-KR" altLang="en-US" sz="2000" b="1" dirty="0">
+                <a:latin typeface="+mn-ea"/>
+              </a:rPr>
+              <a:t>아래쪽 버튼을 누르면 초록 </a:t>
+            </a:r>
+            <a:r>
+              <a:rPr lang="en-US" altLang="ko-KR" sz="2000" b="1" dirty="0">
+                <a:latin typeface="+mn-ea"/>
+              </a:rPr>
+              <a:t>LED</a:t>
+            </a:r>
+            <a:r>
+              <a:rPr lang="ko-KR" altLang="en-US" sz="2000" b="1" dirty="0">
+                <a:latin typeface="+mn-ea"/>
+              </a:rPr>
+              <a:t>가 켜지고 때면 다시 꺼지도록 한다</a:t>
+            </a:r>
+            <a:r>
+              <a:rPr lang="en-US" altLang="ko-KR" sz="2000" b="1" dirty="0">
+                <a:latin typeface="+mn-ea"/>
+              </a:rPr>
+              <a:t>.</a:t>
+            </a:r>
+            <a:endParaRPr lang="en-US" altLang="ko-KR" sz="2000" b="1" dirty="0">
+              <a:latin typeface="+mn-ea"/>
+              <a:ea typeface="+mn-ea"/>
+            </a:endParaRPr>
+          </a:p>
+          <a:p>
+            <a:pPr marL="457200" indent="-457200" algn="l" fontAlgn="auto">
+              <a:spcAft>
+                <a:spcPts val="0"/>
+              </a:spcAft>
+              <a:buAutoNum type="arabicPeriod"/>
+            </a:pPr>
+            <a:endParaRPr lang="en-US" altLang="ko-KR" sz="2000" b="1" dirty="0">
+              <a:latin typeface="+mn-ea"/>
+            </a:endParaRPr>
+          </a:p>
+          <a:p>
+            <a:pPr algn="l" fontAlgn="auto">
+              <a:spcAft>
+                <a:spcPts val="0"/>
+              </a:spcAft>
+            </a:pPr>
+            <a:r>
+              <a:rPr lang="en-US" altLang="ko-KR" sz="2000" b="1" dirty="0">
+                <a:latin typeface="+mn-ea"/>
+              </a:rPr>
+              <a:t>3.  </a:t>
+            </a:r>
+            <a:r>
+              <a:rPr lang="ko-KR" altLang="en-US" sz="2000" b="1" dirty="0">
+                <a:latin typeface="+mn-ea"/>
+              </a:rPr>
+              <a:t>다 한 사람은 손 들어주세요</a:t>
+            </a:r>
+            <a:r>
+              <a:rPr lang="en-US" altLang="ko-KR" sz="2000" b="1" dirty="0">
+                <a:latin typeface="+mn-ea"/>
+              </a:rPr>
+              <a:t>.</a:t>
+            </a:r>
+          </a:p>
+        </p:txBody>
+      </p:sp>
+      <p:pic>
+        <p:nvPicPr>
+          <p:cNvPr id="5" name="그림 4">
+            <a:extLst>
+              <a:ext uri="{FF2B5EF4-FFF2-40B4-BE49-F238E27FC236}">
+                <a16:creationId xmlns:a16="http://schemas.microsoft.com/office/drawing/2014/main" id="{00DB4A2F-A1A1-4271-B6F4-5DB196B826A9}"/>
+              </a:ext>
+            </a:extLst>
+          </p:cNvPr>
+          <p:cNvPicPr>
+            <a:picLocks noChangeAspect="1"/>
+          </p:cNvPicPr>
+          <p:nvPr/>
+        </p:nvPicPr>
+        <p:blipFill>
+          <a:blip r:embed="rId3"/>
+          <a:stretch>
+            <a:fillRect/>
+          </a:stretch>
+        </p:blipFill>
+        <p:spPr>
+          <a:xfrm>
+            <a:off x="83086" y="1431789"/>
+            <a:ext cx="5774749" cy="4054611"/>
+          </a:xfrm>
+          <a:prstGeom prst="rect">
+            <a:avLst/>
+          </a:prstGeom>
+        </p:spPr>
+      </p:pic>
+    </p:spTree>
+    <p:extLst>
+      <p:ext uri="{BB962C8B-B14F-4D97-AF65-F5344CB8AC3E}">
+        <p14:creationId xmlns:p14="http://schemas.microsoft.com/office/powerpoint/2010/main" val="3903606405"/>
+      </p:ext>
+    </p:extLst>
+  </p:cSld>
+  <p:clrMapOvr>
+    <a:masterClrMapping/>
+  </p:clrMapOvr>
+</p:sld>
+</file>
+
+<file path=ppt/slides/slide21.xml><?xml version="1.0" encoding="utf-8"?>
+<p:sld xmlns:a="http://schemas.openxmlformats.org/drawingml/2006/main" xmlns:r="http://schemas.openxmlformats.org/officeDocument/2006/relationships" xmlns:p="http://schemas.openxmlformats.org/presentationml/2006/main">
+  <p:cSld>
+    <p:spTree>
+      <p:nvGrpSpPr>
+        <p:cNvPr id="1" name=""/>
+        <p:cNvGrpSpPr/>
+        <p:nvPr/>
+      </p:nvGrpSpPr>
+      <p:grpSpPr>
+        <a:xfrm>
+          <a:off x="0" y="0"/>
+          <a:ext cx="0" cy="0"/>
+          <a:chOff x="0" y="0"/>
+          <a:chExt cx="0" cy="0"/>
+        </a:xfrm>
+      </p:grpSpPr>
+      <p:sp>
+        <p:nvSpPr>
+          <p:cNvPr id="4" name="직사각형 3">
+            <a:extLst>
+              <a:ext uri="{FF2B5EF4-FFF2-40B4-BE49-F238E27FC236}">
+                <a16:creationId xmlns:a16="http://schemas.microsoft.com/office/drawing/2014/main" id="{8CE2AD40-F434-4036-9D04-C476FB1FB8B7}"/>
+              </a:ext>
+            </a:extLst>
+          </p:cNvPr>
+          <p:cNvSpPr/>
+          <p:nvPr/>
+        </p:nvSpPr>
+        <p:spPr>
+          <a:xfrm>
+            <a:off x="0" y="0"/>
+            <a:ext cx="12192000" cy="721551"/>
+          </a:xfrm>
+          <a:prstGeom prst="rect">
+            <a:avLst/>
+          </a:prstGeom>
+          <a:solidFill>
+            <a:schemeClr val="accent1">
+              <a:lumMod val="75000"/>
+            </a:schemeClr>
+          </a:solidFill>
+        </p:spPr>
+        <p:style>
+          <a:lnRef idx="2">
+            <a:schemeClr val="accent1">
+              <a:shade val="50000"/>
+            </a:schemeClr>
+          </a:lnRef>
+          <a:fillRef idx="1">
+            <a:schemeClr val="accent1"/>
+          </a:fillRef>
+          <a:effectRef idx="0">
+            <a:schemeClr val="accent1"/>
+          </a:effectRef>
+          <a:fontRef idx="minor">
+            <a:schemeClr val="lt1"/>
+          </a:fontRef>
+        </p:style>
+        <p:txBody>
+          <a:bodyPr rtlCol="0" anchor="ctr"/>
+          <a:lstStyle/>
+          <a:p>
+            <a:r>
+              <a:rPr lang="ko-KR" altLang="en-US" sz="3000" dirty="0">
+                <a:solidFill>
+                  <a:schemeClr val="bg1"/>
+                </a:solidFill>
+              </a:rPr>
+              <a:t> 실 습 </a:t>
+            </a:r>
+            <a:r>
+              <a:rPr lang="en-US" altLang="ko-KR" sz="3000" dirty="0">
+                <a:solidFill>
+                  <a:schemeClr val="bg1"/>
+                </a:solidFill>
+              </a:rPr>
+              <a:t>(</a:t>
+            </a:r>
+            <a:r>
+              <a:rPr lang="ko-KR" altLang="en-US" sz="3000" dirty="0">
+                <a:solidFill>
+                  <a:schemeClr val="bg1"/>
+                </a:solidFill>
+              </a:rPr>
+              <a:t>심화 예제 </a:t>
+            </a:r>
+            <a:r>
+              <a:rPr lang="en-US" altLang="ko-KR" sz="3000" dirty="0">
+                <a:solidFill>
+                  <a:schemeClr val="bg1"/>
+                </a:solidFill>
+              </a:rPr>
+              <a:t>: </a:t>
+            </a:r>
+            <a:r>
+              <a:rPr lang="ko-KR" altLang="en-US" sz="3000" dirty="0">
+                <a:solidFill>
+                  <a:schemeClr val="bg1"/>
+                </a:solidFill>
+              </a:rPr>
+              <a:t>소스코드</a:t>
+            </a:r>
+            <a:r>
+              <a:rPr lang="en-US" altLang="ko-KR" sz="3000" dirty="0">
+                <a:solidFill>
+                  <a:schemeClr val="bg1"/>
+                </a:solidFill>
+              </a:rPr>
+              <a:t>)</a:t>
+            </a:r>
+            <a:endParaRPr lang="ko-KR" altLang="en-US" sz="3000" dirty="0">
+              <a:solidFill>
+                <a:schemeClr val="bg1"/>
+              </a:solidFill>
+            </a:endParaRPr>
+          </a:p>
+        </p:txBody>
+      </p:sp>
+      <p:sp>
+        <p:nvSpPr>
+          <p:cNvPr id="2" name="TextBox 1">
+            <a:extLst>
+              <a:ext uri="{FF2B5EF4-FFF2-40B4-BE49-F238E27FC236}">
+                <a16:creationId xmlns:a16="http://schemas.microsoft.com/office/drawing/2014/main" id="{3B02BD13-A28F-40A8-9A6A-75A440D8DEBA}"/>
+              </a:ext>
+            </a:extLst>
+          </p:cNvPr>
+          <p:cNvSpPr txBox="1"/>
+          <p:nvPr/>
+        </p:nvSpPr>
+        <p:spPr>
+          <a:xfrm>
+            <a:off x="2785730" y="2647507"/>
+            <a:ext cx="184731" cy="369332"/>
+          </a:xfrm>
+          <a:prstGeom prst="rect">
+            <a:avLst/>
+          </a:prstGeom>
+          <a:noFill/>
+        </p:spPr>
+        <p:txBody>
+          <a:bodyPr wrap="none" rtlCol="0">
+            <a:spAutoFit/>
+          </a:bodyPr>
+          <a:lstStyle/>
+          <a:p>
+            <a:endParaRPr lang="ko-KR" altLang="en-US" dirty="0"/>
+          </a:p>
+        </p:txBody>
+      </p:sp>
+      <p:pic>
+        <p:nvPicPr>
+          <p:cNvPr id="5" name="그림 4">
+            <a:extLst>
+              <a:ext uri="{FF2B5EF4-FFF2-40B4-BE49-F238E27FC236}">
+                <a16:creationId xmlns:a16="http://schemas.microsoft.com/office/drawing/2014/main" id="{00DB4A2F-A1A1-4271-B6F4-5DB196B826A9}"/>
+              </a:ext>
+            </a:extLst>
+          </p:cNvPr>
+          <p:cNvPicPr>
+            <a:picLocks noChangeAspect="1"/>
+          </p:cNvPicPr>
+          <p:nvPr/>
+        </p:nvPicPr>
+        <p:blipFill>
+          <a:blip r:embed="rId3"/>
+          <a:stretch>
+            <a:fillRect/>
+          </a:stretch>
+        </p:blipFill>
+        <p:spPr>
+          <a:xfrm>
+            <a:off x="83086" y="1431789"/>
+            <a:ext cx="5774749" cy="4054611"/>
+          </a:xfrm>
+          <a:prstGeom prst="rect">
+            <a:avLst/>
+          </a:prstGeom>
+        </p:spPr>
+      </p:pic>
+      <p:grpSp>
+        <p:nvGrpSpPr>
+          <p:cNvPr id="6" name="그룹 5">
+            <a:extLst>
+              <a:ext uri="{FF2B5EF4-FFF2-40B4-BE49-F238E27FC236}">
+                <a16:creationId xmlns:a16="http://schemas.microsoft.com/office/drawing/2014/main" id="{E146B243-7D9E-48EF-AD8F-66C680EE1F86}"/>
+              </a:ext>
+            </a:extLst>
+          </p:cNvPr>
+          <p:cNvGrpSpPr/>
+          <p:nvPr/>
+        </p:nvGrpSpPr>
+        <p:grpSpPr>
+          <a:xfrm>
+            <a:off x="6228240" y="893930"/>
+            <a:ext cx="5586562" cy="5869507"/>
+            <a:chOff x="5713227" y="984410"/>
+            <a:chExt cx="6248400" cy="5869507"/>
+          </a:xfrm>
+        </p:grpSpPr>
+        <p:sp>
+          <p:nvSpPr>
+            <p:cNvPr id="7" name="직사각형 6">
+              <a:extLst>
+                <a:ext uri="{FF2B5EF4-FFF2-40B4-BE49-F238E27FC236}">
+                  <a16:creationId xmlns:a16="http://schemas.microsoft.com/office/drawing/2014/main" id="{1A44FE65-8C04-4E2C-9AD0-1D3D01BA0E52}"/>
+                </a:ext>
+              </a:extLst>
+            </p:cNvPr>
+            <p:cNvSpPr/>
+            <p:nvPr/>
+          </p:nvSpPr>
+          <p:spPr>
+            <a:xfrm>
+              <a:off x="5943600" y="1036940"/>
+              <a:ext cx="6018027" cy="5816977"/>
+            </a:xfrm>
+            <a:prstGeom prst="rect">
+              <a:avLst/>
+            </a:prstGeom>
+          </p:spPr>
+          <p:txBody>
+            <a:bodyPr wrap="square">
+              <a:spAutoFit/>
+            </a:bodyPr>
+            <a:lstStyle/>
+            <a:p>
+              <a:r>
+                <a:rPr lang="en-US" altLang="ko-KR" sz="1200" dirty="0"/>
+                <a:t>int </a:t>
+              </a:r>
+              <a:r>
+                <a:rPr lang="en-US" altLang="ko-KR" sz="1200" dirty="0" err="1"/>
+                <a:t>ledPin</a:t>
+              </a:r>
+              <a:r>
+                <a:rPr lang="en-US" altLang="ko-KR" sz="1200" dirty="0"/>
+                <a:t> = 13;</a:t>
+              </a:r>
+            </a:p>
+            <a:p>
+              <a:r>
+                <a:rPr lang="en-US" altLang="ko-KR" sz="1200" dirty="0"/>
+                <a:t>int ledPin2 = 12;</a:t>
+              </a:r>
+            </a:p>
+            <a:p>
+              <a:r>
+                <a:rPr lang="en-US" altLang="ko-KR" sz="1200" dirty="0"/>
+                <a:t>int </a:t>
+              </a:r>
+              <a:r>
+                <a:rPr lang="en-US" altLang="ko-KR" sz="1200" dirty="0" err="1"/>
+                <a:t>buttonPin</a:t>
+              </a:r>
+              <a:r>
+                <a:rPr lang="en-US" altLang="ko-KR" sz="1200" dirty="0"/>
+                <a:t> = 10;</a:t>
+              </a:r>
+            </a:p>
+            <a:p>
+              <a:r>
+                <a:rPr lang="en-US" altLang="ko-KR" sz="1200" dirty="0"/>
+                <a:t>int buttonPin2 = 9;</a:t>
+              </a:r>
+            </a:p>
+            <a:p>
+              <a:endParaRPr lang="en-US" altLang="ko-KR" sz="1200" dirty="0"/>
+            </a:p>
+            <a:p>
+              <a:r>
+                <a:rPr lang="en-US" altLang="ko-KR" sz="1200" dirty="0"/>
+                <a:t>void setup() {</a:t>
+              </a:r>
+            </a:p>
+            <a:p>
+              <a:r>
+                <a:rPr lang="en-US" altLang="ko-KR" sz="1200" dirty="0"/>
+                <a:t>  </a:t>
+              </a:r>
+              <a:r>
+                <a:rPr lang="en-US" altLang="ko-KR" sz="1200" dirty="0" err="1"/>
+                <a:t>Serial.begin</a:t>
+              </a:r>
+              <a:r>
+                <a:rPr lang="en-US" altLang="ko-KR" sz="1200" dirty="0"/>
+                <a:t>(9600);</a:t>
+              </a:r>
+            </a:p>
+            <a:p>
+              <a:r>
+                <a:rPr lang="en-US" altLang="ko-KR" sz="1200" dirty="0"/>
+                <a:t>  </a:t>
+              </a:r>
+              <a:r>
+                <a:rPr lang="en-US" altLang="ko-KR" sz="1200" dirty="0" err="1"/>
+                <a:t>pinMode</a:t>
+              </a:r>
+              <a:r>
+                <a:rPr lang="en-US" altLang="ko-KR" sz="1200" dirty="0"/>
+                <a:t>(</a:t>
+              </a:r>
+              <a:r>
+                <a:rPr lang="en-US" altLang="ko-KR" sz="1200" dirty="0" err="1"/>
+                <a:t>buttonPin</a:t>
+              </a:r>
+              <a:r>
+                <a:rPr lang="en-US" altLang="ko-KR" sz="1200" dirty="0"/>
+                <a:t>, INPUT_PULLUP);</a:t>
+              </a:r>
+            </a:p>
+            <a:p>
+              <a:r>
+                <a:rPr lang="en-US" altLang="ko-KR" sz="1200" dirty="0"/>
+                <a:t>  </a:t>
+              </a:r>
+              <a:r>
+                <a:rPr lang="en-US" altLang="ko-KR" sz="1200" dirty="0" err="1"/>
+                <a:t>pinMode</a:t>
+              </a:r>
+              <a:r>
+                <a:rPr lang="en-US" altLang="ko-KR" sz="1200" dirty="0"/>
+                <a:t>(buttonPin2, INPUT_PULLUP);</a:t>
+              </a:r>
+            </a:p>
+            <a:p>
+              <a:r>
+                <a:rPr lang="en-US" altLang="ko-KR" sz="1200" dirty="0"/>
+                <a:t>  </a:t>
+              </a:r>
+              <a:r>
+                <a:rPr lang="en-US" altLang="ko-KR" sz="1200" dirty="0" err="1"/>
+                <a:t>pinMode</a:t>
+              </a:r>
+              <a:r>
+                <a:rPr lang="en-US" altLang="ko-KR" sz="1200" dirty="0"/>
+                <a:t>(</a:t>
+              </a:r>
+              <a:r>
+                <a:rPr lang="en-US" altLang="ko-KR" sz="1200" dirty="0" err="1"/>
+                <a:t>ledPin</a:t>
+              </a:r>
+              <a:r>
+                <a:rPr lang="en-US" altLang="ko-KR" sz="1200" dirty="0"/>
+                <a:t>, OUTPUT);</a:t>
+              </a:r>
+            </a:p>
+            <a:p>
+              <a:r>
+                <a:rPr lang="en-US" altLang="ko-KR" sz="1200" dirty="0"/>
+                <a:t>  </a:t>
+              </a:r>
+              <a:r>
+                <a:rPr lang="en-US" altLang="ko-KR" sz="1200" dirty="0" err="1"/>
+                <a:t>pinMode</a:t>
+              </a:r>
+              <a:r>
+                <a:rPr lang="en-US" altLang="ko-KR" sz="1200" dirty="0"/>
+                <a:t>(ledPin2, OUTPUT);</a:t>
+              </a:r>
+            </a:p>
+            <a:p>
+              <a:r>
+                <a:rPr lang="en-US" altLang="ko-KR" sz="1200" dirty="0"/>
+                <a:t>}</a:t>
+              </a:r>
+            </a:p>
+            <a:p>
+              <a:endParaRPr lang="en-US" altLang="ko-KR" sz="1200" dirty="0"/>
+            </a:p>
+            <a:p>
+              <a:r>
+                <a:rPr lang="en-US" altLang="ko-KR" sz="1200" dirty="0"/>
+                <a:t>void loop() {</a:t>
+              </a:r>
+            </a:p>
+            <a:p>
+              <a:r>
+                <a:rPr lang="en-US" altLang="ko-KR" sz="1200" dirty="0"/>
+                <a:t>  int </a:t>
+              </a:r>
+              <a:r>
+                <a:rPr lang="en-US" altLang="ko-KR" sz="1200" dirty="0" err="1"/>
+                <a:t>buttonState</a:t>
+              </a:r>
+              <a:r>
+                <a:rPr lang="en-US" altLang="ko-KR" sz="1200" dirty="0"/>
+                <a:t> = </a:t>
+              </a:r>
+              <a:r>
+                <a:rPr lang="en-US" altLang="ko-KR" sz="1200" dirty="0" err="1"/>
+                <a:t>digitalRead</a:t>
+              </a:r>
+              <a:r>
+                <a:rPr lang="en-US" altLang="ko-KR" sz="1200" dirty="0"/>
+                <a:t>(</a:t>
+              </a:r>
+              <a:r>
+                <a:rPr lang="en-US" altLang="ko-KR" sz="1200" dirty="0" err="1"/>
+                <a:t>buttonPin</a:t>
+              </a:r>
+              <a:r>
+                <a:rPr lang="en-US" altLang="ko-KR" sz="1200" dirty="0"/>
+                <a:t>);</a:t>
+              </a:r>
+            </a:p>
+            <a:p>
+              <a:r>
+                <a:rPr lang="en-US" altLang="ko-KR" sz="1200" dirty="0"/>
+                <a:t>  int buttonState2 = </a:t>
+              </a:r>
+              <a:r>
+                <a:rPr lang="en-US" altLang="ko-KR" sz="1200" dirty="0" err="1"/>
+                <a:t>digitalRead</a:t>
+              </a:r>
+              <a:r>
+                <a:rPr lang="en-US" altLang="ko-KR" sz="1200" dirty="0"/>
+                <a:t>(buttonPin2);</a:t>
+              </a:r>
+            </a:p>
+            <a:p>
+              <a:r>
+                <a:rPr lang="en-US" altLang="ko-KR" sz="1200" dirty="0"/>
+                <a:t>  </a:t>
+              </a:r>
+            </a:p>
+            <a:p>
+              <a:r>
+                <a:rPr lang="en-US" altLang="ko-KR" sz="1200" dirty="0"/>
+                <a:t>  if(</a:t>
+              </a:r>
+              <a:r>
+                <a:rPr lang="en-US" altLang="ko-KR" sz="1200" dirty="0" err="1"/>
+                <a:t>buttonState</a:t>
+              </a:r>
+              <a:r>
+                <a:rPr lang="en-US" altLang="ko-KR" sz="1200" dirty="0"/>
+                <a:t> == HIGH) {</a:t>
+              </a:r>
+            </a:p>
+            <a:p>
+              <a:r>
+                <a:rPr lang="en-US" altLang="ko-KR" sz="1200" dirty="0"/>
+                <a:t>    </a:t>
+              </a:r>
+              <a:r>
+                <a:rPr lang="en-US" altLang="ko-KR" sz="1200" dirty="0" err="1"/>
+                <a:t>digitalWrite</a:t>
+              </a:r>
+              <a:r>
+                <a:rPr lang="en-US" altLang="ko-KR" sz="1200" dirty="0"/>
+                <a:t>(</a:t>
+              </a:r>
+              <a:r>
+                <a:rPr lang="en-US" altLang="ko-KR" sz="1200" dirty="0" err="1"/>
+                <a:t>ledPin</a:t>
+              </a:r>
+              <a:r>
+                <a:rPr lang="en-US" altLang="ko-KR" sz="1200" dirty="0"/>
+                <a:t>, LOW);</a:t>
+              </a:r>
+            </a:p>
+            <a:p>
+              <a:r>
+                <a:rPr lang="en-US" altLang="ko-KR" sz="1200" dirty="0"/>
+                <a:t>  }</a:t>
+              </a:r>
+            </a:p>
+            <a:p>
+              <a:r>
+                <a:rPr lang="en-US" altLang="ko-KR" sz="1200" dirty="0"/>
+                <a:t>  else {</a:t>
+              </a:r>
+            </a:p>
+            <a:p>
+              <a:r>
+                <a:rPr lang="en-US" altLang="ko-KR" sz="1200" dirty="0"/>
+                <a:t>    </a:t>
+              </a:r>
+              <a:r>
+                <a:rPr lang="en-US" altLang="ko-KR" sz="1200" dirty="0" err="1"/>
+                <a:t>digitalWrite</a:t>
+              </a:r>
+              <a:r>
+                <a:rPr lang="en-US" altLang="ko-KR" sz="1200" dirty="0"/>
+                <a:t>(</a:t>
+              </a:r>
+              <a:r>
+                <a:rPr lang="en-US" altLang="ko-KR" sz="1200" dirty="0" err="1"/>
+                <a:t>ledPin</a:t>
+              </a:r>
+              <a:r>
+                <a:rPr lang="en-US" altLang="ko-KR" sz="1200" dirty="0"/>
+                <a:t>, HIGH);</a:t>
+              </a:r>
+            </a:p>
+            <a:p>
+              <a:r>
+                <a:rPr lang="en-US" altLang="ko-KR" sz="1200" dirty="0"/>
+                <a:t>  }</a:t>
+              </a:r>
+            </a:p>
+            <a:p>
+              <a:endParaRPr lang="en-US" altLang="ko-KR" sz="1200" dirty="0"/>
+            </a:p>
+            <a:p>
+              <a:r>
+                <a:rPr lang="en-US" altLang="ko-KR" sz="1200" dirty="0"/>
+                <a:t>  if(buttonState2 == HIGH) {</a:t>
+              </a:r>
+            </a:p>
+            <a:p>
+              <a:r>
+                <a:rPr lang="en-US" altLang="ko-KR" sz="1200" dirty="0"/>
+                <a:t>    </a:t>
+              </a:r>
+              <a:r>
+                <a:rPr lang="en-US" altLang="ko-KR" sz="1200" dirty="0" err="1"/>
+                <a:t>digitalWrite</a:t>
+              </a:r>
+              <a:r>
+                <a:rPr lang="en-US" altLang="ko-KR" sz="1200" dirty="0"/>
+                <a:t>(ledPin2, LOW);</a:t>
+              </a:r>
+            </a:p>
+            <a:p>
+              <a:r>
+                <a:rPr lang="en-US" altLang="ko-KR" sz="1200" dirty="0"/>
+                <a:t>  }</a:t>
+              </a:r>
+            </a:p>
+            <a:p>
+              <a:r>
+                <a:rPr lang="en-US" altLang="ko-KR" sz="1200" dirty="0"/>
+                <a:t>  else {</a:t>
+              </a:r>
+            </a:p>
+            <a:p>
+              <a:r>
+                <a:rPr lang="en-US" altLang="ko-KR" sz="1200" dirty="0"/>
+                <a:t>    </a:t>
+              </a:r>
+              <a:r>
+                <a:rPr lang="en-US" altLang="ko-KR" sz="1200" dirty="0" err="1"/>
+                <a:t>digitalWrite</a:t>
+              </a:r>
+              <a:r>
+                <a:rPr lang="en-US" altLang="ko-KR" sz="1200" dirty="0"/>
+                <a:t>(ledPin2, HIGH);</a:t>
+              </a:r>
+            </a:p>
+            <a:p>
+              <a:r>
+                <a:rPr lang="en-US" altLang="ko-KR" sz="1200" dirty="0"/>
+                <a:t>  }</a:t>
+              </a:r>
+            </a:p>
+            <a:p>
+              <a:r>
+                <a:rPr lang="en-US" altLang="ko-KR" sz="1200" dirty="0"/>
+                <a:t>}</a:t>
+              </a:r>
+            </a:p>
+          </p:txBody>
+        </p:sp>
+        <p:sp>
+          <p:nvSpPr>
+            <p:cNvPr id="8" name="직사각형 7">
+              <a:extLst>
+                <a:ext uri="{FF2B5EF4-FFF2-40B4-BE49-F238E27FC236}">
+                  <a16:creationId xmlns:a16="http://schemas.microsoft.com/office/drawing/2014/main" id="{4D030615-304B-4241-9253-55CFDA13DACF}"/>
+                </a:ext>
+              </a:extLst>
+            </p:cNvPr>
+            <p:cNvSpPr/>
+            <p:nvPr/>
+          </p:nvSpPr>
+          <p:spPr>
+            <a:xfrm>
+              <a:off x="5713227" y="984410"/>
+              <a:ext cx="6248399" cy="5869507"/>
+            </a:xfrm>
+            <a:prstGeom prst="rect">
+              <a:avLst/>
+            </a:prstGeom>
+            <a:noFill/>
+            <a:ln w="57150">
+              <a:solidFill>
+                <a:srgbClr val="0070C0"/>
+              </a:solidFill>
+            </a:ln>
+            <a:effectLst/>
+          </p:spPr>
+          <p:style>
+            <a:lnRef idx="2">
+              <a:schemeClr val="accent1">
+                <a:shade val="50000"/>
+              </a:schemeClr>
+            </a:lnRef>
+            <a:fillRef idx="1">
+              <a:schemeClr val="accent1"/>
+            </a:fillRef>
+            <a:effectRef idx="0">
+              <a:schemeClr val="accent1"/>
+            </a:effectRef>
+            <a:fontRef idx="minor">
+              <a:schemeClr val="lt1"/>
+            </a:fontRef>
+          </p:style>
+          <p:txBody>
+            <a:bodyPr rtlCol="0" anchor="ctr"/>
+            <a:lstStyle/>
+            <a:p>
+              <a:pPr algn="ctr"/>
+              <a:endParaRPr lang="ko-KR" altLang="en-US" sz="1400" dirty="0"/>
+            </a:p>
+          </p:txBody>
+        </p:sp>
+      </p:grpSp>
+    </p:spTree>
+    <p:extLst>
+      <p:ext uri="{BB962C8B-B14F-4D97-AF65-F5344CB8AC3E}">
+        <p14:creationId xmlns:p14="http://schemas.microsoft.com/office/powerpoint/2010/main" val="3129345432"/>
+      </p:ext>
+    </p:extLst>
+  </p:cSld>
+  <p:clrMapOvr>
+    <a:masterClrMapping/>
+  </p:clrMapOvr>
+</p:sld>
+</file>
+
+<file path=ppt/slides/slide22.xml><?xml version="1.0" encoding="utf-8"?>
+<p:sld xmlns:a="http://schemas.openxmlformats.org/drawingml/2006/main" xmlns:r="http://schemas.openxmlformats.org/officeDocument/2006/relationships" xmlns:p="http://schemas.openxmlformats.org/presentationml/2006/main">
+  <p:cSld>
+    <p:spTree>
+      <p:nvGrpSpPr>
+        <p:cNvPr id="1" name=""/>
+        <p:cNvGrpSpPr/>
+        <p:nvPr/>
+      </p:nvGrpSpPr>
+      <p:grpSpPr>
+        <a:xfrm>
+          <a:off x="0" y="0"/>
+          <a:ext cx="0" cy="0"/>
+          <a:chOff x="0" y="0"/>
+          <a:chExt cx="0" cy="0"/>
+        </a:xfrm>
+      </p:grpSpPr>
+      <p:sp>
+        <p:nvSpPr>
+          <p:cNvPr id="4" name="직사각형 3">
+            <a:extLst>
+              <a:ext uri="{FF2B5EF4-FFF2-40B4-BE49-F238E27FC236}">
+                <a16:creationId xmlns:a16="http://schemas.microsoft.com/office/drawing/2014/main" id="{8CE2AD40-F434-4036-9D04-C476FB1FB8B7}"/>
+              </a:ext>
+            </a:extLst>
+          </p:cNvPr>
+          <p:cNvSpPr/>
+          <p:nvPr/>
+        </p:nvSpPr>
+        <p:spPr>
+          <a:xfrm>
+            <a:off x="0" y="0"/>
+            <a:ext cx="12192000" cy="721551"/>
+          </a:xfrm>
+          <a:prstGeom prst="rect">
+            <a:avLst/>
+          </a:prstGeom>
+          <a:solidFill>
+            <a:schemeClr val="accent1">
+              <a:lumMod val="75000"/>
+            </a:schemeClr>
+          </a:solidFill>
+        </p:spPr>
+        <p:style>
+          <a:lnRef idx="2">
+            <a:schemeClr val="accent1">
+              <a:shade val="50000"/>
+            </a:schemeClr>
+          </a:lnRef>
+          <a:fillRef idx="1">
+            <a:schemeClr val="accent1"/>
+          </a:fillRef>
+          <a:effectRef idx="0">
+            <a:schemeClr val="accent1"/>
+          </a:effectRef>
+          <a:fontRef idx="minor">
+            <a:schemeClr val="lt1"/>
+          </a:fontRef>
+        </p:style>
+        <p:txBody>
+          <a:bodyPr rtlCol="0" anchor="ctr"/>
+          <a:lstStyle/>
+          <a:p>
+            <a:r>
+              <a:rPr lang="ko-KR" altLang="en-US" sz="3000" dirty="0">
+                <a:solidFill>
+                  <a:schemeClr val="bg1"/>
+                </a:solidFill>
+              </a:rPr>
               <a:t>  마무리</a:t>
             </a:r>
           </a:p>
@@ -14049,7 +15392,7 @@
                   <a:schemeClr val="bg1"/>
                 </a:solidFill>
               </a:rPr>
-              <a:t>코드</a:t>
+              <a:t>목 차</a:t>
             </a:r>
             <a:r>
               <a:rPr lang="en-US" altLang="ko-KR" sz="3000" dirty="0">
